--- a/public/uploads/slides/ppt/Pop-ups.pptx
+++ b/public/uploads/slides/ppt/Pop-ups.pptx
@@ -11,11 +11,11 @@
     <p:sldId id="256" r:id="rId2"/>
     <p:sldId id="257" r:id="rId3"/>
     <p:sldId id="258" r:id="rId4"/>
-    <p:sldId id="259" r:id="rId5"/>
-    <p:sldId id="260" r:id="rId6"/>
-    <p:sldId id="261" r:id="rId7"/>
-    <p:sldId id="262" r:id="rId8"/>
-    <p:sldId id="263" r:id="rId9"/>
+    <p:sldId id="266" r:id="rId5"/>
+    <p:sldId id="267" r:id="rId6"/>
+    <p:sldId id="268" r:id="rId7"/>
+    <p:sldId id="269" r:id="rId8"/>
+    <p:sldId id="270" r:id="rId9"/>
     <p:sldId id="264" r:id="rId10"/>
     <p:sldId id="265" r:id="rId11"/>
   </p:sldIdLst>
@@ -4253,10 +4253,10 @@
         </p:nvGrpSpPr>
         <p:grpSpPr>
           <a:xfrm>
-            <a:off x="-254236" y="-375470"/>
-            <a:ext cx="24118870" cy="13484323"/>
-            <a:chOff x="-254236" y="-375470"/>
-            <a:chExt cx="24118870" cy="13484323"/>
+            <a:off x="-254236" y="-14040"/>
+            <a:ext cx="24118870" cy="13122893"/>
+            <a:chOff x="-254236" y="-14040"/>
+            <a:chExt cx="24118870" cy="13122893"/>
           </a:xfrm>
         </p:grpSpPr>
         <p:sp>
@@ -4267,8 +4267,8 @@
           </p:nvSpPr>
           <p:spPr>
             <a:xfrm>
-              <a:off x="5037" y="-375470"/>
-              <a:ext cx="17058978" cy="5562601"/>
+              <a:off x="5037" y="-14040"/>
+              <a:ext cx="17058978" cy="5201171"/>
             </a:xfrm>
             <a:prstGeom prst="rect">
               <a:avLst/>
@@ -5038,10 +5038,10 @@
         </p:nvGrpSpPr>
         <p:grpSpPr>
           <a:xfrm>
-            <a:off x="8240" y="-576935"/>
-            <a:ext cx="24454719" cy="10810562"/>
-            <a:chOff x="8240" y="-576935"/>
-            <a:chExt cx="24454719" cy="10810562"/>
+            <a:off x="-32300" y="-576935"/>
+            <a:ext cx="24495259" cy="10810562"/>
+            <a:chOff x="-32300" y="-576935"/>
+            <a:chExt cx="24495259" cy="10810562"/>
           </a:xfrm>
         </p:grpSpPr>
         <p:sp>
@@ -5765,8 +5765,8 @@
           </p:nvSpPr>
           <p:spPr>
             <a:xfrm>
-              <a:off x="8240" y="3225128"/>
-              <a:ext cx="12314562" cy="2321716"/>
+              <a:off x="-32300" y="2685870"/>
+              <a:ext cx="12355102" cy="2321716"/>
             </a:xfrm>
             <a:prstGeom prst="rect">
               <a:avLst/>
@@ -5808,7 +5808,7 @@
           </p:nvSpPr>
           <p:spPr>
             <a:xfrm rot="5400000">
-              <a:off x="11791615" y="3750288"/>
+              <a:off x="11791615" y="3211030"/>
               <a:ext cx="2321715" cy="1271395"/>
             </a:xfrm>
             <a:custGeom>
@@ -5879,7 +5879,7 @@
           </p:nvSpPr>
           <p:spPr>
             <a:xfrm>
-              <a:off x="504899" y="1566572"/>
+              <a:off x="504899" y="1027314"/>
               <a:ext cx="11321245" cy="3931013"/>
             </a:xfrm>
             <a:prstGeom prst="rect">
@@ -6098,16 +6098,214 @@
           <a:chExt cx="0" cy="0"/>
         </a:xfrm>
       </p:grpSpPr>
+      <p:pic>
+        <p:nvPicPr>
+          <p:cNvPr id="3" name="Picture 2">
+            <a:extLst>
+              <a:ext uri="{FF2B5EF4-FFF2-40B4-BE49-F238E27FC236}">
+                <a16:creationId xmlns:a16="http://schemas.microsoft.com/office/drawing/2014/main" id="{39D2EB15-A9D4-9945-AED8-27625DEF542B}"/>
+              </a:ext>
+            </a:extLst>
+          </p:cNvPr>
+          <p:cNvPicPr>
+            <a:picLocks noChangeAspect="1"/>
+          </p:cNvPicPr>
+          <p:nvPr/>
+        </p:nvPicPr>
+        <p:blipFill>
+          <a:blip r:embed="rId2"/>
+          <a:stretch>
+            <a:fillRect/>
+          </a:stretch>
+        </p:blipFill>
+        <p:spPr>
+          <a:xfrm>
+            <a:off x="-32300" y="-39887"/>
+            <a:ext cx="19507092" cy="5943600"/>
+          </a:xfrm>
+          <a:prstGeom prst="rect">
+            <a:avLst/>
+          </a:prstGeom>
+        </p:spPr>
+      </p:pic>
       <p:sp>
         <p:nvSpPr>
-          <p:cNvPr id="186" name="Shape 186"/>
+          <p:cNvPr id="152" name="Shape 152"/>
           <p:cNvSpPr/>
           <p:nvPr/>
         </p:nvSpPr>
         <p:spPr>
           <a:xfrm>
-            <a:off x="4121628" y="10987347"/>
-            <a:ext cx="3687763" cy="2235201"/>
+            <a:off x="540163" y="10442288"/>
+            <a:ext cx="2914642" cy="638176"/>
+          </a:xfrm>
+          <a:prstGeom prst="rect">
+            <a:avLst/>
+          </a:prstGeom>
+          <a:ln w="12700">
+            <a:miter lim="400000"/>
+          </a:ln>
+          <a:extLst>
+            <a:ext uri="{C572A759-6A51-4108-AA02-DFA0A04FC94B}">
+              <ma14:wrappingTextBoxFlag xmlns:ma14="http://schemas.microsoft.com/office/mac/drawingml/2011/main" xmlns="" val="1"/>
+            </a:ext>
+          </a:extLst>
+        </p:spPr>
+        <p:txBody>
+          <a:bodyPr lIns="71437" tIns="71437" rIns="71437" bIns="71437">
+            <a:spAutoFit/>
+          </a:bodyPr>
+          <a:lstStyle>
+            <a:lvl1pPr>
+              <a:defRPr b="0">
+                <a:solidFill>
+                  <a:srgbClr val="FF2830"/>
+                </a:solidFill>
+                <a:latin typeface="Montserrat Medium"/>
+                <a:ea typeface="Montserrat Medium"/>
+                <a:cs typeface="Montserrat Medium"/>
+                <a:sym typeface="Montserrat Medium"/>
+              </a:defRPr>
+            </a:lvl1pPr>
+          </a:lstStyle>
+          <a:p>
+            <a:r>
+              <a:rPr dirty="0"/>
+              <a:t>[</a:t>
+            </a:r>
+            <a:r>
+              <a:rPr lang="en-AU" dirty="0"/>
+              <a:t>10 mins</a:t>
+            </a:r>
+            <a:r>
+              <a:rPr dirty="0"/>
+              <a:t>]</a:t>
+            </a:r>
+          </a:p>
+        </p:txBody>
+      </p:sp>
+      <p:sp>
+        <p:nvSpPr>
+          <p:cNvPr id="153" name="Shape 153"/>
+          <p:cNvSpPr/>
+          <p:nvPr/>
+        </p:nvSpPr>
+        <p:spPr>
+          <a:xfrm>
+            <a:off x="4913184" y="10442288"/>
+            <a:ext cx="2104652" cy="636712"/>
+          </a:xfrm>
+          <a:prstGeom prst="rect">
+            <a:avLst/>
+          </a:prstGeom>
+          <a:ln w="12700">
+            <a:miter lim="400000"/>
+          </a:ln>
+          <a:extLst>
+            <a:ext uri="{C572A759-6A51-4108-AA02-DFA0A04FC94B}">
+              <ma14:wrappingTextBoxFlag xmlns:ma14="http://schemas.microsoft.com/office/mac/drawingml/2011/main" xmlns="" val="1"/>
+            </a:ext>
+          </a:extLst>
+        </p:spPr>
+        <p:txBody>
+          <a:bodyPr lIns="71437" tIns="71437" rIns="71437" bIns="71437">
+            <a:spAutoFit/>
+          </a:bodyPr>
+          <a:lstStyle>
+            <a:lvl1pPr>
+              <a:defRPr b="0">
+                <a:solidFill>
+                  <a:srgbClr val="FF2830"/>
+                </a:solidFill>
+                <a:latin typeface="Montserrat Medium"/>
+                <a:ea typeface="Montserrat Medium"/>
+                <a:cs typeface="Montserrat Medium"/>
+                <a:sym typeface="Montserrat Medium"/>
+              </a:defRPr>
+            </a:lvl1pPr>
+          </a:lstStyle>
+          <a:p>
+            <a:r>
+              <a:rPr dirty="0"/>
+              <a:t>[</a:t>
+            </a:r>
+            <a:r>
+              <a:rPr lang="en-AU" dirty="0"/>
+              <a:t>15 mins</a:t>
+            </a:r>
+            <a:r>
+              <a:rPr dirty="0"/>
+              <a:t>] </a:t>
+            </a:r>
+          </a:p>
+        </p:txBody>
+      </p:sp>
+      <p:sp>
+        <p:nvSpPr>
+          <p:cNvPr id="154" name="Shape 154"/>
+          <p:cNvSpPr/>
+          <p:nvPr/>
+        </p:nvSpPr>
+        <p:spPr>
+          <a:xfrm>
+            <a:off x="20560482" y="10442288"/>
+            <a:ext cx="2554258" cy="638176"/>
+          </a:xfrm>
+          <a:prstGeom prst="rect">
+            <a:avLst/>
+          </a:prstGeom>
+          <a:ln w="12700">
+            <a:miter lim="400000"/>
+          </a:ln>
+          <a:extLst>
+            <a:ext uri="{C572A759-6A51-4108-AA02-DFA0A04FC94B}">
+              <ma14:wrappingTextBoxFlag xmlns:ma14="http://schemas.microsoft.com/office/mac/drawingml/2011/main" xmlns="" val="1"/>
+            </a:ext>
+          </a:extLst>
+        </p:spPr>
+        <p:txBody>
+          <a:bodyPr lIns="71437" tIns="71437" rIns="71437" bIns="71437">
+            <a:spAutoFit/>
+          </a:bodyPr>
+          <a:lstStyle>
+            <a:lvl1pPr>
+              <a:defRPr b="0">
+                <a:solidFill>
+                  <a:srgbClr val="FF2830"/>
+                </a:solidFill>
+                <a:latin typeface="Montserrat Medium"/>
+                <a:ea typeface="Montserrat Medium"/>
+                <a:cs typeface="Montserrat Medium"/>
+                <a:sym typeface="Montserrat Medium"/>
+              </a:defRPr>
+            </a:lvl1pPr>
+          </a:lstStyle>
+          <a:p>
+            <a:r>
+              <a:rPr dirty="0"/>
+              <a:t>[1</a:t>
+            </a:r>
+            <a:r>
+              <a:rPr lang="en-AU" dirty="0"/>
+              <a:t>0</a:t>
+            </a:r>
+            <a:r>
+              <a:rPr dirty="0"/>
+              <a:t> min]</a:t>
+            </a:r>
+          </a:p>
+        </p:txBody>
+      </p:sp>
+      <p:sp>
+        <p:nvSpPr>
+          <p:cNvPr id="155" name="Shape 155"/>
+          <p:cNvSpPr/>
+          <p:nvPr/>
+        </p:nvSpPr>
+        <p:spPr>
+          <a:xfrm>
+            <a:off x="4121627" y="10987347"/>
+            <a:ext cx="3687764" cy="2235201"/>
           </a:xfrm>
           <a:custGeom>
             <a:avLst/>
@@ -6186,7 +6384,7 @@
           </a:ln>
           <a:extLst>
             <a:ext uri="{C572A759-6A51-4108-AA02-DFA0A04FC94B}">
-              <ma14:wrappingTextBoxFlag xmlns="" xmlns:ma14="http://schemas.microsoft.com/office/mac/drawingml/2011/main" val="1"/>
+              <ma14:wrappingTextBoxFlag xmlns:ma14="http://schemas.microsoft.com/office/mac/drawingml/2011/main" xmlns="" val="1"/>
             </a:ext>
           </a:extLst>
         </p:spPr>
@@ -6212,231 +6410,9 @@
           </a:p>
         </p:txBody>
       </p:sp>
-      <p:pic>
-        <p:nvPicPr>
-          <p:cNvPr id="9" name="Picture 8">
-            <a:extLst>
-              <a:ext uri="{FF2B5EF4-FFF2-40B4-BE49-F238E27FC236}">
-                <a16:creationId xmlns:a16="http://schemas.microsoft.com/office/drawing/2014/main" id="{E1C38CBB-108C-9C4F-9DAE-E5949CD1B484}"/>
-              </a:ext>
-            </a:extLst>
-          </p:cNvPr>
-          <p:cNvPicPr>
-            <a:picLocks noChangeAspect="1"/>
-          </p:cNvPicPr>
-          <p:nvPr/>
-        </p:nvPicPr>
-        <p:blipFill>
-          <a:blip r:embed="rId2"/>
-          <a:stretch>
-            <a:fillRect/>
-          </a:stretch>
-        </p:blipFill>
-        <p:spPr>
-          <a:xfrm>
-            <a:off x="-32300" y="-39887"/>
-            <a:ext cx="19507092" cy="5943600"/>
-          </a:xfrm>
-          <a:prstGeom prst="rect">
-            <a:avLst/>
-          </a:prstGeom>
-        </p:spPr>
-      </p:pic>
       <p:sp>
         <p:nvSpPr>
-          <p:cNvPr id="10" name="Shape 152">
-            <a:extLst>
-              <a:ext uri="{FF2B5EF4-FFF2-40B4-BE49-F238E27FC236}">
-                <a16:creationId xmlns:a16="http://schemas.microsoft.com/office/drawing/2014/main" id="{78BC406B-3120-2947-B43C-7E43C547E93F}"/>
-              </a:ext>
-            </a:extLst>
-          </p:cNvPr>
-          <p:cNvSpPr/>
-          <p:nvPr/>
-        </p:nvSpPr>
-        <p:spPr>
-          <a:xfrm>
-            <a:off x="540163" y="10442288"/>
-            <a:ext cx="2914642" cy="638176"/>
-          </a:xfrm>
-          <a:prstGeom prst="rect">
-            <a:avLst/>
-          </a:prstGeom>
-          <a:ln w="12700">
-            <a:miter lim="400000"/>
-          </a:ln>
-          <a:extLst>
-            <a:ext uri="{C572A759-6A51-4108-AA02-DFA0A04FC94B}">
-              <ma14:wrappingTextBoxFlag xmlns="" xmlns:ma14="http://schemas.microsoft.com/office/mac/drawingml/2011/main" val="1"/>
-            </a:ext>
-          </a:extLst>
-        </p:spPr>
-        <p:txBody>
-          <a:bodyPr lIns="71437" tIns="71437" rIns="71437" bIns="71437">
-            <a:spAutoFit/>
-          </a:bodyPr>
-          <a:lstStyle>
-            <a:lvl1pPr>
-              <a:defRPr b="0">
-                <a:solidFill>
-                  <a:srgbClr val="FF2830"/>
-                </a:solidFill>
-                <a:latin typeface="Montserrat Medium"/>
-                <a:ea typeface="Montserrat Medium"/>
-                <a:cs typeface="Montserrat Medium"/>
-                <a:sym typeface="Montserrat Medium"/>
-              </a:defRPr>
-            </a:lvl1pPr>
-          </a:lstStyle>
-          <a:p>
-            <a:r>
-              <a:rPr dirty="0"/>
-              <a:t>[</a:t>
-            </a:r>
-            <a:r>
-              <a:rPr lang="en-AU" dirty="0"/>
-              <a:t>10 mins</a:t>
-            </a:r>
-            <a:r>
-              <a:rPr dirty="0"/>
-              <a:t>]</a:t>
-            </a:r>
-          </a:p>
-        </p:txBody>
-      </p:sp>
-      <p:sp>
-        <p:nvSpPr>
-          <p:cNvPr id="11" name="Shape 153">
-            <a:extLst>
-              <a:ext uri="{FF2B5EF4-FFF2-40B4-BE49-F238E27FC236}">
-                <a16:creationId xmlns:a16="http://schemas.microsoft.com/office/drawing/2014/main" id="{54F7A7D0-3B9C-8946-973B-AA77D07880CB}"/>
-              </a:ext>
-            </a:extLst>
-          </p:cNvPr>
-          <p:cNvSpPr/>
-          <p:nvPr/>
-        </p:nvSpPr>
-        <p:spPr>
-          <a:xfrm>
-            <a:off x="4913184" y="10442288"/>
-            <a:ext cx="2104652" cy="636712"/>
-          </a:xfrm>
-          <a:prstGeom prst="rect">
-            <a:avLst/>
-          </a:prstGeom>
-          <a:ln w="12700">
-            <a:miter lim="400000"/>
-          </a:ln>
-          <a:extLst>
-            <a:ext uri="{C572A759-6A51-4108-AA02-DFA0A04FC94B}">
-              <ma14:wrappingTextBoxFlag xmlns="" xmlns:ma14="http://schemas.microsoft.com/office/mac/drawingml/2011/main" val="1"/>
-            </a:ext>
-          </a:extLst>
-        </p:spPr>
-        <p:txBody>
-          <a:bodyPr lIns="71437" tIns="71437" rIns="71437" bIns="71437">
-            <a:spAutoFit/>
-          </a:bodyPr>
-          <a:lstStyle>
-            <a:lvl1pPr>
-              <a:defRPr b="0">
-                <a:solidFill>
-                  <a:srgbClr val="FF2830"/>
-                </a:solidFill>
-                <a:latin typeface="Montserrat Medium"/>
-                <a:ea typeface="Montserrat Medium"/>
-                <a:cs typeface="Montserrat Medium"/>
-                <a:sym typeface="Montserrat Medium"/>
-              </a:defRPr>
-            </a:lvl1pPr>
-          </a:lstStyle>
-          <a:p>
-            <a:r>
-              <a:rPr dirty="0"/>
-              <a:t>[</a:t>
-            </a:r>
-            <a:r>
-              <a:rPr lang="en-AU" dirty="0"/>
-              <a:t>15 mins</a:t>
-            </a:r>
-            <a:r>
-              <a:rPr dirty="0"/>
-              <a:t>] </a:t>
-            </a:r>
-          </a:p>
-        </p:txBody>
-      </p:sp>
-      <p:sp>
-        <p:nvSpPr>
-          <p:cNvPr id="12" name="Shape 154">
-            <a:extLst>
-              <a:ext uri="{FF2B5EF4-FFF2-40B4-BE49-F238E27FC236}">
-                <a16:creationId xmlns:a16="http://schemas.microsoft.com/office/drawing/2014/main" id="{E922DBC5-E1E9-CD4E-A6EF-DC31B6DEE2C7}"/>
-              </a:ext>
-            </a:extLst>
-          </p:cNvPr>
-          <p:cNvSpPr/>
-          <p:nvPr/>
-        </p:nvSpPr>
-        <p:spPr>
-          <a:xfrm>
-            <a:off x="20560482" y="10442288"/>
-            <a:ext cx="2554258" cy="638176"/>
-          </a:xfrm>
-          <a:prstGeom prst="rect">
-            <a:avLst/>
-          </a:prstGeom>
-          <a:ln w="12700">
-            <a:miter lim="400000"/>
-          </a:ln>
-          <a:extLst>
-            <a:ext uri="{C572A759-6A51-4108-AA02-DFA0A04FC94B}">
-              <ma14:wrappingTextBoxFlag xmlns="" xmlns:ma14="http://schemas.microsoft.com/office/mac/drawingml/2011/main" val="1"/>
-            </a:ext>
-          </a:extLst>
-        </p:spPr>
-        <p:txBody>
-          <a:bodyPr lIns="71437" tIns="71437" rIns="71437" bIns="71437">
-            <a:spAutoFit/>
-          </a:bodyPr>
-          <a:lstStyle>
-            <a:lvl1pPr>
-              <a:defRPr b="0">
-                <a:solidFill>
-                  <a:srgbClr val="FF2830"/>
-                </a:solidFill>
-                <a:latin typeface="Montserrat Medium"/>
-                <a:ea typeface="Montserrat Medium"/>
-                <a:cs typeface="Montserrat Medium"/>
-                <a:sym typeface="Montserrat Medium"/>
-              </a:defRPr>
-            </a:lvl1pPr>
-          </a:lstStyle>
-          <a:p>
-            <a:r>
-              <a:rPr dirty="0"/>
-              <a:t>[1</a:t>
-            </a:r>
-            <a:r>
-              <a:rPr lang="en-AU" dirty="0"/>
-              <a:t>0</a:t>
-            </a:r>
-            <a:r>
-              <a:rPr dirty="0"/>
-              <a:t> min]</a:t>
-            </a:r>
-          </a:p>
-        </p:txBody>
-      </p:sp>
-      <p:sp>
-        <p:nvSpPr>
-          <p:cNvPr id="13" name="Shape 156">
-            <a:extLst>
-              <a:ext uri="{FF2B5EF4-FFF2-40B4-BE49-F238E27FC236}">
-                <a16:creationId xmlns:a16="http://schemas.microsoft.com/office/drawing/2014/main" id="{F82BDA87-1D0B-BB40-8002-8E234B8B91B3}"/>
-              </a:ext>
-            </a:extLst>
-          </p:cNvPr>
+          <p:cNvPr id="156" name="Shape 156"/>
           <p:cNvSpPr/>
           <p:nvPr/>
         </p:nvSpPr>
@@ -6453,7 +6429,7 @@
           </a:ln>
           <a:extLst>
             <a:ext uri="{C572A759-6A51-4108-AA02-DFA0A04FC94B}">
-              <ma14:wrappingTextBoxFlag xmlns="" xmlns:ma14="http://schemas.microsoft.com/office/mac/drawingml/2011/main" val="1"/>
+              <ma14:wrappingTextBoxFlag xmlns:ma14="http://schemas.microsoft.com/office/mac/drawingml/2011/main" xmlns="" val="1"/>
             </a:ext>
           </a:extLst>
         </p:spPr>
@@ -6492,13 +6468,7 @@
       </p:sp>
       <p:sp>
         <p:nvSpPr>
-          <p:cNvPr id="14" name="Shape 164">
-            <a:extLst>
-              <a:ext uri="{FF2B5EF4-FFF2-40B4-BE49-F238E27FC236}">
-                <a16:creationId xmlns:a16="http://schemas.microsoft.com/office/drawing/2014/main" id="{BB92A819-0E1B-A040-A894-4DA5C0EF34FA}"/>
-              </a:ext>
-            </a:extLst>
-          </p:cNvPr>
+          <p:cNvPr id="164" name="Shape 164"/>
           <p:cNvSpPr/>
           <p:nvPr/>
         </p:nvSpPr>
@@ -6515,7 +6485,7 @@
           </a:ln>
           <a:extLst>
             <a:ext uri="{C572A759-6A51-4108-AA02-DFA0A04FC94B}">
-              <ma14:wrappingTextBoxFlag xmlns="" xmlns:ma14="http://schemas.microsoft.com/office/mac/drawingml/2011/main" val="1"/>
+              <ma14:wrappingTextBoxFlag xmlns:ma14="http://schemas.microsoft.com/office/mac/drawingml/2011/main" xmlns="" val="1"/>
             </a:ext>
           </a:extLst>
         </p:spPr>
@@ -6554,13 +6524,7 @@
       </p:sp>
       <p:sp>
         <p:nvSpPr>
-          <p:cNvPr id="15" name="Shape 166">
-            <a:extLst>
-              <a:ext uri="{FF2B5EF4-FFF2-40B4-BE49-F238E27FC236}">
-                <a16:creationId xmlns:a16="http://schemas.microsoft.com/office/drawing/2014/main" id="{5CEA9BF5-2D1E-2240-BD94-DA71B03CE172}"/>
-              </a:ext>
-            </a:extLst>
-          </p:cNvPr>
+          <p:cNvPr id="166" name="Shape 166"/>
           <p:cNvSpPr/>
           <p:nvPr/>
         </p:nvSpPr>
@@ -6577,7 +6541,7 @@
           </a:ln>
           <a:extLst>
             <a:ext uri="{C572A759-6A51-4108-AA02-DFA0A04FC94B}">
-              <ma14:wrappingTextBoxFlag xmlns="" xmlns:ma14="http://schemas.microsoft.com/office/mac/drawingml/2011/main" val="1"/>
+              <ma14:wrappingTextBoxFlag xmlns:ma14="http://schemas.microsoft.com/office/mac/drawingml/2011/main" xmlns="" val="1"/>
             </a:ext>
           </a:extLst>
         </p:spPr>
@@ -6608,10 +6572,10 @@
       </p:sp>
       <p:grpSp>
         <p:nvGrpSpPr>
-          <p:cNvPr id="16" name="Group 15">
+          <p:cNvPr id="2" name="Group 1">
             <a:extLst>
               <a:ext uri="{FF2B5EF4-FFF2-40B4-BE49-F238E27FC236}">
-                <a16:creationId xmlns:a16="http://schemas.microsoft.com/office/drawing/2014/main" id="{FE547087-1A13-DC49-B8AD-1C9B9919F8B4}"/>
+                <a16:creationId xmlns:a16="http://schemas.microsoft.com/office/drawing/2014/main" id="{662C4E40-F3DE-944C-83FA-894A0483E1A3}"/>
               </a:ext>
             </a:extLst>
           </p:cNvPr>
@@ -6620,21 +6584,15 @@
         </p:nvGrpSpPr>
         <p:grpSpPr>
           <a:xfrm>
-            <a:off x="8240" y="-576935"/>
-            <a:ext cx="24454719" cy="10810562"/>
-            <a:chOff x="8240" y="-576935"/>
-            <a:chExt cx="24454719" cy="10810562"/>
+            <a:off x="-32300" y="-576935"/>
+            <a:ext cx="24495259" cy="10810562"/>
+            <a:chOff x="-32300" y="-576935"/>
+            <a:chExt cx="24495259" cy="10810562"/>
           </a:xfrm>
         </p:grpSpPr>
         <p:sp>
           <p:nvSpPr>
-            <p:cNvPr id="17" name="Shape 139">
-              <a:extLst>
-                <a:ext uri="{FF2B5EF4-FFF2-40B4-BE49-F238E27FC236}">
-                  <a16:creationId xmlns:a16="http://schemas.microsoft.com/office/drawing/2014/main" id="{3D1BA0A9-A507-CC4E-8766-3803150E5385}"/>
-                </a:ext>
-              </a:extLst>
-            </p:cNvPr>
+            <p:cNvPr id="139" name="Shape 139"/>
             <p:cNvSpPr/>
             <p:nvPr/>
           </p:nvSpPr>
@@ -6705,13 +6663,7 @@
         </p:sp>
         <p:sp>
           <p:nvSpPr>
-            <p:cNvPr id="18" name="Shape 140">
-              <a:extLst>
-                <a:ext uri="{FF2B5EF4-FFF2-40B4-BE49-F238E27FC236}">
-                  <a16:creationId xmlns:a16="http://schemas.microsoft.com/office/drawing/2014/main" id="{93D44E74-47A7-4846-B24C-4D61FB183CB0}"/>
-                </a:ext>
-              </a:extLst>
-            </p:cNvPr>
+            <p:cNvPr id="140" name="Shape 140"/>
             <p:cNvSpPr/>
             <p:nvPr/>
           </p:nvSpPr>
@@ -6782,13 +6734,7 @@
         </p:sp>
         <p:sp>
           <p:nvSpPr>
-            <p:cNvPr id="19" name="Shape 141">
-              <a:extLst>
-                <a:ext uri="{FF2B5EF4-FFF2-40B4-BE49-F238E27FC236}">
-                  <a16:creationId xmlns:a16="http://schemas.microsoft.com/office/drawing/2014/main" id="{43050C20-71BE-7B46-A5C3-56F1D7D3BA61}"/>
-                </a:ext>
-              </a:extLst>
-            </p:cNvPr>
+            <p:cNvPr id="141" name="Shape 141"/>
             <p:cNvSpPr/>
             <p:nvPr/>
           </p:nvSpPr>
@@ -6828,13 +6774,7 @@
         </p:sp>
         <p:sp>
           <p:nvSpPr>
-            <p:cNvPr id="20" name="Shape 142">
-              <a:extLst>
-                <a:ext uri="{FF2B5EF4-FFF2-40B4-BE49-F238E27FC236}">
-                  <a16:creationId xmlns:a16="http://schemas.microsoft.com/office/drawing/2014/main" id="{C9A3445E-308E-0F45-950A-DAB1AB387613}"/>
-                </a:ext>
-              </a:extLst>
-            </p:cNvPr>
+            <p:cNvPr id="142" name="Shape 142"/>
             <p:cNvSpPr/>
             <p:nvPr/>
           </p:nvSpPr>
@@ -6851,7 +6791,7 @@
             </a:ln>
             <a:extLst>
               <a:ext uri="{C572A759-6A51-4108-AA02-DFA0A04FC94B}">
-                <ma14:wrappingTextBoxFlag xmlns="" xmlns:ma14="http://schemas.microsoft.com/office/mac/drawingml/2011/main" val="1"/>
+                <ma14:wrappingTextBoxFlag xmlns:ma14="http://schemas.microsoft.com/office/mac/drawingml/2011/main" xmlns="" val="1"/>
               </a:ext>
             </a:extLst>
           </p:spPr>
@@ -6889,13 +6829,7 @@
         </p:sp>
         <p:sp>
           <p:nvSpPr>
-            <p:cNvPr id="21" name="Shape 143">
-              <a:extLst>
-                <a:ext uri="{FF2B5EF4-FFF2-40B4-BE49-F238E27FC236}">
-                  <a16:creationId xmlns:a16="http://schemas.microsoft.com/office/drawing/2014/main" id="{29B1C8B2-D1A1-A14D-9C5A-1FED5D6F2E25}"/>
-                </a:ext>
-              </a:extLst>
-            </p:cNvPr>
+            <p:cNvPr id="143" name="Shape 143"/>
             <p:cNvSpPr/>
             <p:nvPr/>
           </p:nvSpPr>
@@ -6912,7 +6846,7 @@
             </a:ln>
             <a:extLst>
               <a:ext uri="{C572A759-6A51-4108-AA02-DFA0A04FC94B}">
-                <ma14:wrappingTextBoxFlag xmlns="" xmlns:ma14="http://schemas.microsoft.com/office/mac/drawingml/2011/main" val="1"/>
+                <ma14:wrappingTextBoxFlag xmlns:ma14="http://schemas.microsoft.com/office/mac/drawingml/2011/main" xmlns="" val="1"/>
               </a:ext>
             </a:extLst>
           </p:spPr>
@@ -6940,13 +6874,7 @@
         </p:sp>
         <p:sp>
           <p:nvSpPr>
-            <p:cNvPr id="22" name="Shape 144">
-              <a:extLst>
-                <a:ext uri="{FF2B5EF4-FFF2-40B4-BE49-F238E27FC236}">
-                  <a16:creationId xmlns:a16="http://schemas.microsoft.com/office/drawing/2014/main" id="{886B8A6F-3ECA-A94B-B1CE-6F954A4B34D7}"/>
-                </a:ext>
-              </a:extLst>
-            </p:cNvPr>
+            <p:cNvPr id="144" name="Shape 144"/>
             <p:cNvSpPr/>
             <p:nvPr/>
           </p:nvSpPr>
@@ -7017,13 +6945,7 @@
         </p:sp>
         <p:sp>
           <p:nvSpPr>
-            <p:cNvPr id="23" name="Shape 145">
-              <a:extLst>
-                <a:ext uri="{FF2B5EF4-FFF2-40B4-BE49-F238E27FC236}">
-                  <a16:creationId xmlns:a16="http://schemas.microsoft.com/office/drawing/2014/main" id="{92E1BDC0-BCDC-E647-B8F9-1B87DD14F83C}"/>
-                </a:ext>
-              </a:extLst>
-            </p:cNvPr>
+            <p:cNvPr id="145" name="Shape 145"/>
             <p:cNvSpPr/>
             <p:nvPr/>
           </p:nvSpPr>
@@ -7063,13 +6985,7 @@
         </p:sp>
         <p:sp>
           <p:nvSpPr>
-            <p:cNvPr id="24" name="Shape 146">
-              <a:extLst>
-                <a:ext uri="{FF2B5EF4-FFF2-40B4-BE49-F238E27FC236}">
-                  <a16:creationId xmlns:a16="http://schemas.microsoft.com/office/drawing/2014/main" id="{88C374BA-2539-BF47-AD24-6AE37EE93998}"/>
-                </a:ext>
-              </a:extLst>
-            </p:cNvPr>
+            <p:cNvPr id="146" name="Shape 146"/>
             <p:cNvSpPr/>
             <p:nvPr/>
           </p:nvSpPr>
@@ -7086,7 +7002,7 @@
             </a:ln>
             <a:extLst>
               <a:ext uri="{C572A759-6A51-4108-AA02-DFA0A04FC94B}">
-                <ma14:wrappingTextBoxFlag xmlns="" xmlns:ma14="http://schemas.microsoft.com/office/mac/drawingml/2011/main" val="1"/>
+                <ma14:wrappingTextBoxFlag xmlns:ma14="http://schemas.microsoft.com/office/mac/drawingml/2011/main" xmlns="" val="1"/>
               </a:ext>
             </a:extLst>
           </p:spPr>
@@ -7157,13 +7073,7 @@
         </p:sp>
         <p:sp>
           <p:nvSpPr>
-            <p:cNvPr id="25" name="Shape 147">
-              <a:extLst>
-                <a:ext uri="{FF2B5EF4-FFF2-40B4-BE49-F238E27FC236}">
-                  <a16:creationId xmlns:a16="http://schemas.microsoft.com/office/drawing/2014/main" id="{C1434FE3-47E4-8142-BBB1-194773F61C45}"/>
-                </a:ext>
-              </a:extLst>
-            </p:cNvPr>
+            <p:cNvPr id="147" name="Shape 147"/>
             <p:cNvSpPr/>
             <p:nvPr/>
           </p:nvSpPr>
@@ -7203,13 +7113,7 @@
         </p:sp>
         <p:sp>
           <p:nvSpPr>
-            <p:cNvPr id="26" name="Shape 148">
-              <a:extLst>
-                <a:ext uri="{FF2B5EF4-FFF2-40B4-BE49-F238E27FC236}">
-                  <a16:creationId xmlns:a16="http://schemas.microsoft.com/office/drawing/2014/main" id="{641992BC-D2C9-5642-AB58-0ADB32685C5A}"/>
-                </a:ext>
-              </a:extLst>
-            </p:cNvPr>
+            <p:cNvPr id="148" name="Shape 148"/>
             <p:cNvSpPr/>
             <p:nvPr/>
           </p:nvSpPr>
@@ -7222,14 +7126,14 @@
               <a:avLst/>
             </a:prstGeom>
             <a:solidFill>
-              <a:srgbClr val="EE5150"/>
+              <a:srgbClr val="D6D6D6"/>
             </a:solidFill>
             <a:ln w="12700">
               <a:miter lim="400000"/>
             </a:ln>
             <a:extLst>
               <a:ext uri="{C572A759-6A51-4108-AA02-DFA0A04FC94B}">
-                <ma14:wrappingTextBoxFlag xmlns="" xmlns:ma14="http://schemas.microsoft.com/office/mac/drawingml/2011/main" val="1"/>
+                <ma14:wrappingTextBoxFlag xmlns:ma14="http://schemas.microsoft.com/office/mac/drawingml/2011/main" xmlns="" val="1"/>
               </a:ext>
             </a:extLst>
           </p:spPr>
@@ -7257,13 +7161,7 @@
         </p:sp>
         <p:sp>
           <p:nvSpPr>
-            <p:cNvPr id="27" name="Shape 149">
-              <a:extLst>
-                <a:ext uri="{FF2B5EF4-FFF2-40B4-BE49-F238E27FC236}">
-                  <a16:creationId xmlns:a16="http://schemas.microsoft.com/office/drawing/2014/main" id="{821BFA95-8615-A14B-A69D-F423315D274B}"/>
-                </a:ext>
-              </a:extLst>
-            </p:cNvPr>
+            <p:cNvPr id="149" name="Shape 149"/>
             <p:cNvSpPr/>
             <p:nvPr/>
           </p:nvSpPr>
@@ -7283,7 +7181,7 @@
             </a:ln>
             <a:extLst>
               <a:ext uri="{C572A759-6A51-4108-AA02-DFA0A04FC94B}">
-                <ma14:wrappingTextBoxFlag xmlns="" xmlns:ma14="http://schemas.microsoft.com/office/mac/drawingml/2011/main" val="1"/>
+                <ma14:wrappingTextBoxFlag xmlns:ma14="http://schemas.microsoft.com/office/mac/drawingml/2011/main" xmlns="" val="1"/>
               </a:ext>
             </a:extLst>
           </p:spPr>
@@ -7311,13 +7209,7 @@
         </p:sp>
         <p:sp>
           <p:nvSpPr>
-            <p:cNvPr id="28" name="Shape 150">
-              <a:extLst>
-                <a:ext uri="{FF2B5EF4-FFF2-40B4-BE49-F238E27FC236}">
-                  <a16:creationId xmlns:a16="http://schemas.microsoft.com/office/drawing/2014/main" id="{AF1B09EF-4CD3-7C4A-B751-9AEDD774819F}"/>
-                </a:ext>
-              </a:extLst>
-            </p:cNvPr>
+            <p:cNvPr id="150" name="Shape 150"/>
             <p:cNvSpPr/>
             <p:nvPr/>
           </p:nvSpPr>
@@ -7330,14 +7222,14 @@
               <a:avLst/>
             </a:prstGeom>
             <a:solidFill>
-              <a:srgbClr val="EF5150"/>
+              <a:srgbClr val="EF514F"/>
             </a:solidFill>
             <a:ln w="12700">
               <a:miter lim="400000"/>
             </a:ln>
             <a:extLst>
               <a:ext uri="{C572A759-6A51-4108-AA02-DFA0A04FC94B}">
-                <ma14:wrappingTextBoxFlag xmlns="" xmlns:ma14="http://schemas.microsoft.com/office/mac/drawingml/2011/main" val="1"/>
+                <ma14:wrappingTextBoxFlag xmlns:ma14="http://schemas.microsoft.com/office/mac/drawingml/2011/main" xmlns="" val="1"/>
               </a:ext>
             </a:extLst>
           </p:spPr>
@@ -7365,13 +7257,7 @@
         </p:sp>
         <p:sp>
           <p:nvSpPr>
-            <p:cNvPr id="29" name="Shape 151">
-              <a:extLst>
-                <a:ext uri="{FF2B5EF4-FFF2-40B4-BE49-F238E27FC236}">
-                  <a16:creationId xmlns:a16="http://schemas.microsoft.com/office/drawing/2014/main" id="{C607CE93-146B-A944-B0D6-5EDAF62D3DF5}"/>
-                </a:ext>
-              </a:extLst>
-            </p:cNvPr>
+            <p:cNvPr id="151" name="Shape 151"/>
             <p:cNvSpPr/>
             <p:nvPr/>
           </p:nvSpPr>
@@ -7391,7 +7277,7 @@
             </a:ln>
             <a:extLst>
               <a:ext uri="{C572A759-6A51-4108-AA02-DFA0A04FC94B}">
-                <ma14:wrappingTextBoxFlag xmlns="" xmlns:ma14="http://schemas.microsoft.com/office/mac/drawingml/2011/main" val="1"/>
+                <ma14:wrappingTextBoxFlag xmlns:ma14="http://schemas.microsoft.com/office/mac/drawingml/2011/main" xmlns="" val="1"/>
               </a:ext>
             </a:extLst>
           </p:spPr>
@@ -7419,20 +7305,14 @@
         </p:sp>
         <p:sp>
           <p:nvSpPr>
-            <p:cNvPr id="30" name="Shape 160">
-              <a:extLst>
-                <a:ext uri="{FF2B5EF4-FFF2-40B4-BE49-F238E27FC236}">
-                  <a16:creationId xmlns:a16="http://schemas.microsoft.com/office/drawing/2014/main" id="{6E41DF93-CBD7-7442-8DF2-AF41BD090CD0}"/>
-                </a:ext>
-              </a:extLst>
-            </p:cNvPr>
+            <p:cNvPr id="160" name="Shape 160"/>
             <p:cNvSpPr/>
             <p:nvPr/>
           </p:nvSpPr>
           <p:spPr>
             <a:xfrm>
-              <a:off x="8240" y="3225128"/>
-              <a:ext cx="12314562" cy="2321716"/>
+              <a:off x="-32300" y="2685870"/>
+              <a:ext cx="12355102" cy="2321716"/>
             </a:xfrm>
             <a:prstGeom prst="rect">
               <a:avLst/>
@@ -7468,19 +7348,13 @@
         </p:sp>
         <p:sp>
           <p:nvSpPr>
-            <p:cNvPr id="31" name="Shape 161">
-              <a:extLst>
-                <a:ext uri="{FF2B5EF4-FFF2-40B4-BE49-F238E27FC236}">
-                  <a16:creationId xmlns:a16="http://schemas.microsoft.com/office/drawing/2014/main" id="{CAB11EDB-B656-934D-A084-D49E6FF17759}"/>
-                </a:ext>
-              </a:extLst>
-            </p:cNvPr>
+            <p:cNvPr id="161" name="Shape 161"/>
             <p:cNvSpPr/>
             <p:nvPr/>
           </p:nvSpPr>
           <p:spPr>
             <a:xfrm rot="5400000">
-              <a:off x="11791615" y="3750288"/>
+              <a:off x="11791615" y="3211030"/>
               <a:ext cx="2321715" cy="1271395"/>
             </a:xfrm>
             <a:custGeom>
@@ -7545,19 +7419,13 @@
         </p:sp>
         <p:sp>
           <p:nvSpPr>
-            <p:cNvPr id="32" name="Shape 162">
-              <a:extLst>
-                <a:ext uri="{FF2B5EF4-FFF2-40B4-BE49-F238E27FC236}">
-                  <a16:creationId xmlns:a16="http://schemas.microsoft.com/office/drawing/2014/main" id="{112A859D-0BB7-0846-8F93-AC3B4013D527}"/>
-                </a:ext>
-              </a:extLst>
-            </p:cNvPr>
+            <p:cNvPr id="162" name="Shape 162"/>
             <p:cNvSpPr/>
             <p:nvPr/>
           </p:nvSpPr>
           <p:spPr>
             <a:xfrm>
-              <a:off x="504899" y="1566572"/>
+              <a:off x="504899" y="1027314"/>
               <a:ext cx="11321245" cy="3931013"/>
             </a:xfrm>
             <a:prstGeom prst="rect">
@@ -7568,7 +7436,7 @@
             </a:ln>
             <a:extLst>
               <a:ext uri="{C572A759-6A51-4108-AA02-DFA0A04FC94B}">
-                <ma14:wrappingTextBoxFlag xmlns="" xmlns:ma14="http://schemas.microsoft.com/office/mac/drawingml/2011/main" val="1"/>
+                <ma14:wrappingTextBoxFlag xmlns:ma14="http://schemas.microsoft.com/office/mac/drawingml/2011/main" xmlns="" val="1"/>
               </a:ext>
             </a:extLst>
           </p:spPr>
@@ -7602,13 +7470,7 @@
         </p:sp>
         <p:sp>
           <p:nvSpPr>
-            <p:cNvPr id="33" name="Shape 163">
-              <a:extLst>
-                <a:ext uri="{FF2B5EF4-FFF2-40B4-BE49-F238E27FC236}">
-                  <a16:creationId xmlns:a16="http://schemas.microsoft.com/office/drawing/2014/main" id="{F73EB7A9-E8AE-234C-8A7B-6F1178E90DCE}"/>
-                </a:ext>
-              </a:extLst>
-            </p:cNvPr>
+            <p:cNvPr id="163" name="Shape 163"/>
             <p:cNvSpPr/>
             <p:nvPr/>
           </p:nvSpPr>
@@ -7628,7 +7490,7 @@
             </a:ln>
             <a:extLst>
               <a:ext uri="{C572A759-6A51-4108-AA02-DFA0A04FC94B}">
-                <ma14:wrappingTextBoxFlag xmlns="" xmlns:ma14="http://schemas.microsoft.com/office/mac/drawingml/2011/main" val="1"/>
+                <ma14:wrappingTextBoxFlag xmlns:ma14="http://schemas.microsoft.com/office/mac/drawingml/2011/main" xmlns="" val="1"/>
               </a:ext>
             </a:extLst>
           </p:spPr>
@@ -7656,13 +7518,7 @@
         </p:sp>
         <p:sp>
           <p:nvSpPr>
-            <p:cNvPr id="34" name="Shape 165">
-              <a:extLst>
-                <a:ext uri="{FF2B5EF4-FFF2-40B4-BE49-F238E27FC236}">
-                  <a16:creationId xmlns:a16="http://schemas.microsoft.com/office/drawing/2014/main" id="{8AF8EC03-4694-BC44-BD91-963077E0F245}"/>
-                </a:ext>
-              </a:extLst>
-            </p:cNvPr>
+            <p:cNvPr id="165" name="Shape 165"/>
             <p:cNvSpPr/>
             <p:nvPr/>
           </p:nvSpPr>
@@ -7682,7 +7538,7 @@
             </a:ln>
             <a:extLst>
               <a:ext uri="{C572A759-6A51-4108-AA02-DFA0A04FC94B}">
-                <ma14:wrappingTextBoxFlag xmlns="" xmlns:ma14="http://schemas.microsoft.com/office/mac/drawingml/2011/main" val="1"/>
+                <ma14:wrappingTextBoxFlag xmlns:ma14="http://schemas.microsoft.com/office/mac/drawingml/2011/main" xmlns="" val="1"/>
               </a:ext>
             </a:extLst>
           </p:spPr>
@@ -7711,10 +7567,10 @@
       </p:grpSp>
       <p:sp>
         <p:nvSpPr>
-          <p:cNvPr id="36" name="Shape 123">
+          <p:cNvPr id="34" name="Shape 123">
             <a:extLst>
               <a:ext uri="{FF2B5EF4-FFF2-40B4-BE49-F238E27FC236}">
-                <a16:creationId xmlns:a16="http://schemas.microsoft.com/office/drawing/2014/main" id="{1A79216B-C0B1-0E40-B8FF-D0B8DDDE3405}"/>
+                <a16:creationId xmlns:a16="http://schemas.microsoft.com/office/drawing/2014/main" id="{DEB826C5-8550-3141-AC5B-8AE31F9510CB}"/>
               </a:ext>
             </a:extLst>
           </p:cNvPr>
@@ -7734,7 +7590,7 @@
           </a:ln>
           <a:extLst>
             <a:ext uri="{C572A759-6A51-4108-AA02-DFA0A04FC94B}">
-              <ma14:wrappingTextBoxFlag xmlns="" xmlns:ma14="http://schemas.microsoft.com/office/mac/drawingml/2011/main" val="1"/>
+              <ma14:wrappingTextBoxFlag xmlns:ma14="http://schemas.microsoft.com/office/mac/drawingml/2011/main" xmlns="" val="1"/>
             </a:ext>
           </a:extLst>
         </p:spPr>
@@ -7763,6 +7619,11 @@
         </p:txBody>
       </p:sp>
     </p:spTree>
+    <p:extLst>
+      <p:ext uri="{BB962C8B-B14F-4D97-AF65-F5344CB8AC3E}">
+        <p14:creationId xmlns:p14="http://schemas.microsoft.com/office/powerpoint/2010/main" val="3364046834"/>
+      </p:ext>
+    </p:extLst>
   </p:cSld>
   <p:clrMapOvr>
     <a:masterClrMapping/>
@@ -7788,9 +7649,207 @@
           <a:chExt cx="0" cy="0"/>
         </a:xfrm>
       </p:grpSpPr>
+      <p:pic>
+        <p:nvPicPr>
+          <p:cNvPr id="3" name="Picture 2">
+            <a:extLst>
+              <a:ext uri="{FF2B5EF4-FFF2-40B4-BE49-F238E27FC236}">
+                <a16:creationId xmlns:a16="http://schemas.microsoft.com/office/drawing/2014/main" id="{39D2EB15-A9D4-9945-AED8-27625DEF542B}"/>
+              </a:ext>
+            </a:extLst>
+          </p:cNvPr>
+          <p:cNvPicPr>
+            <a:picLocks noChangeAspect="1"/>
+          </p:cNvPicPr>
+          <p:nvPr/>
+        </p:nvPicPr>
+        <p:blipFill>
+          <a:blip r:embed="rId2"/>
+          <a:stretch>
+            <a:fillRect/>
+          </a:stretch>
+        </p:blipFill>
+        <p:spPr>
+          <a:xfrm>
+            <a:off x="-32300" y="-39887"/>
+            <a:ext cx="19507092" cy="5943600"/>
+          </a:xfrm>
+          <a:prstGeom prst="rect">
+            <a:avLst/>
+          </a:prstGeom>
+        </p:spPr>
+      </p:pic>
       <p:sp>
         <p:nvSpPr>
-          <p:cNvPr id="217" name="Shape 217"/>
+          <p:cNvPr id="152" name="Shape 152"/>
+          <p:cNvSpPr/>
+          <p:nvPr/>
+        </p:nvSpPr>
+        <p:spPr>
+          <a:xfrm>
+            <a:off x="540163" y="10442288"/>
+            <a:ext cx="2914642" cy="638176"/>
+          </a:xfrm>
+          <a:prstGeom prst="rect">
+            <a:avLst/>
+          </a:prstGeom>
+          <a:ln w="12700">
+            <a:miter lim="400000"/>
+          </a:ln>
+          <a:extLst>
+            <a:ext uri="{C572A759-6A51-4108-AA02-DFA0A04FC94B}">
+              <ma14:wrappingTextBoxFlag xmlns="" xmlns:ma14="http://schemas.microsoft.com/office/mac/drawingml/2011/main" val="1"/>
+            </a:ext>
+          </a:extLst>
+        </p:spPr>
+        <p:txBody>
+          <a:bodyPr lIns="71437" tIns="71437" rIns="71437" bIns="71437">
+            <a:spAutoFit/>
+          </a:bodyPr>
+          <a:lstStyle>
+            <a:lvl1pPr>
+              <a:defRPr b="0">
+                <a:solidFill>
+                  <a:srgbClr val="FF2830"/>
+                </a:solidFill>
+                <a:latin typeface="Montserrat Medium"/>
+                <a:ea typeface="Montserrat Medium"/>
+                <a:cs typeface="Montserrat Medium"/>
+                <a:sym typeface="Montserrat Medium"/>
+              </a:defRPr>
+            </a:lvl1pPr>
+          </a:lstStyle>
+          <a:p>
+            <a:r>
+              <a:rPr dirty="0"/>
+              <a:t>[</a:t>
+            </a:r>
+            <a:r>
+              <a:rPr lang="en-AU" dirty="0"/>
+              <a:t>10 mins</a:t>
+            </a:r>
+            <a:r>
+              <a:rPr dirty="0"/>
+              <a:t>]</a:t>
+            </a:r>
+          </a:p>
+        </p:txBody>
+      </p:sp>
+      <p:sp>
+        <p:nvSpPr>
+          <p:cNvPr id="153" name="Shape 153"/>
+          <p:cNvSpPr/>
+          <p:nvPr/>
+        </p:nvSpPr>
+        <p:spPr>
+          <a:xfrm>
+            <a:off x="4913184" y="10442288"/>
+            <a:ext cx="2104652" cy="636712"/>
+          </a:xfrm>
+          <a:prstGeom prst="rect">
+            <a:avLst/>
+          </a:prstGeom>
+          <a:ln w="12700">
+            <a:miter lim="400000"/>
+          </a:ln>
+          <a:extLst>
+            <a:ext uri="{C572A759-6A51-4108-AA02-DFA0A04FC94B}">
+              <ma14:wrappingTextBoxFlag xmlns="" xmlns:ma14="http://schemas.microsoft.com/office/mac/drawingml/2011/main" val="1"/>
+            </a:ext>
+          </a:extLst>
+        </p:spPr>
+        <p:txBody>
+          <a:bodyPr lIns="71437" tIns="71437" rIns="71437" bIns="71437">
+            <a:spAutoFit/>
+          </a:bodyPr>
+          <a:lstStyle>
+            <a:lvl1pPr>
+              <a:defRPr b="0">
+                <a:solidFill>
+                  <a:srgbClr val="FF2830"/>
+                </a:solidFill>
+                <a:latin typeface="Montserrat Medium"/>
+                <a:ea typeface="Montserrat Medium"/>
+                <a:cs typeface="Montserrat Medium"/>
+                <a:sym typeface="Montserrat Medium"/>
+              </a:defRPr>
+            </a:lvl1pPr>
+          </a:lstStyle>
+          <a:p>
+            <a:r>
+              <a:rPr dirty="0"/>
+              <a:t>[</a:t>
+            </a:r>
+            <a:r>
+              <a:rPr lang="en-AU" dirty="0"/>
+              <a:t>15 mins</a:t>
+            </a:r>
+            <a:r>
+              <a:rPr dirty="0"/>
+              <a:t>] </a:t>
+            </a:r>
+          </a:p>
+        </p:txBody>
+      </p:sp>
+      <p:sp>
+        <p:nvSpPr>
+          <p:cNvPr id="154" name="Shape 154"/>
+          <p:cNvSpPr/>
+          <p:nvPr/>
+        </p:nvSpPr>
+        <p:spPr>
+          <a:xfrm>
+            <a:off x="20560482" y="10442288"/>
+            <a:ext cx="2554258" cy="638176"/>
+          </a:xfrm>
+          <a:prstGeom prst="rect">
+            <a:avLst/>
+          </a:prstGeom>
+          <a:ln w="12700">
+            <a:miter lim="400000"/>
+          </a:ln>
+          <a:extLst>
+            <a:ext uri="{C572A759-6A51-4108-AA02-DFA0A04FC94B}">
+              <ma14:wrappingTextBoxFlag xmlns="" xmlns:ma14="http://schemas.microsoft.com/office/mac/drawingml/2011/main" val="1"/>
+            </a:ext>
+          </a:extLst>
+        </p:spPr>
+        <p:txBody>
+          <a:bodyPr lIns="71437" tIns="71437" rIns="71437" bIns="71437">
+            <a:spAutoFit/>
+          </a:bodyPr>
+          <a:lstStyle>
+            <a:lvl1pPr>
+              <a:defRPr b="0">
+                <a:solidFill>
+                  <a:srgbClr val="FF2830"/>
+                </a:solidFill>
+                <a:latin typeface="Montserrat Medium"/>
+                <a:ea typeface="Montserrat Medium"/>
+                <a:cs typeface="Montserrat Medium"/>
+                <a:sym typeface="Montserrat Medium"/>
+              </a:defRPr>
+            </a:lvl1pPr>
+          </a:lstStyle>
+          <a:p>
+            <a:r>
+              <a:rPr dirty="0"/>
+              <a:t>[1</a:t>
+            </a:r>
+            <a:r>
+              <a:rPr lang="en-AU" dirty="0"/>
+              <a:t>0</a:t>
+            </a:r>
+            <a:r>
+              <a:rPr dirty="0"/>
+              <a:t> min]</a:t>
+            </a:r>
+          </a:p>
+        </p:txBody>
+      </p:sp>
+      <p:sp>
+        <p:nvSpPr>
+          <p:cNvPr id="155" name="Shape 155"/>
           <p:cNvSpPr/>
           <p:nvPr/>
         </p:nvSpPr>
@@ -7902,231 +7961,9 @@
           </a:p>
         </p:txBody>
       </p:sp>
-      <p:pic>
-        <p:nvPicPr>
-          <p:cNvPr id="9" name="Picture 8">
-            <a:extLst>
-              <a:ext uri="{FF2B5EF4-FFF2-40B4-BE49-F238E27FC236}">
-                <a16:creationId xmlns:a16="http://schemas.microsoft.com/office/drawing/2014/main" id="{570F47F5-FC5A-A64E-9250-5FB69C1554F3}"/>
-              </a:ext>
-            </a:extLst>
-          </p:cNvPr>
-          <p:cNvPicPr>
-            <a:picLocks noChangeAspect="1"/>
-          </p:cNvPicPr>
-          <p:nvPr/>
-        </p:nvPicPr>
-        <p:blipFill>
-          <a:blip r:embed="rId2"/>
-          <a:stretch>
-            <a:fillRect/>
-          </a:stretch>
-        </p:blipFill>
-        <p:spPr>
-          <a:xfrm>
-            <a:off x="-32300" y="-39887"/>
-            <a:ext cx="19507092" cy="5943600"/>
-          </a:xfrm>
-          <a:prstGeom prst="rect">
-            <a:avLst/>
-          </a:prstGeom>
-        </p:spPr>
-      </p:pic>
       <p:sp>
         <p:nvSpPr>
-          <p:cNvPr id="10" name="Shape 152">
-            <a:extLst>
-              <a:ext uri="{FF2B5EF4-FFF2-40B4-BE49-F238E27FC236}">
-                <a16:creationId xmlns:a16="http://schemas.microsoft.com/office/drawing/2014/main" id="{98D8AEC3-B9A7-4946-B955-B6A993201A7F}"/>
-              </a:ext>
-            </a:extLst>
-          </p:cNvPr>
-          <p:cNvSpPr/>
-          <p:nvPr/>
-        </p:nvSpPr>
-        <p:spPr>
-          <a:xfrm>
-            <a:off x="540163" y="10442288"/>
-            <a:ext cx="2914642" cy="638176"/>
-          </a:xfrm>
-          <a:prstGeom prst="rect">
-            <a:avLst/>
-          </a:prstGeom>
-          <a:ln w="12700">
-            <a:miter lim="400000"/>
-          </a:ln>
-          <a:extLst>
-            <a:ext uri="{C572A759-6A51-4108-AA02-DFA0A04FC94B}">
-              <ma14:wrappingTextBoxFlag xmlns="" xmlns:ma14="http://schemas.microsoft.com/office/mac/drawingml/2011/main" val="1"/>
-            </a:ext>
-          </a:extLst>
-        </p:spPr>
-        <p:txBody>
-          <a:bodyPr lIns="71437" tIns="71437" rIns="71437" bIns="71437">
-            <a:spAutoFit/>
-          </a:bodyPr>
-          <a:lstStyle>
-            <a:lvl1pPr>
-              <a:defRPr b="0">
-                <a:solidFill>
-                  <a:srgbClr val="FF2830"/>
-                </a:solidFill>
-                <a:latin typeface="Montserrat Medium"/>
-                <a:ea typeface="Montserrat Medium"/>
-                <a:cs typeface="Montserrat Medium"/>
-                <a:sym typeface="Montserrat Medium"/>
-              </a:defRPr>
-            </a:lvl1pPr>
-          </a:lstStyle>
-          <a:p>
-            <a:r>
-              <a:rPr dirty="0"/>
-              <a:t>[</a:t>
-            </a:r>
-            <a:r>
-              <a:rPr lang="en-AU" dirty="0"/>
-              <a:t>10 mins</a:t>
-            </a:r>
-            <a:r>
-              <a:rPr dirty="0"/>
-              <a:t>]</a:t>
-            </a:r>
-          </a:p>
-        </p:txBody>
-      </p:sp>
-      <p:sp>
-        <p:nvSpPr>
-          <p:cNvPr id="11" name="Shape 153">
-            <a:extLst>
-              <a:ext uri="{FF2B5EF4-FFF2-40B4-BE49-F238E27FC236}">
-                <a16:creationId xmlns:a16="http://schemas.microsoft.com/office/drawing/2014/main" id="{34DB2FEE-3BBA-A64C-9211-D3CBF5DA6007}"/>
-              </a:ext>
-            </a:extLst>
-          </p:cNvPr>
-          <p:cNvSpPr/>
-          <p:nvPr/>
-        </p:nvSpPr>
-        <p:spPr>
-          <a:xfrm>
-            <a:off x="4913184" y="10442288"/>
-            <a:ext cx="2104652" cy="636712"/>
-          </a:xfrm>
-          <a:prstGeom prst="rect">
-            <a:avLst/>
-          </a:prstGeom>
-          <a:ln w="12700">
-            <a:miter lim="400000"/>
-          </a:ln>
-          <a:extLst>
-            <a:ext uri="{C572A759-6A51-4108-AA02-DFA0A04FC94B}">
-              <ma14:wrappingTextBoxFlag xmlns="" xmlns:ma14="http://schemas.microsoft.com/office/mac/drawingml/2011/main" val="1"/>
-            </a:ext>
-          </a:extLst>
-        </p:spPr>
-        <p:txBody>
-          <a:bodyPr lIns="71437" tIns="71437" rIns="71437" bIns="71437">
-            <a:spAutoFit/>
-          </a:bodyPr>
-          <a:lstStyle>
-            <a:lvl1pPr>
-              <a:defRPr b="0">
-                <a:solidFill>
-                  <a:srgbClr val="FF2830"/>
-                </a:solidFill>
-                <a:latin typeface="Montserrat Medium"/>
-                <a:ea typeface="Montserrat Medium"/>
-                <a:cs typeface="Montserrat Medium"/>
-                <a:sym typeface="Montserrat Medium"/>
-              </a:defRPr>
-            </a:lvl1pPr>
-          </a:lstStyle>
-          <a:p>
-            <a:r>
-              <a:rPr dirty="0"/>
-              <a:t>[</a:t>
-            </a:r>
-            <a:r>
-              <a:rPr lang="en-AU" dirty="0"/>
-              <a:t>15 mins</a:t>
-            </a:r>
-            <a:r>
-              <a:rPr dirty="0"/>
-              <a:t>] </a:t>
-            </a:r>
-          </a:p>
-        </p:txBody>
-      </p:sp>
-      <p:sp>
-        <p:nvSpPr>
-          <p:cNvPr id="12" name="Shape 154">
-            <a:extLst>
-              <a:ext uri="{FF2B5EF4-FFF2-40B4-BE49-F238E27FC236}">
-                <a16:creationId xmlns:a16="http://schemas.microsoft.com/office/drawing/2014/main" id="{547321F7-8F1F-544D-85AE-1FD09C886E7E}"/>
-              </a:ext>
-            </a:extLst>
-          </p:cNvPr>
-          <p:cNvSpPr/>
-          <p:nvPr/>
-        </p:nvSpPr>
-        <p:spPr>
-          <a:xfrm>
-            <a:off x="20560482" y="10442288"/>
-            <a:ext cx="2554258" cy="638176"/>
-          </a:xfrm>
-          <a:prstGeom prst="rect">
-            <a:avLst/>
-          </a:prstGeom>
-          <a:ln w="12700">
-            <a:miter lim="400000"/>
-          </a:ln>
-          <a:extLst>
-            <a:ext uri="{C572A759-6A51-4108-AA02-DFA0A04FC94B}">
-              <ma14:wrappingTextBoxFlag xmlns="" xmlns:ma14="http://schemas.microsoft.com/office/mac/drawingml/2011/main" val="1"/>
-            </a:ext>
-          </a:extLst>
-        </p:spPr>
-        <p:txBody>
-          <a:bodyPr lIns="71437" tIns="71437" rIns="71437" bIns="71437">
-            <a:spAutoFit/>
-          </a:bodyPr>
-          <a:lstStyle>
-            <a:lvl1pPr>
-              <a:defRPr b="0">
-                <a:solidFill>
-                  <a:srgbClr val="FF2830"/>
-                </a:solidFill>
-                <a:latin typeface="Montserrat Medium"/>
-                <a:ea typeface="Montserrat Medium"/>
-                <a:cs typeface="Montserrat Medium"/>
-                <a:sym typeface="Montserrat Medium"/>
-              </a:defRPr>
-            </a:lvl1pPr>
-          </a:lstStyle>
-          <a:p>
-            <a:r>
-              <a:rPr dirty="0"/>
-              <a:t>[1</a:t>
-            </a:r>
-            <a:r>
-              <a:rPr lang="en-AU" dirty="0"/>
-              <a:t>0</a:t>
-            </a:r>
-            <a:r>
-              <a:rPr dirty="0"/>
-              <a:t> min]</a:t>
-            </a:r>
-          </a:p>
-        </p:txBody>
-      </p:sp>
-      <p:sp>
-        <p:nvSpPr>
-          <p:cNvPr id="13" name="Shape 156">
-            <a:extLst>
-              <a:ext uri="{FF2B5EF4-FFF2-40B4-BE49-F238E27FC236}">
-                <a16:creationId xmlns:a16="http://schemas.microsoft.com/office/drawing/2014/main" id="{0125F284-E2A0-EA49-B81A-D22ED24772BC}"/>
-              </a:ext>
-            </a:extLst>
-          </p:cNvPr>
+          <p:cNvPr id="156" name="Shape 156"/>
           <p:cNvSpPr/>
           <p:nvPr/>
         </p:nvSpPr>
@@ -8182,13 +8019,7 @@
       </p:sp>
       <p:sp>
         <p:nvSpPr>
-          <p:cNvPr id="14" name="Shape 164">
-            <a:extLst>
-              <a:ext uri="{FF2B5EF4-FFF2-40B4-BE49-F238E27FC236}">
-                <a16:creationId xmlns:a16="http://schemas.microsoft.com/office/drawing/2014/main" id="{156FAEED-20CB-C349-829A-8B95DD38624E}"/>
-              </a:ext>
-            </a:extLst>
-          </p:cNvPr>
+          <p:cNvPr id="164" name="Shape 164"/>
           <p:cNvSpPr/>
           <p:nvPr/>
         </p:nvSpPr>
@@ -8244,13 +8075,7 @@
       </p:sp>
       <p:sp>
         <p:nvSpPr>
-          <p:cNvPr id="15" name="Shape 166">
-            <a:extLst>
-              <a:ext uri="{FF2B5EF4-FFF2-40B4-BE49-F238E27FC236}">
-                <a16:creationId xmlns:a16="http://schemas.microsoft.com/office/drawing/2014/main" id="{923DBF66-B182-EF43-A871-B1A8854C64CA}"/>
-              </a:ext>
-            </a:extLst>
-          </p:cNvPr>
+          <p:cNvPr id="166" name="Shape 166"/>
           <p:cNvSpPr/>
           <p:nvPr/>
         </p:nvSpPr>
@@ -8298,10 +8123,10 @@
       </p:sp>
       <p:grpSp>
         <p:nvGrpSpPr>
-          <p:cNvPr id="16" name="Group 15">
+          <p:cNvPr id="2" name="Group 1">
             <a:extLst>
               <a:ext uri="{FF2B5EF4-FFF2-40B4-BE49-F238E27FC236}">
-                <a16:creationId xmlns:a16="http://schemas.microsoft.com/office/drawing/2014/main" id="{A22900BC-F80E-7049-AC84-CEF82FE2085D}"/>
+                <a16:creationId xmlns:a16="http://schemas.microsoft.com/office/drawing/2014/main" id="{662C4E40-F3DE-944C-83FA-894A0483E1A3}"/>
               </a:ext>
             </a:extLst>
           </p:cNvPr>
@@ -8310,21 +8135,15 @@
         </p:nvGrpSpPr>
         <p:grpSpPr>
           <a:xfrm>
-            <a:off x="8240" y="-576935"/>
-            <a:ext cx="24454719" cy="10810562"/>
-            <a:chOff x="8240" y="-576935"/>
-            <a:chExt cx="24454719" cy="10810562"/>
+            <a:off x="-32300" y="-576935"/>
+            <a:ext cx="24495259" cy="10810562"/>
+            <a:chOff x="-32300" y="-576935"/>
+            <a:chExt cx="24495259" cy="10810562"/>
           </a:xfrm>
         </p:grpSpPr>
         <p:sp>
           <p:nvSpPr>
-            <p:cNvPr id="17" name="Shape 139">
-              <a:extLst>
-                <a:ext uri="{FF2B5EF4-FFF2-40B4-BE49-F238E27FC236}">
-                  <a16:creationId xmlns:a16="http://schemas.microsoft.com/office/drawing/2014/main" id="{F0E0AD8E-CE6E-954C-80BB-70D1137D8BA0}"/>
-                </a:ext>
-              </a:extLst>
-            </p:cNvPr>
+            <p:cNvPr id="139" name="Shape 139"/>
             <p:cNvSpPr/>
             <p:nvPr/>
           </p:nvSpPr>
@@ -8395,13 +8214,7 @@
         </p:sp>
         <p:sp>
           <p:nvSpPr>
-            <p:cNvPr id="18" name="Shape 140">
-              <a:extLst>
-                <a:ext uri="{FF2B5EF4-FFF2-40B4-BE49-F238E27FC236}">
-                  <a16:creationId xmlns:a16="http://schemas.microsoft.com/office/drawing/2014/main" id="{FBC459E5-39E8-344B-9FD9-620EDC40FE9E}"/>
-                </a:ext>
-              </a:extLst>
-            </p:cNvPr>
+            <p:cNvPr id="140" name="Shape 140"/>
             <p:cNvSpPr/>
             <p:nvPr/>
           </p:nvSpPr>
@@ -8472,13 +8285,7 @@
         </p:sp>
         <p:sp>
           <p:nvSpPr>
-            <p:cNvPr id="19" name="Shape 141">
-              <a:extLst>
-                <a:ext uri="{FF2B5EF4-FFF2-40B4-BE49-F238E27FC236}">
-                  <a16:creationId xmlns:a16="http://schemas.microsoft.com/office/drawing/2014/main" id="{7A3DBD37-D651-104B-8881-158590F1571C}"/>
-                </a:ext>
-              </a:extLst>
-            </p:cNvPr>
+            <p:cNvPr id="141" name="Shape 141"/>
             <p:cNvSpPr/>
             <p:nvPr/>
           </p:nvSpPr>
@@ -8518,13 +8325,7 @@
         </p:sp>
         <p:sp>
           <p:nvSpPr>
-            <p:cNvPr id="20" name="Shape 142">
-              <a:extLst>
-                <a:ext uri="{FF2B5EF4-FFF2-40B4-BE49-F238E27FC236}">
-                  <a16:creationId xmlns:a16="http://schemas.microsoft.com/office/drawing/2014/main" id="{EC891070-B13E-FC45-BC50-D10374D61009}"/>
-                </a:ext>
-              </a:extLst>
-            </p:cNvPr>
+            <p:cNvPr id="142" name="Shape 142"/>
             <p:cNvSpPr/>
             <p:nvPr/>
           </p:nvSpPr>
@@ -8579,13 +8380,7 @@
         </p:sp>
         <p:sp>
           <p:nvSpPr>
-            <p:cNvPr id="21" name="Shape 143">
-              <a:extLst>
-                <a:ext uri="{FF2B5EF4-FFF2-40B4-BE49-F238E27FC236}">
-                  <a16:creationId xmlns:a16="http://schemas.microsoft.com/office/drawing/2014/main" id="{0F35841F-4400-4746-90D3-223CF8FD3945}"/>
-                </a:ext>
-              </a:extLst>
-            </p:cNvPr>
+            <p:cNvPr id="143" name="Shape 143"/>
             <p:cNvSpPr/>
             <p:nvPr/>
           </p:nvSpPr>
@@ -8630,13 +8425,7 @@
         </p:sp>
         <p:sp>
           <p:nvSpPr>
-            <p:cNvPr id="22" name="Shape 144">
-              <a:extLst>
-                <a:ext uri="{FF2B5EF4-FFF2-40B4-BE49-F238E27FC236}">
-                  <a16:creationId xmlns:a16="http://schemas.microsoft.com/office/drawing/2014/main" id="{5130FD0C-C51C-1641-9CED-C9CBEBABEAB0}"/>
-                </a:ext>
-              </a:extLst>
-            </p:cNvPr>
+            <p:cNvPr id="144" name="Shape 144"/>
             <p:cNvSpPr/>
             <p:nvPr/>
           </p:nvSpPr>
@@ -8707,13 +8496,7 @@
         </p:sp>
         <p:sp>
           <p:nvSpPr>
-            <p:cNvPr id="23" name="Shape 145">
-              <a:extLst>
-                <a:ext uri="{FF2B5EF4-FFF2-40B4-BE49-F238E27FC236}">
-                  <a16:creationId xmlns:a16="http://schemas.microsoft.com/office/drawing/2014/main" id="{88F02AEC-9C9F-C041-B7D4-172D24398071}"/>
-                </a:ext>
-              </a:extLst>
-            </p:cNvPr>
+            <p:cNvPr id="145" name="Shape 145"/>
             <p:cNvSpPr/>
             <p:nvPr/>
           </p:nvSpPr>
@@ -8753,13 +8536,7 @@
         </p:sp>
         <p:sp>
           <p:nvSpPr>
-            <p:cNvPr id="24" name="Shape 146">
-              <a:extLst>
-                <a:ext uri="{FF2B5EF4-FFF2-40B4-BE49-F238E27FC236}">
-                  <a16:creationId xmlns:a16="http://schemas.microsoft.com/office/drawing/2014/main" id="{5EB12CED-7EC9-B24D-A73B-8BB80751B701}"/>
-                </a:ext>
-              </a:extLst>
-            </p:cNvPr>
+            <p:cNvPr id="146" name="Shape 146"/>
             <p:cNvSpPr/>
             <p:nvPr/>
           </p:nvSpPr>
@@ -8847,13 +8624,7 @@
         </p:sp>
         <p:sp>
           <p:nvSpPr>
-            <p:cNvPr id="25" name="Shape 147">
-              <a:extLst>
-                <a:ext uri="{FF2B5EF4-FFF2-40B4-BE49-F238E27FC236}">
-                  <a16:creationId xmlns:a16="http://schemas.microsoft.com/office/drawing/2014/main" id="{F4CD2E97-932C-7649-8DEE-16943C8CDC90}"/>
-                </a:ext>
-              </a:extLst>
-            </p:cNvPr>
+            <p:cNvPr id="147" name="Shape 147"/>
             <p:cNvSpPr/>
             <p:nvPr/>
           </p:nvSpPr>
@@ -8893,13 +8664,7 @@
         </p:sp>
         <p:sp>
           <p:nvSpPr>
-            <p:cNvPr id="26" name="Shape 148">
-              <a:extLst>
-                <a:ext uri="{FF2B5EF4-FFF2-40B4-BE49-F238E27FC236}">
-                  <a16:creationId xmlns:a16="http://schemas.microsoft.com/office/drawing/2014/main" id="{54C0F79F-9F8F-9443-B406-824C47A9C84D}"/>
-                </a:ext>
-              </a:extLst>
-            </p:cNvPr>
+            <p:cNvPr id="148" name="Shape 148"/>
             <p:cNvSpPr/>
             <p:nvPr/>
           </p:nvSpPr>
@@ -8947,13 +8712,7 @@
         </p:sp>
         <p:sp>
           <p:nvSpPr>
-            <p:cNvPr id="27" name="Shape 149">
-              <a:extLst>
-                <a:ext uri="{FF2B5EF4-FFF2-40B4-BE49-F238E27FC236}">
-                  <a16:creationId xmlns:a16="http://schemas.microsoft.com/office/drawing/2014/main" id="{6F92E8BA-D706-BC49-9081-0DDC7866292E}"/>
-                </a:ext>
-              </a:extLst>
-            </p:cNvPr>
+            <p:cNvPr id="149" name="Shape 149"/>
             <p:cNvSpPr/>
             <p:nvPr/>
           </p:nvSpPr>
@@ -9001,13 +8760,7 @@
         </p:sp>
         <p:sp>
           <p:nvSpPr>
-            <p:cNvPr id="28" name="Shape 150">
-              <a:extLst>
-                <a:ext uri="{FF2B5EF4-FFF2-40B4-BE49-F238E27FC236}">
-                  <a16:creationId xmlns:a16="http://schemas.microsoft.com/office/drawing/2014/main" id="{0C7FD78F-D1A4-F949-9B53-7867A649F893}"/>
-                </a:ext>
-              </a:extLst>
-            </p:cNvPr>
+            <p:cNvPr id="150" name="Shape 150"/>
             <p:cNvSpPr/>
             <p:nvPr/>
           </p:nvSpPr>
@@ -9055,13 +8808,7 @@
         </p:sp>
         <p:sp>
           <p:nvSpPr>
-            <p:cNvPr id="29" name="Shape 151">
-              <a:extLst>
-                <a:ext uri="{FF2B5EF4-FFF2-40B4-BE49-F238E27FC236}">
-                  <a16:creationId xmlns:a16="http://schemas.microsoft.com/office/drawing/2014/main" id="{476CC162-FC0D-8F40-8B55-12CF4F4DADDE}"/>
-                </a:ext>
-              </a:extLst>
-            </p:cNvPr>
+            <p:cNvPr id="151" name="Shape 151"/>
             <p:cNvSpPr/>
             <p:nvPr/>
           </p:nvSpPr>
@@ -9109,20 +8856,14 @@
         </p:sp>
         <p:sp>
           <p:nvSpPr>
-            <p:cNvPr id="30" name="Shape 160">
-              <a:extLst>
-                <a:ext uri="{FF2B5EF4-FFF2-40B4-BE49-F238E27FC236}">
-                  <a16:creationId xmlns:a16="http://schemas.microsoft.com/office/drawing/2014/main" id="{0B400297-9556-F549-9DBA-105FFB9DA781}"/>
-                </a:ext>
-              </a:extLst>
-            </p:cNvPr>
+            <p:cNvPr id="160" name="Shape 160"/>
             <p:cNvSpPr/>
             <p:nvPr/>
           </p:nvSpPr>
           <p:spPr>
             <a:xfrm>
-              <a:off x="8240" y="3225128"/>
-              <a:ext cx="12314562" cy="2321716"/>
+              <a:off x="-32300" y="2685870"/>
+              <a:ext cx="12355102" cy="2321716"/>
             </a:xfrm>
             <a:prstGeom prst="rect">
               <a:avLst/>
@@ -9158,19 +8899,13 @@
         </p:sp>
         <p:sp>
           <p:nvSpPr>
-            <p:cNvPr id="31" name="Shape 161">
-              <a:extLst>
-                <a:ext uri="{FF2B5EF4-FFF2-40B4-BE49-F238E27FC236}">
-                  <a16:creationId xmlns:a16="http://schemas.microsoft.com/office/drawing/2014/main" id="{8EFD2EFC-306D-2140-9184-FB8E5BA3B224}"/>
-                </a:ext>
-              </a:extLst>
-            </p:cNvPr>
+            <p:cNvPr id="161" name="Shape 161"/>
             <p:cNvSpPr/>
             <p:nvPr/>
           </p:nvSpPr>
           <p:spPr>
             <a:xfrm rot="5400000">
-              <a:off x="11791615" y="3750288"/>
+              <a:off x="11791615" y="3211030"/>
               <a:ext cx="2321715" cy="1271395"/>
             </a:xfrm>
             <a:custGeom>
@@ -9235,19 +8970,13 @@
         </p:sp>
         <p:sp>
           <p:nvSpPr>
-            <p:cNvPr id="32" name="Shape 162">
-              <a:extLst>
-                <a:ext uri="{FF2B5EF4-FFF2-40B4-BE49-F238E27FC236}">
-                  <a16:creationId xmlns:a16="http://schemas.microsoft.com/office/drawing/2014/main" id="{C3E98736-894F-BE40-A290-F231E9360179}"/>
-                </a:ext>
-              </a:extLst>
-            </p:cNvPr>
+            <p:cNvPr id="162" name="Shape 162"/>
             <p:cNvSpPr/>
             <p:nvPr/>
           </p:nvSpPr>
           <p:spPr>
             <a:xfrm>
-              <a:off x="504899" y="1566572"/>
+              <a:off x="504899" y="1027314"/>
               <a:ext cx="11321245" cy="3931013"/>
             </a:xfrm>
             <a:prstGeom prst="rect">
@@ -9292,13 +9021,7 @@
         </p:sp>
         <p:sp>
           <p:nvSpPr>
-            <p:cNvPr id="33" name="Shape 163">
-              <a:extLst>
-                <a:ext uri="{FF2B5EF4-FFF2-40B4-BE49-F238E27FC236}">
-                  <a16:creationId xmlns:a16="http://schemas.microsoft.com/office/drawing/2014/main" id="{12B4FC65-6AA2-BB46-9B30-DF90AF060C0B}"/>
-                </a:ext>
-              </a:extLst>
-            </p:cNvPr>
+            <p:cNvPr id="163" name="Shape 163"/>
             <p:cNvSpPr/>
             <p:nvPr/>
           </p:nvSpPr>
@@ -9311,7 +9034,7 @@
               <a:avLst/>
             </a:prstGeom>
             <a:solidFill>
-              <a:srgbClr val="EF5150"/>
+              <a:srgbClr val="EF514F"/>
             </a:solidFill>
             <a:ln w="12700">
               <a:miter lim="400000"/>
@@ -9346,13 +9069,7 @@
         </p:sp>
         <p:sp>
           <p:nvSpPr>
-            <p:cNvPr id="34" name="Shape 165">
-              <a:extLst>
-                <a:ext uri="{FF2B5EF4-FFF2-40B4-BE49-F238E27FC236}">
-                  <a16:creationId xmlns:a16="http://schemas.microsoft.com/office/drawing/2014/main" id="{F07EE70F-3C54-B243-8FB5-8F3FEE4495C9}"/>
-                </a:ext>
-              </a:extLst>
-            </p:cNvPr>
+            <p:cNvPr id="165" name="Shape 165"/>
             <p:cNvSpPr/>
             <p:nvPr/>
           </p:nvSpPr>
@@ -9401,10 +9118,10 @@
       </p:grpSp>
       <p:sp>
         <p:nvSpPr>
-          <p:cNvPr id="36" name="Shape 123">
+          <p:cNvPr id="34" name="Shape 123">
             <a:extLst>
               <a:ext uri="{FF2B5EF4-FFF2-40B4-BE49-F238E27FC236}">
-                <a16:creationId xmlns:a16="http://schemas.microsoft.com/office/drawing/2014/main" id="{D63860D5-9FD6-084B-9F7B-840660A032E4}"/>
+                <a16:creationId xmlns:a16="http://schemas.microsoft.com/office/drawing/2014/main" id="{DEB826C5-8550-3141-AC5B-8AE31F9510CB}"/>
               </a:ext>
             </a:extLst>
           </p:cNvPr>
@@ -9453,6 +9170,11 @@
         </p:txBody>
       </p:sp>
     </p:spTree>
+    <p:extLst>
+      <p:ext uri="{BB962C8B-B14F-4D97-AF65-F5344CB8AC3E}">
+        <p14:creationId xmlns:p14="http://schemas.microsoft.com/office/powerpoint/2010/main" val="2160767408"/>
+      </p:ext>
+    </p:extLst>
   </p:cSld>
   <p:clrMapOvr>
     <a:masterClrMapping/>
@@ -9480,10 +9202,1561 @@
       </p:grpSpPr>
       <p:sp>
         <p:nvSpPr>
-          <p:cNvPr id="36" name="Shape 123">
+          <p:cNvPr id="34" name="Shape 123">
             <a:extLst>
               <a:ext uri="{FF2B5EF4-FFF2-40B4-BE49-F238E27FC236}">
-                <a16:creationId xmlns:a16="http://schemas.microsoft.com/office/drawing/2014/main" id="{5BF0883D-69D0-5C45-92AE-65691AACAA70}"/>
+                <a16:creationId xmlns:a16="http://schemas.microsoft.com/office/drawing/2014/main" id="{DEB826C5-8550-3141-AC5B-8AE31F9510CB}"/>
+              </a:ext>
+            </a:extLst>
+          </p:cNvPr>
+          <p:cNvSpPr/>
+          <p:nvPr/>
+        </p:nvSpPr>
+        <p:spPr>
+          <a:xfrm>
+            <a:off x="13273355" y="12755824"/>
+            <a:ext cx="10761784" cy="452046"/>
+          </a:xfrm>
+          <a:prstGeom prst="rect">
+            <a:avLst/>
+          </a:prstGeom>
+          <a:ln w="12700">
+            <a:miter lim="400000"/>
+          </a:ln>
+          <a:extLst>
+            <a:ext uri="{C572A759-6A51-4108-AA02-DFA0A04FC94B}">
+              <ma14:wrappingTextBoxFlag xmlns:ma14="http://schemas.microsoft.com/office/mac/drawingml/2011/main" xmlns="" val="1"/>
+            </a:ext>
+          </a:extLst>
+        </p:spPr>
+        <p:txBody>
+          <a:bodyPr wrap="square" lIns="71437" tIns="71437" rIns="71437" bIns="71437" anchor="ctr">
+            <a:spAutoFit/>
+          </a:bodyPr>
+          <a:lstStyle/>
+          <a:p>
+            <a:pPr algn="r">
+              <a:defRPr sz="2000" b="0">
+                <a:solidFill>
+                  <a:srgbClr val="919191"/>
+                </a:solidFill>
+                <a:latin typeface="Montserrat Medium"/>
+                <a:ea typeface="Montserrat Medium"/>
+                <a:cs typeface="Montserrat Medium"/>
+                <a:sym typeface="Montserrat Medium"/>
+              </a:defRPr>
+            </a:pPr>
+            <a:r>
+              <a:rPr lang="en-AU" dirty="0"/>
+              <a:t>Image Attribution: Li Ozinga, China Studies Centre, The University of Sydney </a:t>
+            </a:r>
+          </a:p>
+        </p:txBody>
+      </p:sp>
+      <p:pic>
+        <p:nvPicPr>
+          <p:cNvPr id="3" name="Picture 2">
+            <a:extLst>
+              <a:ext uri="{FF2B5EF4-FFF2-40B4-BE49-F238E27FC236}">
+                <a16:creationId xmlns:a16="http://schemas.microsoft.com/office/drawing/2014/main" id="{39D2EB15-A9D4-9945-AED8-27625DEF542B}"/>
+              </a:ext>
+            </a:extLst>
+          </p:cNvPr>
+          <p:cNvPicPr>
+            <a:picLocks noChangeAspect="1"/>
+          </p:cNvPicPr>
+          <p:nvPr/>
+        </p:nvPicPr>
+        <p:blipFill>
+          <a:blip r:embed="rId2"/>
+          <a:stretch>
+            <a:fillRect/>
+          </a:stretch>
+        </p:blipFill>
+        <p:spPr>
+          <a:xfrm>
+            <a:off x="-32300" y="-39887"/>
+            <a:ext cx="19507092" cy="5943600"/>
+          </a:xfrm>
+          <a:prstGeom prst="rect">
+            <a:avLst/>
+          </a:prstGeom>
+        </p:spPr>
+      </p:pic>
+      <p:sp>
+        <p:nvSpPr>
+          <p:cNvPr id="152" name="Shape 152"/>
+          <p:cNvSpPr/>
+          <p:nvPr/>
+        </p:nvSpPr>
+        <p:spPr>
+          <a:xfrm>
+            <a:off x="540163" y="10442288"/>
+            <a:ext cx="2914642" cy="638176"/>
+          </a:xfrm>
+          <a:prstGeom prst="rect">
+            <a:avLst/>
+          </a:prstGeom>
+          <a:ln w="12700">
+            <a:miter lim="400000"/>
+          </a:ln>
+          <a:extLst>
+            <a:ext uri="{C572A759-6A51-4108-AA02-DFA0A04FC94B}">
+              <ma14:wrappingTextBoxFlag xmlns:ma14="http://schemas.microsoft.com/office/mac/drawingml/2011/main" xmlns="" val="1"/>
+            </a:ext>
+          </a:extLst>
+        </p:spPr>
+        <p:txBody>
+          <a:bodyPr lIns="71437" tIns="71437" rIns="71437" bIns="71437">
+            <a:spAutoFit/>
+          </a:bodyPr>
+          <a:lstStyle>
+            <a:lvl1pPr>
+              <a:defRPr b="0">
+                <a:solidFill>
+                  <a:srgbClr val="FF2830"/>
+                </a:solidFill>
+                <a:latin typeface="Montserrat Medium"/>
+                <a:ea typeface="Montserrat Medium"/>
+                <a:cs typeface="Montserrat Medium"/>
+                <a:sym typeface="Montserrat Medium"/>
+              </a:defRPr>
+            </a:lvl1pPr>
+          </a:lstStyle>
+          <a:p>
+            <a:r>
+              <a:rPr dirty="0"/>
+              <a:t>[</a:t>
+            </a:r>
+            <a:r>
+              <a:rPr lang="en-AU" dirty="0"/>
+              <a:t>10 mins</a:t>
+            </a:r>
+            <a:r>
+              <a:rPr dirty="0"/>
+              <a:t>]</a:t>
+            </a:r>
+          </a:p>
+        </p:txBody>
+      </p:sp>
+      <p:sp>
+        <p:nvSpPr>
+          <p:cNvPr id="153" name="Shape 153"/>
+          <p:cNvSpPr/>
+          <p:nvPr/>
+        </p:nvSpPr>
+        <p:spPr>
+          <a:xfrm>
+            <a:off x="4913184" y="10442288"/>
+            <a:ext cx="2104652" cy="636712"/>
+          </a:xfrm>
+          <a:prstGeom prst="rect">
+            <a:avLst/>
+          </a:prstGeom>
+          <a:ln w="12700">
+            <a:miter lim="400000"/>
+          </a:ln>
+          <a:extLst>
+            <a:ext uri="{C572A759-6A51-4108-AA02-DFA0A04FC94B}">
+              <ma14:wrappingTextBoxFlag xmlns:ma14="http://schemas.microsoft.com/office/mac/drawingml/2011/main" xmlns="" val="1"/>
+            </a:ext>
+          </a:extLst>
+        </p:spPr>
+        <p:txBody>
+          <a:bodyPr lIns="71437" tIns="71437" rIns="71437" bIns="71437">
+            <a:spAutoFit/>
+          </a:bodyPr>
+          <a:lstStyle>
+            <a:lvl1pPr>
+              <a:defRPr b="0">
+                <a:solidFill>
+                  <a:srgbClr val="FF2830"/>
+                </a:solidFill>
+                <a:latin typeface="Montserrat Medium"/>
+                <a:ea typeface="Montserrat Medium"/>
+                <a:cs typeface="Montserrat Medium"/>
+                <a:sym typeface="Montserrat Medium"/>
+              </a:defRPr>
+            </a:lvl1pPr>
+          </a:lstStyle>
+          <a:p>
+            <a:r>
+              <a:rPr dirty="0"/>
+              <a:t>[</a:t>
+            </a:r>
+            <a:r>
+              <a:rPr lang="en-AU" dirty="0"/>
+              <a:t>15 mins</a:t>
+            </a:r>
+            <a:r>
+              <a:rPr dirty="0"/>
+              <a:t>] </a:t>
+            </a:r>
+          </a:p>
+        </p:txBody>
+      </p:sp>
+      <p:sp>
+        <p:nvSpPr>
+          <p:cNvPr id="154" name="Shape 154"/>
+          <p:cNvSpPr/>
+          <p:nvPr/>
+        </p:nvSpPr>
+        <p:spPr>
+          <a:xfrm>
+            <a:off x="20560482" y="10442288"/>
+            <a:ext cx="2554258" cy="638176"/>
+          </a:xfrm>
+          <a:prstGeom prst="rect">
+            <a:avLst/>
+          </a:prstGeom>
+          <a:ln w="12700">
+            <a:miter lim="400000"/>
+          </a:ln>
+          <a:extLst>
+            <a:ext uri="{C572A759-6A51-4108-AA02-DFA0A04FC94B}">
+              <ma14:wrappingTextBoxFlag xmlns:ma14="http://schemas.microsoft.com/office/mac/drawingml/2011/main" xmlns="" val="1"/>
+            </a:ext>
+          </a:extLst>
+        </p:spPr>
+        <p:txBody>
+          <a:bodyPr lIns="71437" tIns="71437" rIns="71437" bIns="71437">
+            <a:spAutoFit/>
+          </a:bodyPr>
+          <a:lstStyle>
+            <a:lvl1pPr>
+              <a:defRPr b="0">
+                <a:solidFill>
+                  <a:srgbClr val="FF2830"/>
+                </a:solidFill>
+                <a:latin typeface="Montserrat Medium"/>
+                <a:ea typeface="Montserrat Medium"/>
+                <a:cs typeface="Montserrat Medium"/>
+                <a:sym typeface="Montserrat Medium"/>
+              </a:defRPr>
+            </a:lvl1pPr>
+          </a:lstStyle>
+          <a:p>
+            <a:r>
+              <a:rPr dirty="0"/>
+              <a:t>[1</a:t>
+            </a:r>
+            <a:r>
+              <a:rPr lang="en-AU" dirty="0"/>
+              <a:t>0</a:t>
+            </a:r>
+            <a:r>
+              <a:rPr dirty="0"/>
+              <a:t> min]</a:t>
+            </a:r>
+          </a:p>
+        </p:txBody>
+      </p:sp>
+      <p:sp>
+        <p:nvSpPr>
+          <p:cNvPr id="155" name="Shape 155"/>
+          <p:cNvSpPr/>
+          <p:nvPr/>
+        </p:nvSpPr>
+        <p:spPr>
+          <a:xfrm>
+            <a:off x="12055952" y="10987347"/>
+            <a:ext cx="3687764" cy="2235201"/>
+          </a:xfrm>
+          <a:custGeom>
+            <a:avLst/>
+            <a:gdLst/>
+            <a:ahLst/>
+            <a:cxnLst>
+              <a:cxn ang="0">
+                <a:pos x="wd2" y="hd2"/>
+              </a:cxn>
+              <a:cxn ang="5400000">
+                <a:pos x="wd2" y="hd2"/>
+              </a:cxn>
+              <a:cxn ang="10800000">
+                <a:pos x="wd2" y="hd2"/>
+              </a:cxn>
+              <a:cxn ang="16200000">
+                <a:pos x="wd2" y="hd2"/>
+              </a:cxn>
+            </a:cxnLst>
+            <a:rect l="0" t="0" r="r" b="b"/>
+            <a:pathLst>
+              <a:path w="21600" h="21600" extrusionOk="0">
+                <a:moveTo>
+                  <a:pt x="10902" y="0"/>
+                </a:moveTo>
+                <a:lnTo>
+                  <a:pt x="8659" y="4150"/>
+                </a:lnTo>
+                <a:lnTo>
+                  <a:pt x="1492" y="4150"/>
+                </a:lnTo>
+                <a:cubicBezTo>
+                  <a:pt x="668" y="4150"/>
+                  <a:pt x="0" y="5252"/>
+                  <a:pt x="0" y="6612"/>
+                </a:cubicBezTo>
+                <a:lnTo>
+                  <a:pt x="0" y="19138"/>
+                </a:lnTo>
+                <a:cubicBezTo>
+                  <a:pt x="0" y="20498"/>
+                  <a:pt x="668" y="21600"/>
+                  <a:pt x="1492" y="21600"/>
+                </a:cubicBezTo>
+                <a:lnTo>
+                  <a:pt x="20108" y="21600"/>
+                </a:lnTo>
+                <a:cubicBezTo>
+                  <a:pt x="20932" y="21600"/>
+                  <a:pt x="21600" y="20498"/>
+                  <a:pt x="21600" y="19138"/>
+                </a:cubicBezTo>
+                <a:lnTo>
+                  <a:pt x="21600" y="6612"/>
+                </a:lnTo>
+                <a:cubicBezTo>
+                  <a:pt x="21600" y="5252"/>
+                  <a:pt x="20932" y="4150"/>
+                  <a:pt x="20108" y="4150"/>
+                </a:cubicBezTo>
+                <a:lnTo>
+                  <a:pt x="13143" y="4150"/>
+                </a:lnTo>
+                <a:lnTo>
+                  <a:pt x="10902" y="0"/>
+                </a:lnTo>
+                <a:close/>
+              </a:path>
+            </a:pathLst>
+          </a:custGeom>
+          <a:solidFill>
+            <a:srgbClr val="EE5150"/>
+          </a:solidFill>
+          <a:ln w="12700">
+            <a:miter lim="400000"/>
+          </a:ln>
+          <a:extLst>
+            <a:ext uri="{C572A759-6A51-4108-AA02-DFA0A04FC94B}">
+              <ma14:wrappingTextBoxFlag xmlns:ma14="http://schemas.microsoft.com/office/mac/drawingml/2011/main" xmlns="" val="1"/>
+            </a:ext>
+          </a:extLst>
+        </p:spPr>
+        <p:txBody>
+          <a:bodyPr lIns="71437" tIns="71437" rIns="71437" bIns="71437" anchor="ctr"/>
+          <a:lstStyle>
+            <a:lvl1pPr>
+              <a:defRPr sz="3000" b="0">
+                <a:solidFill>
+                  <a:srgbClr val="FFFFFF"/>
+                </a:solidFill>
+                <a:latin typeface="Montserrat Medium"/>
+                <a:ea typeface="Montserrat Medium"/>
+                <a:cs typeface="Montserrat Medium"/>
+                <a:sym typeface="Montserrat Medium"/>
+              </a:defRPr>
+            </a:lvl1pPr>
+          </a:lstStyle>
+          <a:p>
+            <a:r>
+              <a:t>Lorum ipsum dolor sit amet</a:t>
+            </a:r>
+          </a:p>
+        </p:txBody>
+      </p:sp>
+      <p:sp>
+        <p:nvSpPr>
+          <p:cNvPr id="156" name="Shape 156"/>
+          <p:cNvSpPr/>
+          <p:nvPr/>
+        </p:nvSpPr>
+        <p:spPr>
+          <a:xfrm>
+            <a:off x="16533544" y="10442288"/>
+            <a:ext cx="2672083" cy="638176"/>
+          </a:xfrm>
+          <a:prstGeom prst="rect">
+            <a:avLst/>
+          </a:prstGeom>
+          <a:ln w="12700">
+            <a:miter lim="400000"/>
+          </a:ln>
+          <a:extLst>
+            <a:ext uri="{C572A759-6A51-4108-AA02-DFA0A04FC94B}">
+              <ma14:wrappingTextBoxFlag xmlns:ma14="http://schemas.microsoft.com/office/mac/drawingml/2011/main" xmlns="" val="1"/>
+            </a:ext>
+          </a:extLst>
+        </p:spPr>
+        <p:txBody>
+          <a:bodyPr lIns="71437" tIns="71437" rIns="71437" bIns="71437">
+            <a:spAutoFit/>
+          </a:bodyPr>
+          <a:lstStyle>
+            <a:lvl1pPr>
+              <a:defRPr b="0">
+                <a:solidFill>
+                  <a:srgbClr val="FF2830"/>
+                </a:solidFill>
+                <a:latin typeface="Montserrat Medium"/>
+                <a:ea typeface="Montserrat Medium"/>
+                <a:cs typeface="Montserrat Medium"/>
+                <a:sym typeface="Montserrat Medium"/>
+              </a:defRPr>
+            </a:lvl1pPr>
+          </a:lstStyle>
+          <a:p>
+            <a:r>
+              <a:rPr dirty="0"/>
+              <a:t>[</a:t>
+            </a:r>
+            <a:r>
+              <a:rPr lang="en-AU" dirty="0"/>
+              <a:t>30</a:t>
+            </a:r>
+            <a:r>
+              <a:rPr dirty="0"/>
+              <a:t> min]</a:t>
+            </a:r>
+          </a:p>
+        </p:txBody>
+      </p:sp>
+      <p:sp>
+        <p:nvSpPr>
+          <p:cNvPr id="164" name="Shape 164"/>
+          <p:cNvSpPr/>
+          <p:nvPr/>
+        </p:nvSpPr>
+        <p:spPr>
+          <a:xfrm>
+            <a:off x="8881209" y="10442288"/>
+            <a:ext cx="2104652" cy="638176"/>
+          </a:xfrm>
+          <a:prstGeom prst="rect">
+            <a:avLst/>
+          </a:prstGeom>
+          <a:ln w="12700">
+            <a:miter lim="400000"/>
+          </a:ln>
+          <a:extLst>
+            <a:ext uri="{C572A759-6A51-4108-AA02-DFA0A04FC94B}">
+              <ma14:wrappingTextBoxFlag xmlns:ma14="http://schemas.microsoft.com/office/mac/drawingml/2011/main" xmlns="" val="1"/>
+            </a:ext>
+          </a:extLst>
+        </p:spPr>
+        <p:txBody>
+          <a:bodyPr lIns="71437" tIns="71437" rIns="71437" bIns="71437">
+            <a:spAutoFit/>
+          </a:bodyPr>
+          <a:lstStyle>
+            <a:lvl1pPr>
+              <a:defRPr b="0">
+                <a:solidFill>
+                  <a:srgbClr val="FF2830"/>
+                </a:solidFill>
+                <a:latin typeface="Montserrat Medium"/>
+                <a:ea typeface="Montserrat Medium"/>
+                <a:cs typeface="Montserrat Medium"/>
+                <a:sym typeface="Montserrat Medium"/>
+              </a:defRPr>
+            </a:lvl1pPr>
+          </a:lstStyle>
+          <a:p>
+            <a:r>
+              <a:rPr dirty="0"/>
+              <a:t>[15 min</a:t>
+            </a:r>
+            <a:r>
+              <a:rPr lang="en-AU" dirty="0"/>
+              <a:t>s</a:t>
+            </a:r>
+            <a:r>
+              <a:rPr dirty="0"/>
+              <a:t>]</a:t>
+            </a:r>
+          </a:p>
+        </p:txBody>
+      </p:sp>
+      <p:sp>
+        <p:nvSpPr>
+          <p:cNvPr id="166" name="Shape 166"/>
+          <p:cNvSpPr/>
+          <p:nvPr/>
+        </p:nvSpPr>
+        <p:spPr>
+          <a:xfrm>
+            <a:off x="12849235" y="10442288"/>
+            <a:ext cx="2104652" cy="638176"/>
+          </a:xfrm>
+          <a:prstGeom prst="rect">
+            <a:avLst/>
+          </a:prstGeom>
+          <a:ln w="12700">
+            <a:miter lim="400000"/>
+          </a:ln>
+          <a:extLst>
+            <a:ext uri="{C572A759-6A51-4108-AA02-DFA0A04FC94B}">
+              <ma14:wrappingTextBoxFlag xmlns:ma14="http://schemas.microsoft.com/office/mac/drawingml/2011/main" xmlns="" val="1"/>
+            </a:ext>
+          </a:extLst>
+        </p:spPr>
+        <p:txBody>
+          <a:bodyPr lIns="71437" tIns="71437" rIns="71437" bIns="71437">
+            <a:spAutoFit/>
+          </a:bodyPr>
+          <a:lstStyle>
+            <a:lvl1pPr>
+              <a:defRPr b="0">
+                <a:solidFill>
+                  <a:srgbClr val="FF2830"/>
+                </a:solidFill>
+                <a:latin typeface="Montserrat Medium"/>
+                <a:ea typeface="Montserrat Medium"/>
+                <a:cs typeface="Montserrat Medium"/>
+                <a:sym typeface="Montserrat Medium"/>
+              </a:defRPr>
+            </a:lvl1pPr>
+          </a:lstStyle>
+          <a:p>
+            <a:r>
+              <a:rPr lang="en-AU" dirty="0"/>
+              <a:t>[flexible] </a:t>
+            </a:r>
+          </a:p>
+        </p:txBody>
+      </p:sp>
+      <p:grpSp>
+        <p:nvGrpSpPr>
+          <p:cNvPr id="2" name="Group 1">
+            <a:extLst>
+              <a:ext uri="{FF2B5EF4-FFF2-40B4-BE49-F238E27FC236}">
+                <a16:creationId xmlns:a16="http://schemas.microsoft.com/office/drawing/2014/main" id="{662C4E40-F3DE-944C-83FA-894A0483E1A3}"/>
+              </a:ext>
+            </a:extLst>
+          </p:cNvPr>
+          <p:cNvGrpSpPr/>
+          <p:nvPr/>
+        </p:nvGrpSpPr>
+        <p:grpSpPr>
+          <a:xfrm>
+            <a:off x="-32300" y="-576935"/>
+            <a:ext cx="24495259" cy="10810562"/>
+            <a:chOff x="-32300" y="-576935"/>
+            <a:chExt cx="24495259" cy="10810562"/>
+          </a:xfrm>
+        </p:grpSpPr>
+        <p:sp>
+          <p:nvSpPr>
+            <p:cNvPr id="139" name="Shape 139"/>
+            <p:cNvSpPr/>
+            <p:nvPr/>
+          </p:nvSpPr>
+          <p:spPr>
+            <a:xfrm rot="16200000">
+              <a:off x="14734463" y="1317089"/>
+              <a:ext cx="6120259" cy="3360399"/>
+            </a:xfrm>
+            <a:custGeom>
+              <a:avLst/>
+              <a:gdLst/>
+              <a:ahLst/>
+              <a:cxnLst>
+                <a:cxn ang="0">
+                  <a:pos x="wd2" y="hd2"/>
+                </a:cxn>
+                <a:cxn ang="5400000">
+                  <a:pos x="wd2" y="hd2"/>
+                </a:cxn>
+                <a:cxn ang="10800000">
+                  <a:pos x="wd2" y="hd2"/>
+                </a:cxn>
+                <a:cxn ang="16200000">
+                  <a:pos x="wd2" y="hd2"/>
+                </a:cxn>
+              </a:cxnLst>
+              <a:rect l="0" t="0" r="r" b="b"/>
+              <a:pathLst>
+                <a:path w="21600" h="21600" extrusionOk="0">
+                  <a:moveTo>
+                    <a:pt x="0" y="0"/>
+                  </a:moveTo>
+                  <a:lnTo>
+                    <a:pt x="0" y="21600"/>
+                  </a:lnTo>
+                  <a:lnTo>
+                    <a:pt x="21600" y="21600"/>
+                  </a:lnTo>
+                  <a:close/>
+                </a:path>
+              </a:pathLst>
+            </a:custGeom>
+            <a:solidFill>
+              <a:srgbClr val="FFFFFF"/>
+            </a:solidFill>
+            <a:ln w="12700">
+              <a:miter lim="400000"/>
+            </a:ln>
+          </p:spPr>
+          <p:txBody>
+            <a:bodyPr lIns="71437" tIns="71437" rIns="71437" bIns="71437" anchor="ctr"/>
+            <a:lstStyle/>
+            <a:p>
+              <a:pPr>
+                <a:defRPr sz="3000" b="0">
+                  <a:solidFill>
+                    <a:srgbClr val="FFFFFF"/>
+                  </a:solidFill>
+                  <a:latin typeface="+mn-lt"/>
+                  <a:ea typeface="+mn-ea"/>
+                  <a:cs typeface="+mn-cs"/>
+                  <a:sym typeface="Helvetica Neue Medium"/>
+                </a:defRPr>
+              </a:pPr>
+              <a:endParaRPr/>
+            </a:p>
+          </p:txBody>
+        </p:sp>
+        <p:sp>
+          <p:nvSpPr>
+            <p:cNvPr id="140" name="Shape 140"/>
+            <p:cNvSpPr/>
+            <p:nvPr/>
+          </p:nvSpPr>
+          <p:spPr>
+            <a:xfrm rot="16200000">
+              <a:off x="17562253" y="615600"/>
+              <a:ext cx="3063687" cy="1682153"/>
+            </a:xfrm>
+            <a:custGeom>
+              <a:avLst/>
+              <a:gdLst/>
+              <a:ahLst/>
+              <a:cxnLst>
+                <a:cxn ang="0">
+                  <a:pos x="wd2" y="hd2"/>
+                </a:cxn>
+                <a:cxn ang="5400000">
+                  <a:pos x="wd2" y="hd2"/>
+                </a:cxn>
+                <a:cxn ang="10800000">
+                  <a:pos x="wd2" y="hd2"/>
+                </a:cxn>
+                <a:cxn ang="16200000">
+                  <a:pos x="wd2" y="hd2"/>
+                </a:cxn>
+              </a:cxnLst>
+              <a:rect l="0" t="0" r="r" b="b"/>
+              <a:pathLst>
+                <a:path w="21600" h="21600" extrusionOk="0">
+                  <a:moveTo>
+                    <a:pt x="0" y="0"/>
+                  </a:moveTo>
+                  <a:lnTo>
+                    <a:pt x="0" y="21600"/>
+                  </a:lnTo>
+                  <a:lnTo>
+                    <a:pt x="21600" y="21600"/>
+                  </a:lnTo>
+                  <a:close/>
+                </a:path>
+              </a:pathLst>
+            </a:custGeom>
+            <a:solidFill>
+              <a:srgbClr val="EE5150"/>
+            </a:solidFill>
+            <a:ln w="12700">
+              <a:miter lim="400000"/>
+            </a:ln>
+          </p:spPr>
+          <p:txBody>
+            <a:bodyPr lIns="71437" tIns="71437" rIns="71437" bIns="71437" anchor="ctr"/>
+            <a:lstStyle/>
+            <a:p>
+              <a:pPr>
+                <a:defRPr sz="3000" b="0">
+                  <a:solidFill>
+                    <a:srgbClr val="FFFFFF"/>
+                  </a:solidFill>
+                  <a:latin typeface="+mn-lt"/>
+                  <a:ea typeface="+mn-ea"/>
+                  <a:cs typeface="+mn-cs"/>
+                  <a:sym typeface="Helvetica Neue Medium"/>
+                </a:defRPr>
+              </a:pPr>
+              <a:endParaRPr/>
+            </a:p>
+          </p:txBody>
+        </p:sp>
+        <p:sp>
+          <p:nvSpPr>
+            <p:cNvPr id="141" name="Shape 141"/>
+            <p:cNvSpPr/>
+            <p:nvPr/>
+          </p:nvSpPr>
+          <p:spPr>
+            <a:xfrm>
+              <a:off x="19899076" y="-60452"/>
+              <a:ext cx="4496226" cy="3047293"/>
+            </a:xfrm>
+            <a:prstGeom prst="rect">
+              <a:avLst/>
+            </a:prstGeom>
+            <a:solidFill>
+              <a:srgbClr val="EE5150"/>
+            </a:solidFill>
+            <a:ln w="12700">
+              <a:miter lim="400000"/>
+            </a:ln>
+          </p:spPr>
+          <p:txBody>
+            <a:bodyPr lIns="71437" tIns="71437" rIns="71437" bIns="71437" anchor="ctr"/>
+            <a:lstStyle/>
+            <a:p>
+              <a:pPr>
+                <a:defRPr sz="3000" b="0">
+                  <a:solidFill>
+                    <a:srgbClr val="FFFFFF"/>
+                  </a:solidFill>
+                  <a:latin typeface="+mn-lt"/>
+                  <a:ea typeface="+mn-ea"/>
+                  <a:cs typeface="+mn-cs"/>
+                  <a:sym typeface="Helvetica Neue Medium"/>
+                </a:defRPr>
+              </a:pPr>
+              <a:endParaRPr/>
+            </a:p>
+          </p:txBody>
+        </p:sp>
+        <p:sp>
+          <p:nvSpPr>
+            <p:cNvPr id="142" name="Shape 142"/>
+            <p:cNvSpPr/>
+            <p:nvPr/>
+          </p:nvSpPr>
+          <p:spPr>
+            <a:xfrm>
+              <a:off x="19212262" y="-576935"/>
+              <a:ext cx="5250697" cy="2607060"/>
+            </a:xfrm>
+            <a:prstGeom prst="rect">
+              <a:avLst/>
+            </a:prstGeom>
+            <a:ln w="12700">
+              <a:miter lim="400000"/>
+            </a:ln>
+            <a:extLst>
+              <a:ext uri="{C572A759-6A51-4108-AA02-DFA0A04FC94B}">
+                <ma14:wrappingTextBoxFlag xmlns:ma14="http://schemas.microsoft.com/office/mac/drawingml/2011/main" xmlns="" val="1"/>
+              </a:ext>
+            </a:extLst>
+          </p:spPr>
+          <p:txBody>
+            <a:bodyPr lIns="0" tIns="0" rIns="0" bIns="0" anchor="ctr">
+              <a:spAutoFit/>
+            </a:bodyPr>
+            <a:lstStyle/>
+            <a:p>
+              <a:pPr lvl="3" algn="l" defTabSz="642937">
+                <a:lnSpc>
+                  <a:spcPts val="24800"/>
+                </a:lnSpc>
+                <a:defRPr sz="7000" b="0" spc="-140">
+                  <a:solidFill>
+                    <a:srgbClr val="FFFFFF"/>
+                  </a:solidFill>
+                  <a:latin typeface="Montserrat Bold"/>
+                  <a:ea typeface="Montserrat Bold"/>
+                  <a:cs typeface="Montserrat Bold"/>
+                  <a:sym typeface="Montserrat Bold"/>
+                </a:defRPr>
+              </a:pPr>
+              <a:r>
+                <a:rPr dirty="0"/>
+                <a:t>PAGE </a:t>
+              </a:r>
+              <a:r>
+                <a:rPr lang="en-AU" dirty="0"/>
+                <a:t>124</a:t>
+              </a:r>
+              <a:endParaRPr dirty="0"/>
+            </a:p>
+          </p:txBody>
+        </p:sp>
+        <p:sp>
+          <p:nvSpPr>
+            <p:cNvPr id="143" name="Shape 143"/>
+            <p:cNvSpPr/>
+            <p:nvPr/>
+          </p:nvSpPr>
+          <p:spPr>
+            <a:xfrm>
+              <a:off x="1334644" y="6636377"/>
+              <a:ext cx="21354888" cy="1621597"/>
+            </a:xfrm>
+            <a:prstGeom prst="rect">
+              <a:avLst/>
+            </a:prstGeom>
+            <a:ln w="12700">
+              <a:miter lim="400000"/>
+            </a:ln>
+            <a:extLst>
+              <a:ext uri="{C572A759-6A51-4108-AA02-DFA0A04FC94B}">
+                <ma14:wrappingTextBoxFlag xmlns:ma14="http://schemas.microsoft.com/office/mac/drawingml/2011/main" xmlns="" val="1"/>
+              </a:ext>
+            </a:extLst>
+          </p:spPr>
+          <p:txBody>
+            <a:bodyPr lIns="71437" tIns="71437" rIns="71437" bIns="71437">
+              <a:spAutoFit/>
+            </a:bodyPr>
+            <a:lstStyle>
+              <a:lvl1pPr algn="l">
+                <a:defRPr b="0">
+                  <a:latin typeface="Montserrat Medium"/>
+                  <a:ea typeface="Montserrat Medium"/>
+                  <a:cs typeface="Montserrat Medium"/>
+                  <a:sym typeface="Montserrat Medium"/>
+                </a:defRPr>
+              </a:lvl1pPr>
+            </a:lstStyle>
+            <a:p>
+              <a:r>
+                <a:rPr lang="en-AU" dirty="0"/>
+                <a:t>In this exercise, you will design and pilot a pop-up installation to gather data about a specific problem area. Focus on your own design problem, or follow the ‘Future Campus’ brief (p.208). Use the template available on the companion website. See p.211 for an example of a pop-up installation.</a:t>
+              </a:r>
+            </a:p>
+          </p:txBody>
+        </p:sp>
+        <p:sp>
+          <p:nvSpPr>
+            <p:cNvPr id="144" name="Shape 144"/>
+            <p:cNvSpPr/>
+            <p:nvPr/>
+          </p:nvSpPr>
+          <p:spPr>
+            <a:xfrm rot="16200000">
+              <a:off x="16480800" y="3733069"/>
+              <a:ext cx="2107691" cy="1157253"/>
+            </a:xfrm>
+            <a:custGeom>
+              <a:avLst/>
+              <a:gdLst/>
+              <a:ahLst/>
+              <a:cxnLst>
+                <a:cxn ang="0">
+                  <a:pos x="wd2" y="hd2"/>
+                </a:cxn>
+                <a:cxn ang="5400000">
+                  <a:pos x="wd2" y="hd2"/>
+                </a:cxn>
+                <a:cxn ang="10800000">
+                  <a:pos x="wd2" y="hd2"/>
+                </a:cxn>
+                <a:cxn ang="16200000">
+                  <a:pos x="wd2" y="hd2"/>
+                </a:cxn>
+              </a:cxnLst>
+              <a:rect l="0" t="0" r="r" b="b"/>
+              <a:pathLst>
+                <a:path w="21600" h="21600" extrusionOk="0">
+                  <a:moveTo>
+                    <a:pt x="0" y="0"/>
+                  </a:moveTo>
+                  <a:lnTo>
+                    <a:pt x="0" y="21600"/>
+                  </a:lnTo>
+                  <a:lnTo>
+                    <a:pt x="21600" y="21600"/>
+                  </a:lnTo>
+                  <a:close/>
+                </a:path>
+              </a:pathLst>
+            </a:custGeom>
+            <a:solidFill>
+              <a:srgbClr val="212121"/>
+            </a:solidFill>
+            <a:ln w="12700">
+              <a:miter lim="400000"/>
+            </a:ln>
+          </p:spPr>
+          <p:txBody>
+            <a:bodyPr lIns="71437" tIns="71437" rIns="71437" bIns="71437" anchor="ctr"/>
+            <a:lstStyle/>
+            <a:p>
+              <a:pPr>
+                <a:defRPr sz="3000" b="0">
+                  <a:solidFill>
+                    <a:srgbClr val="FFFFFF"/>
+                  </a:solidFill>
+                  <a:latin typeface="+mn-lt"/>
+                  <a:ea typeface="+mn-ea"/>
+                  <a:cs typeface="+mn-cs"/>
+                  <a:sym typeface="Helvetica Neue Medium"/>
+                </a:defRPr>
+              </a:pPr>
+              <a:endParaRPr/>
+            </a:p>
+          </p:txBody>
+        </p:sp>
+        <p:sp>
+          <p:nvSpPr>
+            <p:cNvPr id="145" name="Shape 145"/>
+            <p:cNvSpPr/>
+            <p:nvPr/>
+          </p:nvSpPr>
+          <p:spPr>
+            <a:xfrm>
+              <a:off x="18112142" y="3266047"/>
+              <a:ext cx="6294408" cy="2107692"/>
+            </a:xfrm>
+            <a:prstGeom prst="rect">
+              <a:avLst/>
+            </a:prstGeom>
+            <a:solidFill>
+              <a:srgbClr val="212121"/>
+            </a:solidFill>
+            <a:ln w="12700">
+              <a:miter lim="400000"/>
+            </a:ln>
+          </p:spPr>
+          <p:txBody>
+            <a:bodyPr lIns="71437" tIns="71437" rIns="71437" bIns="71437" anchor="ctr"/>
+            <a:lstStyle/>
+            <a:p>
+              <a:pPr marR="254000" algn="r">
+                <a:defRPr sz="3000" b="0">
+                  <a:solidFill>
+                    <a:srgbClr val="FFFFFF"/>
+                  </a:solidFill>
+                  <a:latin typeface="Montserrat Bold"/>
+                  <a:ea typeface="Montserrat Bold"/>
+                  <a:cs typeface="Montserrat Bold"/>
+                  <a:sym typeface="Montserrat Bold"/>
+                </a:defRPr>
+              </a:pPr>
+              <a:endParaRPr/>
+            </a:p>
+          </p:txBody>
+        </p:sp>
+        <p:sp>
+          <p:nvSpPr>
+            <p:cNvPr id="146" name="Shape 146"/>
+            <p:cNvSpPr/>
+            <p:nvPr/>
+          </p:nvSpPr>
+          <p:spPr>
+            <a:xfrm>
+              <a:off x="18954898" y="3328931"/>
+              <a:ext cx="5266984" cy="1990929"/>
+            </a:xfrm>
+            <a:prstGeom prst="rect">
+              <a:avLst/>
+            </a:prstGeom>
+            <a:ln w="12700">
+              <a:miter lim="400000"/>
+            </a:ln>
+            <a:extLst>
+              <a:ext uri="{C572A759-6A51-4108-AA02-DFA0A04FC94B}">
+                <ma14:wrappingTextBoxFlag xmlns:ma14="http://schemas.microsoft.com/office/mac/drawingml/2011/main" xmlns="" val="1"/>
+              </a:ext>
+            </a:extLst>
+          </p:spPr>
+          <p:txBody>
+            <a:bodyPr wrap="square" lIns="71437" tIns="71437" rIns="71437" bIns="71437" anchor="ctr">
+              <a:spAutoFit/>
+            </a:bodyPr>
+            <a:lstStyle/>
+            <a:p>
+              <a:pPr marR="254000" algn="r">
+                <a:defRPr sz="3000" b="0">
+                  <a:solidFill>
+                    <a:srgbClr val="FFFFFF"/>
+                  </a:solidFill>
+                  <a:latin typeface="Montserrat Bold"/>
+                  <a:ea typeface="Montserrat Bold"/>
+                  <a:cs typeface="Montserrat Bold"/>
+                  <a:sym typeface="Montserrat Bold"/>
+                </a:defRPr>
+              </a:pPr>
+              <a:r>
+                <a:rPr lang="en-AU" dirty="0"/>
+                <a:t>YOU WILL NEED +3-6 participants, A3</a:t>
+              </a:r>
+            </a:p>
+            <a:p>
+              <a:pPr marR="254000" algn="r">
+                <a:defRPr sz="3000" b="0">
+                  <a:solidFill>
+                    <a:srgbClr val="FFFFFF"/>
+                  </a:solidFill>
+                  <a:latin typeface="Montserrat Bold"/>
+                  <a:ea typeface="Montserrat Bold"/>
+                  <a:cs typeface="Montserrat Bold"/>
+                  <a:sym typeface="Montserrat Bold"/>
+                </a:defRPr>
+              </a:pPr>
+              <a:r>
+                <a:rPr lang="en-AU" dirty="0"/>
+                <a:t>paper, coloured pens,</a:t>
+              </a:r>
+            </a:p>
+            <a:p>
+              <a:pPr marR="254000" algn="r">
+                <a:defRPr sz="3000" b="0">
+                  <a:solidFill>
+                    <a:srgbClr val="FFFFFF"/>
+                  </a:solidFill>
+                  <a:latin typeface="Montserrat Bold"/>
+                  <a:ea typeface="Montserrat Bold"/>
+                  <a:cs typeface="Montserrat Bold"/>
+                  <a:sym typeface="Montserrat Bold"/>
+                </a:defRPr>
+              </a:pPr>
+              <a:r>
+                <a:rPr lang="en-AU" dirty="0"/>
+                <a:t>pen, sticky notes)</a:t>
+              </a:r>
+              <a:endParaRPr dirty="0">
+                <a:latin typeface="Montserrat Medium"/>
+                <a:ea typeface="Montserrat Medium"/>
+                <a:cs typeface="Montserrat Medium"/>
+                <a:sym typeface="Montserrat Medium"/>
+              </a:endParaRPr>
+            </a:p>
+          </p:txBody>
+        </p:sp>
+        <p:sp>
+          <p:nvSpPr>
+            <p:cNvPr id="147" name="Shape 147"/>
+            <p:cNvSpPr/>
+            <p:nvPr/>
+          </p:nvSpPr>
+          <p:spPr>
+            <a:xfrm>
+              <a:off x="2479707" y="9714356"/>
+              <a:ext cx="19139561" cy="1"/>
+            </a:xfrm>
+            <a:prstGeom prst="line">
+              <a:avLst/>
+            </a:prstGeom>
+            <a:ln w="88900">
+              <a:solidFill>
+                <a:srgbClr val="000000"/>
+              </a:solidFill>
+              <a:miter lim="400000"/>
+            </a:ln>
+          </p:spPr>
+          <p:txBody>
+            <a:bodyPr lIns="71437" tIns="71437" rIns="71437" bIns="71437" anchor="ctr"/>
+            <a:lstStyle/>
+            <a:p>
+              <a:pPr>
+                <a:defRPr sz="3000" b="0">
+                  <a:solidFill>
+                    <a:srgbClr val="FFFFFF"/>
+                  </a:solidFill>
+                  <a:latin typeface="+mn-lt"/>
+                  <a:ea typeface="+mn-ea"/>
+                  <a:cs typeface="+mn-cs"/>
+                  <a:sym typeface="Helvetica Neue Medium"/>
+                </a:defRPr>
+              </a:pPr>
+              <a:endParaRPr/>
+            </a:p>
+          </p:txBody>
+        </p:sp>
+        <p:sp>
+          <p:nvSpPr>
+            <p:cNvPr id="148" name="Shape 148"/>
+            <p:cNvSpPr/>
+            <p:nvPr/>
+          </p:nvSpPr>
+          <p:spPr>
+            <a:xfrm>
+              <a:off x="1478213" y="9195086"/>
+              <a:ext cx="1038542" cy="1038541"/>
+            </a:xfrm>
+            <a:prstGeom prst="ellipse">
+              <a:avLst/>
+            </a:prstGeom>
+            <a:solidFill>
+              <a:srgbClr val="D6D6D6"/>
+            </a:solidFill>
+            <a:ln w="12700">
+              <a:miter lim="400000"/>
+            </a:ln>
+            <a:extLst>
+              <a:ext uri="{C572A759-6A51-4108-AA02-DFA0A04FC94B}">
+                <ma14:wrappingTextBoxFlag xmlns:ma14="http://schemas.microsoft.com/office/mac/drawingml/2011/main" xmlns="" val="1"/>
+              </a:ext>
+            </a:extLst>
+          </p:spPr>
+          <p:txBody>
+            <a:bodyPr lIns="71437" tIns="71437" rIns="71437" bIns="71437" anchor="ctr"/>
+            <a:lstStyle>
+              <a:lvl1pPr>
+                <a:defRPr sz="4000" b="0">
+                  <a:solidFill>
+                    <a:srgbClr val="FFFFFF"/>
+                  </a:solidFill>
+                  <a:latin typeface="Montserrat Bold"/>
+                  <a:ea typeface="Montserrat Bold"/>
+                  <a:cs typeface="Montserrat Bold"/>
+                  <a:sym typeface="Montserrat Bold"/>
+                </a:defRPr>
+              </a:lvl1pPr>
+            </a:lstStyle>
+            <a:p>
+              <a:r>
+                <a:t>1</a:t>
+              </a:r>
+            </a:p>
+          </p:txBody>
+        </p:sp>
+        <p:sp>
+          <p:nvSpPr>
+            <p:cNvPr id="149" name="Shape 149"/>
+            <p:cNvSpPr/>
+            <p:nvPr/>
+          </p:nvSpPr>
+          <p:spPr>
+            <a:xfrm>
+              <a:off x="21318340" y="9195086"/>
+              <a:ext cx="1038542" cy="1038541"/>
+            </a:xfrm>
+            <a:prstGeom prst="ellipse">
+              <a:avLst/>
+            </a:prstGeom>
+            <a:solidFill>
+              <a:srgbClr val="D6D6D6"/>
+            </a:solidFill>
+            <a:ln w="12700">
+              <a:miter lim="400000"/>
+            </a:ln>
+            <a:extLst>
+              <a:ext uri="{C572A759-6A51-4108-AA02-DFA0A04FC94B}">
+                <ma14:wrappingTextBoxFlag xmlns:ma14="http://schemas.microsoft.com/office/mac/drawingml/2011/main" xmlns="" val="1"/>
+              </a:ext>
+            </a:extLst>
+          </p:spPr>
+          <p:txBody>
+            <a:bodyPr lIns="71437" tIns="71437" rIns="71437" bIns="71437" anchor="ctr"/>
+            <a:lstStyle>
+              <a:lvl1pPr>
+                <a:defRPr sz="4000" b="0">
+                  <a:solidFill>
+                    <a:srgbClr val="FFFFFF"/>
+                  </a:solidFill>
+                  <a:latin typeface="Montserrat Bold"/>
+                  <a:ea typeface="Montserrat Bold"/>
+                  <a:cs typeface="Montserrat Bold"/>
+                  <a:sym typeface="Montserrat Bold"/>
+                </a:defRPr>
+              </a:lvl1pPr>
+            </a:lstStyle>
+            <a:p>
+              <a:r>
+                <a:t>6</a:t>
+              </a:r>
+            </a:p>
+          </p:txBody>
+        </p:sp>
+        <p:sp>
+          <p:nvSpPr>
+            <p:cNvPr id="150" name="Shape 150"/>
+            <p:cNvSpPr/>
+            <p:nvPr/>
+          </p:nvSpPr>
+          <p:spPr>
+            <a:xfrm>
+              <a:off x="5446239" y="9195086"/>
+              <a:ext cx="1038541" cy="1038541"/>
+            </a:xfrm>
+            <a:prstGeom prst="ellipse">
+              <a:avLst/>
+            </a:prstGeom>
+            <a:solidFill>
+              <a:srgbClr val="D6D6D6"/>
+            </a:solidFill>
+            <a:ln w="12700">
+              <a:miter lim="400000"/>
+            </a:ln>
+            <a:extLst>
+              <a:ext uri="{C572A759-6A51-4108-AA02-DFA0A04FC94B}">
+                <ma14:wrappingTextBoxFlag xmlns:ma14="http://schemas.microsoft.com/office/mac/drawingml/2011/main" xmlns="" val="1"/>
+              </a:ext>
+            </a:extLst>
+          </p:spPr>
+          <p:txBody>
+            <a:bodyPr lIns="71437" tIns="71437" rIns="71437" bIns="71437" anchor="ctr"/>
+            <a:lstStyle>
+              <a:lvl1pPr>
+                <a:defRPr sz="4000" b="0">
+                  <a:solidFill>
+                    <a:srgbClr val="FFFFFF"/>
+                  </a:solidFill>
+                  <a:latin typeface="Montserrat Bold"/>
+                  <a:ea typeface="Montserrat Bold"/>
+                  <a:cs typeface="Montserrat Bold"/>
+                  <a:sym typeface="Montserrat Bold"/>
+                </a:defRPr>
+              </a:lvl1pPr>
+            </a:lstStyle>
+            <a:p>
+              <a:r>
+                <a:t>2</a:t>
+              </a:r>
+            </a:p>
+          </p:txBody>
+        </p:sp>
+        <p:sp>
+          <p:nvSpPr>
+            <p:cNvPr id="151" name="Shape 151"/>
+            <p:cNvSpPr/>
+            <p:nvPr/>
+          </p:nvSpPr>
+          <p:spPr>
+            <a:xfrm>
+              <a:off x="17350314" y="9195086"/>
+              <a:ext cx="1038541" cy="1038541"/>
+            </a:xfrm>
+            <a:prstGeom prst="ellipse">
+              <a:avLst/>
+            </a:prstGeom>
+            <a:solidFill>
+              <a:srgbClr val="D6D6D6"/>
+            </a:solidFill>
+            <a:ln w="12700">
+              <a:miter lim="400000"/>
+            </a:ln>
+            <a:extLst>
+              <a:ext uri="{C572A759-6A51-4108-AA02-DFA0A04FC94B}">
+                <ma14:wrappingTextBoxFlag xmlns:ma14="http://schemas.microsoft.com/office/mac/drawingml/2011/main" xmlns="" val="1"/>
+              </a:ext>
+            </a:extLst>
+          </p:spPr>
+          <p:txBody>
+            <a:bodyPr lIns="71437" tIns="71437" rIns="71437" bIns="71437" anchor="ctr"/>
+            <a:lstStyle>
+              <a:lvl1pPr>
+                <a:defRPr sz="4000" b="0">
+                  <a:solidFill>
+                    <a:srgbClr val="FFFFFF"/>
+                  </a:solidFill>
+                  <a:latin typeface="Montserrat Bold"/>
+                  <a:ea typeface="Montserrat Bold"/>
+                  <a:cs typeface="Montserrat Bold"/>
+                  <a:sym typeface="Montserrat Bold"/>
+                </a:defRPr>
+              </a:lvl1pPr>
+            </a:lstStyle>
+            <a:p>
+              <a:r>
+                <a:t>5</a:t>
+              </a:r>
+            </a:p>
+          </p:txBody>
+        </p:sp>
+        <p:sp>
+          <p:nvSpPr>
+            <p:cNvPr id="160" name="Shape 160"/>
+            <p:cNvSpPr/>
+            <p:nvPr/>
+          </p:nvSpPr>
+          <p:spPr>
+            <a:xfrm>
+              <a:off x="-32300" y="2685870"/>
+              <a:ext cx="12355102" cy="2321716"/>
+            </a:xfrm>
+            <a:prstGeom prst="rect">
+              <a:avLst/>
+            </a:prstGeom>
+            <a:solidFill>
+              <a:srgbClr val="EE5150"/>
+            </a:solidFill>
+            <a:ln w="12700">
+              <a:miter lim="400000"/>
+            </a:ln>
+          </p:spPr>
+          <p:txBody>
+            <a:bodyPr lIns="0" tIns="0" rIns="0" bIns="0" anchor="ctr"/>
+            <a:lstStyle/>
+            <a:p>
+              <a:pPr lvl="3" algn="l" defTabSz="642937">
+                <a:lnSpc>
+                  <a:spcPts val="27900"/>
+                </a:lnSpc>
+                <a:defRPr sz="9600">
+                  <a:solidFill>
+                    <a:srgbClr val="FFFFFF"/>
+                  </a:solidFill>
+                  <a:latin typeface="Tw Cen MT"/>
+                  <a:ea typeface="Tw Cen MT"/>
+                  <a:cs typeface="Tw Cen MT"/>
+                  <a:sym typeface="Tw Cen MT"/>
+                </a:defRPr>
+              </a:pPr>
+              <a:endParaRPr dirty="0"/>
+            </a:p>
+          </p:txBody>
+        </p:sp>
+        <p:sp>
+          <p:nvSpPr>
+            <p:cNvPr id="161" name="Shape 161"/>
+            <p:cNvSpPr/>
+            <p:nvPr/>
+          </p:nvSpPr>
+          <p:spPr>
+            <a:xfrm rot="5400000">
+              <a:off x="11791615" y="3211030"/>
+              <a:ext cx="2321715" cy="1271395"/>
+            </a:xfrm>
+            <a:custGeom>
+              <a:avLst/>
+              <a:gdLst/>
+              <a:ahLst/>
+              <a:cxnLst>
+                <a:cxn ang="0">
+                  <a:pos x="wd2" y="hd2"/>
+                </a:cxn>
+                <a:cxn ang="5400000">
+                  <a:pos x="wd2" y="hd2"/>
+                </a:cxn>
+                <a:cxn ang="10800000">
+                  <a:pos x="wd2" y="hd2"/>
+                </a:cxn>
+                <a:cxn ang="16200000">
+                  <a:pos x="wd2" y="hd2"/>
+                </a:cxn>
+              </a:cxnLst>
+              <a:rect l="0" t="0" r="r" b="b"/>
+              <a:pathLst>
+                <a:path w="21600" h="21600" extrusionOk="0">
+                  <a:moveTo>
+                    <a:pt x="0" y="0"/>
+                  </a:moveTo>
+                  <a:lnTo>
+                    <a:pt x="0" y="21600"/>
+                  </a:lnTo>
+                  <a:lnTo>
+                    <a:pt x="21600" y="21600"/>
+                  </a:lnTo>
+                  <a:close/>
+                </a:path>
+              </a:pathLst>
+            </a:custGeom>
+            <a:solidFill>
+              <a:srgbClr val="EE5150"/>
+            </a:solidFill>
+            <a:ln w="12700">
+              <a:miter lim="400000"/>
+            </a:ln>
+          </p:spPr>
+          <p:txBody>
+            <a:bodyPr lIns="71437" tIns="71437" rIns="71437" bIns="71437" anchor="ctr"/>
+            <a:lstStyle/>
+            <a:p>
+              <a:pPr>
+                <a:defRPr sz="3000" b="0">
+                  <a:solidFill>
+                    <a:srgbClr val="FFFFFF"/>
+                  </a:solidFill>
+                  <a:latin typeface="+mn-lt"/>
+                  <a:ea typeface="+mn-ea"/>
+                  <a:cs typeface="+mn-cs"/>
+                  <a:sym typeface="Helvetica Neue Medium"/>
+                </a:defRPr>
+              </a:pPr>
+              <a:endParaRPr/>
+            </a:p>
+          </p:txBody>
+        </p:sp>
+        <p:sp>
+          <p:nvSpPr>
+            <p:cNvPr id="162" name="Shape 162"/>
+            <p:cNvSpPr/>
+            <p:nvPr/>
+          </p:nvSpPr>
+          <p:spPr>
+            <a:xfrm>
+              <a:off x="504899" y="1027314"/>
+              <a:ext cx="11321245" cy="3931013"/>
+            </a:xfrm>
+            <a:prstGeom prst="rect">
+              <a:avLst/>
+            </a:prstGeom>
+            <a:ln w="12700">
+              <a:miter lim="400000"/>
+            </a:ln>
+            <a:extLst>
+              <a:ext uri="{C572A759-6A51-4108-AA02-DFA0A04FC94B}">
+                <ma14:wrappingTextBoxFlag xmlns:ma14="http://schemas.microsoft.com/office/mac/drawingml/2011/main" xmlns="" val="1"/>
+              </a:ext>
+            </a:extLst>
+          </p:spPr>
+          <p:txBody>
+            <a:bodyPr lIns="0" tIns="0" rIns="0" bIns="0" anchor="ctr">
+              <a:spAutoFit/>
+            </a:bodyPr>
+            <a:lstStyle/>
+            <a:p>
+              <a:pPr lvl="3" algn="l" defTabSz="642937">
+                <a:lnSpc>
+                  <a:spcPts val="35600"/>
+                </a:lnSpc>
+                <a:defRPr sz="16000" b="0" spc="-319">
+                  <a:solidFill>
+                    <a:srgbClr val="FFFFFF"/>
+                  </a:solidFill>
+                  <a:latin typeface="Montserrat Bold"/>
+                  <a:ea typeface="Montserrat Bold"/>
+                  <a:cs typeface="Montserrat Bold"/>
+                  <a:sym typeface="Montserrat Bold"/>
+                </a:defRPr>
+              </a:pPr>
+              <a:r>
+                <a:rPr lang="en-AU" dirty="0"/>
+                <a:t>Pop-ups</a:t>
+              </a:r>
+              <a:endParaRPr dirty="0"/>
+            </a:p>
+          </p:txBody>
+        </p:sp>
+        <p:sp>
+          <p:nvSpPr>
+            <p:cNvPr id="163" name="Shape 163"/>
+            <p:cNvSpPr/>
+            <p:nvPr/>
+          </p:nvSpPr>
+          <p:spPr>
+            <a:xfrm>
+              <a:off x="9414264" y="9195086"/>
+              <a:ext cx="1038542" cy="1038541"/>
+            </a:xfrm>
+            <a:prstGeom prst="ellipse">
+              <a:avLst/>
+            </a:prstGeom>
+            <a:solidFill>
+              <a:srgbClr val="D6D6D6"/>
+            </a:solidFill>
+            <a:ln w="12700">
+              <a:miter lim="400000"/>
+            </a:ln>
+            <a:extLst>
+              <a:ext uri="{C572A759-6A51-4108-AA02-DFA0A04FC94B}">
+                <ma14:wrappingTextBoxFlag xmlns:ma14="http://schemas.microsoft.com/office/mac/drawingml/2011/main" xmlns="" val="1"/>
+              </a:ext>
+            </a:extLst>
+          </p:spPr>
+          <p:txBody>
+            <a:bodyPr lIns="71437" tIns="71437" rIns="71437" bIns="71437" anchor="ctr"/>
+            <a:lstStyle>
+              <a:lvl1pPr>
+                <a:defRPr sz="4000" b="0">
+                  <a:solidFill>
+                    <a:srgbClr val="FFFFFF"/>
+                  </a:solidFill>
+                  <a:latin typeface="Montserrat Bold"/>
+                  <a:ea typeface="Montserrat Bold"/>
+                  <a:cs typeface="Montserrat Bold"/>
+                  <a:sym typeface="Montserrat Bold"/>
+                </a:defRPr>
+              </a:lvl1pPr>
+            </a:lstStyle>
+            <a:p>
+              <a:r>
+                <a:t>3</a:t>
+              </a:r>
+            </a:p>
+          </p:txBody>
+        </p:sp>
+        <p:sp>
+          <p:nvSpPr>
+            <p:cNvPr id="165" name="Shape 165"/>
+            <p:cNvSpPr/>
+            <p:nvPr/>
+          </p:nvSpPr>
+          <p:spPr>
+            <a:xfrm>
+              <a:off x="13382290" y="9195086"/>
+              <a:ext cx="1038541" cy="1038541"/>
+            </a:xfrm>
+            <a:prstGeom prst="ellipse">
+              <a:avLst/>
+            </a:prstGeom>
+            <a:solidFill>
+              <a:srgbClr val="EF514F"/>
+            </a:solidFill>
+            <a:ln w="12700">
+              <a:miter lim="400000"/>
+            </a:ln>
+            <a:extLst>
+              <a:ext uri="{C572A759-6A51-4108-AA02-DFA0A04FC94B}">
+                <ma14:wrappingTextBoxFlag xmlns:ma14="http://schemas.microsoft.com/office/mac/drawingml/2011/main" xmlns="" val="1"/>
+              </a:ext>
+            </a:extLst>
+          </p:spPr>
+          <p:txBody>
+            <a:bodyPr lIns="71437" tIns="71437" rIns="71437" bIns="71437" anchor="ctr"/>
+            <a:lstStyle>
+              <a:lvl1pPr>
+                <a:defRPr sz="4000" b="0">
+                  <a:solidFill>
+                    <a:srgbClr val="FFFFFF"/>
+                  </a:solidFill>
+                  <a:latin typeface="Montserrat Bold"/>
+                  <a:ea typeface="Montserrat Bold"/>
+                  <a:cs typeface="Montserrat Bold"/>
+                  <a:sym typeface="Montserrat Bold"/>
+                </a:defRPr>
+              </a:lvl1pPr>
+            </a:lstStyle>
+            <a:p>
+              <a:r>
+                <a:t>4</a:t>
+              </a:r>
+            </a:p>
+          </p:txBody>
+        </p:sp>
+      </p:grpSp>
+    </p:spTree>
+    <p:extLst>
+      <p:ext uri="{BB962C8B-B14F-4D97-AF65-F5344CB8AC3E}">
+        <p14:creationId xmlns:p14="http://schemas.microsoft.com/office/powerpoint/2010/main" val="1238496591"/>
+      </p:ext>
+    </p:extLst>
+  </p:cSld>
+  <p:clrMapOvr>
+    <a:masterClrMapping/>
+  </p:clrMapOvr>
+  <p:transition spd="med"/>
+</p:sld>
+</file>
+
+<file path=ppt/slides/slide7.xml><?xml version="1.0" encoding="utf-8"?>
+<p:sld xmlns:a="http://schemas.openxmlformats.org/drawingml/2006/main" xmlns:r="http://schemas.openxmlformats.org/officeDocument/2006/relationships" xmlns:p="http://schemas.openxmlformats.org/presentationml/2006/main">
+  <p:cSld>
+    <p:spTree>
+      <p:nvGrpSpPr>
+        <p:cNvPr id="1" name=""/>
+        <p:cNvGrpSpPr/>
+        <p:nvPr/>
+      </p:nvGrpSpPr>
+      <p:grpSpPr>
+        <a:xfrm>
+          <a:off x="0" y="0"/>
+          <a:ext cx="0" cy="0"/>
+          <a:chOff x="0" y="0"/>
+          <a:chExt cx="0" cy="0"/>
+        </a:xfrm>
+      </p:grpSpPr>
+      <p:sp>
+        <p:nvSpPr>
+          <p:cNvPr id="34" name="Shape 123">
+            <a:extLst>
+              <a:ext uri="{FF2B5EF4-FFF2-40B4-BE49-F238E27FC236}">
+                <a16:creationId xmlns:a16="http://schemas.microsoft.com/office/drawing/2014/main" id="{DEB826C5-8550-3141-AC5B-8AE31F9510CB}"/>
               </a:ext>
             </a:extLst>
           </p:cNvPr>
@@ -9531,15 +10804,213 @@
           </a:p>
         </p:txBody>
       </p:sp>
+      <p:pic>
+        <p:nvPicPr>
+          <p:cNvPr id="3" name="Picture 2">
+            <a:extLst>
+              <a:ext uri="{FF2B5EF4-FFF2-40B4-BE49-F238E27FC236}">
+                <a16:creationId xmlns:a16="http://schemas.microsoft.com/office/drawing/2014/main" id="{39D2EB15-A9D4-9945-AED8-27625DEF542B}"/>
+              </a:ext>
+            </a:extLst>
+          </p:cNvPr>
+          <p:cNvPicPr>
+            <a:picLocks noChangeAspect="1"/>
+          </p:cNvPicPr>
+          <p:nvPr/>
+        </p:nvPicPr>
+        <p:blipFill>
+          <a:blip r:embed="rId2"/>
+          <a:stretch>
+            <a:fillRect/>
+          </a:stretch>
+        </p:blipFill>
+        <p:spPr>
+          <a:xfrm>
+            <a:off x="-32300" y="-39887"/>
+            <a:ext cx="19507092" cy="5943600"/>
+          </a:xfrm>
+          <a:prstGeom prst="rect">
+            <a:avLst/>
+          </a:prstGeom>
+        </p:spPr>
+      </p:pic>
       <p:sp>
         <p:nvSpPr>
-          <p:cNvPr id="260" name="Shape 260"/>
+          <p:cNvPr id="152" name="Shape 152"/>
           <p:cNvSpPr/>
           <p:nvPr/>
         </p:nvSpPr>
         <p:spPr>
           <a:xfrm>
-            <a:off x="12057678" y="10987347"/>
+            <a:off x="540163" y="10442288"/>
+            <a:ext cx="2914642" cy="638176"/>
+          </a:xfrm>
+          <a:prstGeom prst="rect">
+            <a:avLst/>
+          </a:prstGeom>
+          <a:ln w="12700">
+            <a:miter lim="400000"/>
+          </a:ln>
+          <a:extLst>
+            <a:ext uri="{C572A759-6A51-4108-AA02-DFA0A04FC94B}">
+              <ma14:wrappingTextBoxFlag xmlns="" xmlns:ma14="http://schemas.microsoft.com/office/mac/drawingml/2011/main" val="1"/>
+            </a:ext>
+          </a:extLst>
+        </p:spPr>
+        <p:txBody>
+          <a:bodyPr lIns="71437" tIns="71437" rIns="71437" bIns="71437">
+            <a:spAutoFit/>
+          </a:bodyPr>
+          <a:lstStyle>
+            <a:lvl1pPr>
+              <a:defRPr b="0">
+                <a:solidFill>
+                  <a:srgbClr val="FF2830"/>
+                </a:solidFill>
+                <a:latin typeface="Montserrat Medium"/>
+                <a:ea typeface="Montserrat Medium"/>
+                <a:cs typeface="Montserrat Medium"/>
+                <a:sym typeface="Montserrat Medium"/>
+              </a:defRPr>
+            </a:lvl1pPr>
+          </a:lstStyle>
+          <a:p>
+            <a:r>
+              <a:rPr dirty="0"/>
+              <a:t>[</a:t>
+            </a:r>
+            <a:r>
+              <a:rPr lang="en-AU" dirty="0"/>
+              <a:t>10 mins</a:t>
+            </a:r>
+            <a:r>
+              <a:rPr dirty="0"/>
+              <a:t>]</a:t>
+            </a:r>
+          </a:p>
+        </p:txBody>
+      </p:sp>
+      <p:sp>
+        <p:nvSpPr>
+          <p:cNvPr id="153" name="Shape 153"/>
+          <p:cNvSpPr/>
+          <p:nvPr/>
+        </p:nvSpPr>
+        <p:spPr>
+          <a:xfrm>
+            <a:off x="4913184" y="10442288"/>
+            <a:ext cx="2104652" cy="636712"/>
+          </a:xfrm>
+          <a:prstGeom prst="rect">
+            <a:avLst/>
+          </a:prstGeom>
+          <a:ln w="12700">
+            <a:miter lim="400000"/>
+          </a:ln>
+          <a:extLst>
+            <a:ext uri="{C572A759-6A51-4108-AA02-DFA0A04FC94B}">
+              <ma14:wrappingTextBoxFlag xmlns="" xmlns:ma14="http://schemas.microsoft.com/office/mac/drawingml/2011/main" val="1"/>
+            </a:ext>
+          </a:extLst>
+        </p:spPr>
+        <p:txBody>
+          <a:bodyPr lIns="71437" tIns="71437" rIns="71437" bIns="71437">
+            <a:spAutoFit/>
+          </a:bodyPr>
+          <a:lstStyle>
+            <a:lvl1pPr>
+              <a:defRPr b="0">
+                <a:solidFill>
+                  <a:srgbClr val="FF2830"/>
+                </a:solidFill>
+                <a:latin typeface="Montserrat Medium"/>
+                <a:ea typeface="Montserrat Medium"/>
+                <a:cs typeface="Montserrat Medium"/>
+                <a:sym typeface="Montserrat Medium"/>
+              </a:defRPr>
+            </a:lvl1pPr>
+          </a:lstStyle>
+          <a:p>
+            <a:r>
+              <a:rPr dirty="0"/>
+              <a:t>[</a:t>
+            </a:r>
+            <a:r>
+              <a:rPr lang="en-AU" dirty="0"/>
+              <a:t>15 mins</a:t>
+            </a:r>
+            <a:r>
+              <a:rPr dirty="0"/>
+              <a:t>] </a:t>
+            </a:r>
+          </a:p>
+        </p:txBody>
+      </p:sp>
+      <p:sp>
+        <p:nvSpPr>
+          <p:cNvPr id="154" name="Shape 154"/>
+          <p:cNvSpPr/>
+          <p:nvPr/>
+        </p:nvSpPr>
+        <p:spPr>
+          <a:xfrm>
+            <a:off x="20560482" y="10442288"/>
+            <a:ext cx="2554258" cy="638176"/>
+          </a:xfrm>
+          <a:prstGeom prst="rect">
+            <a:avLst/>
+          </a:prstGeom>
+          <a:ln w="12700">
+            <a:miter lim="400000"/>
+          </a:ln>
+          <a:extLst>
+            <a:ext uri="{C572A759-6A51-4108-AA02-DFA0A04FC94B}">
+              <ma14:wrappingTextBoxFlag xmlns="" xmlns:ma14="http://schemas.microsoft.com/office/mac/drawingml/2011/main" val="1"/>
+            </a:ext>
+          </a:extLst>
+        </p:spPr>
+        <p:txBody>
+          <a:bodyPr lIns="71437" tIns="71437" rIns="71437" bIns="71437">
+            <a:spAutoFit/>
+          </a:bodyPr>
+          <a:lstStyle>
+            <a:lvl1pPr>
+              <a:defRPr b="0">
+                <a:solidFill>
+                  <a:srgbClr val="FF2830"/>
+                </a:solidFill>
+                <a:latin typeface="Montserrat Medium"/>
+                <a:ea typeface="Montserrat Medium"/>
+                <a:cs typeface="Montserrat Medium"/>
+                <a:sym typeface="Montserrat Medium"/>
+              </a:defRPr>
+            </a:lvl1pPr>
+          </a:lstStyle>
+          <a:p>
+            <a:r>
+              <a:rPr dirty="0"/>
+              <a:t>[1</a:t>
+            </a:r>
+            <a:r>
+              <a:rPr lang="en-AU" dirty="0"/>
+              <a:t>0</a:t>
+            </a:r>
+            <a:r>
+              <a:rPr dirty="0"/>
+              <a:t> min]</a:t>
+            </a:r>
+          </a:p>
+        </p:txBody>
+      </p:sp>
+      <p:sp>
+        <p:nvSpPr>
+          <p:cNvPr id="155" name="Shape 155"/>
+          <p:cNvSpPr/>
+          <p:nvPr/>
+        </p:nvSpPr>
+        <p:spPr>
+          <a:xfrm>
+            <a:off x="16025702" y="10987347"/>
             <a:ext cx="3687764" cy="2235201"/>
           </a:xfrm>
           <a:custGeom>
@@ -9645,231 +11116,9 @@
           </a:p>
         </p:txBody>
       </p:sp>
-      <p:pic>
-        <p:nvPicPr>
-          <p:cNvPr id="9" name="Picture 8">
-            <a:extLst>
-              <a:ext uri="{FF2B5EF4-FFF2-40B4-BE49-F238E27FC236}">
-                <a16:creationId xmlns:a16="http://schemas.microsoft.com/office/drawing/2014/main" id="{E2E16756-DBDB-8A41-95E6-16135513A352}"/>
-              </a:ext>
-            </a:extLst>
-          </p:cNvPr>
-          <p:cNvPicPr>
-            <a:picLocks noChangeAspect="1"/>
-          </p:cNvPicPr>
-          <p:nvPr/>
-        </p:nvPicPr>
-        <p:blipFill>
-          <a:blip r:embed="rId2"/>
-          <a:stretch>
-            <a:fillRect/>
-          </a:stretch>
-        </p:blipFill>
-        <p:spPr>
-          <a:xfrm>
-            <a:off x="-32300" y="-39887"/>
-            <a:ext cx="19507092" cy="5943600"/>
-          </a:xfrm>
-          <a:prstGeom prst="rect">
-            <a:avLst/>
-          </a:prstGeom>
-        </p:spPr>
-      </p:pic>
       <p:sp>
         <p:nvSpPr>
-          <p:cNvPr id="10" name="Shape 152">
-            <a:extLst>
-              <a:ext uri="{FF2B5EF4-FFF2-40B4-BE49-F238E27FC236}">
-                <a16:creationId xmlns:a16="http://schemas.microsoft.com/office/drawing/2014/main" id="{39B4914B-ABE7-E345-9BA7-8886504BFA06}"/>
-              </a:ext>
-            </a:extLst>
-          </p:cNvPr>
-          <p:cNvSpPr/>
-          <p:nvPr/>
-        </p:nvSpPr>
-        <p:spPr>
-          <a:xfrm>
-            <a:off x="540163" y="10442288"/>
-            <a:ext cx="2914642" cy="638176"/>
-          </a:xfrm>
-          <a:prstGeom prst="rect">
-            <a:avLst/>
-          </a:prstGeom>
-          <a:ln w="12700">
-            <a:miter lim="400000"/>
-          </a:ln>
-          <a:extLst>
-            <a:ext uri="{C572A759-6A51-4108-AA02-DFA0A04FC94B}">
-              <ma14:wrappingTextBoxFlag xmlns="" xmlns:ma14="http://schemas.microsoft.com/office/mac/drawingml/2011/main" val="1"/>
-            </a:ext>
-          </a:extLst>
-        </p:spPr>
-        <p:txBody>
-          <a:bodyPr lIns="71437" tIns="71437" rIns="71437" bIns="71437">
-            <a:spAutoFit/>
-          </a:bodyPr>
-          <a:lstStyle>
-            <a:lvl1pPr>
-              <a:defRPr b="0">
-                <a:solidFill>
-                  <a:srgbClr val="FF2830"/>
-                </a:solidFill>
-                <a:latin typeface="Montserrat Medium"/>
-                <a:ea typeface="Montserrat Medium"/>
-                <a:cs typeface="Montserrat Medium"/>
-                <a:sym typeface="Montserrat Medium"/>
-              </a:defRPr>
-            </a:lvl1pPr>
-          </a:lstStyle>
-          <a:p>
-            <a:r>
-              <a:rPr dirty="0"/>
-              <a:t>[</a:t>
-            </a:r>
-            <a:r>
-              <a:rPr lang="en-AU" dirty="0"/>
-              <a:t>10 mins</a:t>
-            </a:r>
-            <a:r>
-              <a:rPr dirty="0"/>
-              <a:t>]</a:t>
-            </a:r>
-          </a:p>
-        </p:txBody>
-      </p:sp>
-      <p:sp>
-        <p:nvSpPr>
-          <p:cNvPr id="11" name="Shape 153">
-            <a:extLst>
-              <a:ext uri="{FF2B5EF4-FFF2-40B4-BE49-F238E27FC236}">
-                <a16:creationId xmlns:a16="http://schemas.microsoft.com/office/drawing/2014/main" id="{F03456EF-7388-8E48-9D11-C460F7C9CFD6}"/>
-              </a:ext>
-            </a:extLst>
-          </p:cNvPr>
-          <p:cNvSpPr/>
-          <p:nvPr/>
-        </p:nvSpPr>
-        <p:spPr>
-          <a:xfrm>
-            <a:off x="4913184" y="10442288"/>
-            <a:ext cx="2104652" cy="636712"/>
-          </a:xfrm>
-          <a:prstGeom prst="rect">
-            <a:avLst/>
-          </a:prstGeom>
-          <a:ln w="12700">
-            <a:miter lim="400000"/>
-          </a:ln>
-          <a:extLst>
-            <a:ext uri="{C572A759-6A51-4108-AA02-DFA0A04FC94B}">
-              <ma14:wrappingTextBoxFlag xmlns="" xmlns:ma14="http://schemas.microsoft.com/office/mac/drawingml/2011/main" val="1"/>
-            </a:ext>
-          </a:extLst>
-        </p:spPr>
-        <p:txBody>
-          <a:bodyPr lIns="71437" tIns="71437" rIns="71437" bIns="71437">
-            <a:spAutoFit/>
-          </a:bodyPr>
-          <a:lstStyle>
-            <a:lvl1pPr>
-              <a:defRPr b="0">
-                <a:solidFill>
-                  <a:srgbClr val="FF2830"/>
-                </a:solidFill>
-                <a:latin typeface="Montserrat Medium"/>
-                <a:ea typeface="Montserrat Medium"/>
-                <a:cs typeface="Montserrat Medium"/>
-                <a:sym typeface="Montserrat Medium"/>
-              </a:defRPr>
-            </a:lvl1pPr>
-          </a:lstStyle>
-          <a:p>
-            <a:r>
-              <a:rPr dirty="0"/>
-              <a:t>[</a:t>
-            </a:r>
-            <a:r>
-              <a:rPr lang="en-AU" dirty="0"/>
-              <a:t>15 mins</a:t>
-            </a:r>
-            <a:r>
-              <a:rPr dirty="0"/>
-              <a:t>] </a:t>
-            </a:r>
-          </a:p>
-        </p:txBody>
-      </p:sp>
-      <p:sp>
-        <p:nvSpPr>
-          <p:cNvPr id="12" name="Shape 154">
-            <a:extLst>
-              <a:ext uri="{FF2B5EF4-FFF2-40B4-BE49-F238E27FC236}">
-                <a16:creationId xmlns:a16="http://schemas.microsoft.com/office/drawing/2014/main" id="{B5F25460-F70F-4E4F-A767-CE16F10475A4}"/>
-              </a:ext>
-            </a:extLst>
-          </p:cNvPr>
-          <p:cNvSpPr/>
-          <p:nvPr/>
-        </p:nvSpPr>
-        <p:spPr>
-          <a:xfrm>
-            <a:off x="20560482" y="10442288"/>
-            <a:ext cx="2554258" cy="638176"/>
-          </a:xfrm>
-          <a:prstGeom prst="rect">
-            <a:avLst/>
-          </a:prstGeom>
-          <a:ln w="12700">
-            <a:miter lim="400000"/>
-          </a:ln>
-          <a:extLst>
-            <a:ext uri="{C572A759-6A51-4108-AA02-DFA0A04FC94B}">
-              <ma14:wrappingTextBoxFlag xmlns="" xmlns:ma14="http://schemas.microsoft.com/office/mac/drawingml/2011/main" val="1"/>
-            </a:ext>
-          </a:extLst>
-        </p:spPr>
-        <p:txBody>
-          <a:bodyPr lIns="71437" tIns="71437" rIns="71437" bIns="71437">
-            <a:spAutoFit/>
-          </a:bodyPr>
-          <a:lstStyle>
-            <a:lvl1pPr>
-              <a:defRPr b="0">
-                <a:solidFill>
-                  <a:srgbClr val="FF2830"/>
-                </a:solidFill>
-                <a:latin typeface="Montserrat Medium"/>
-                <a:ea typeface="Montserrat Medium"/>
-                <a:cs typeface="Montserrat Medium"/>
-                <a:sym typeface="Montserrat Medium"/>
-              </a:defRPr>
-            </a:lvl1pPr>
-          </a:lstStyle>
-          <a:p>
-            <a:r>
-              <a:rPr dirty="0"/>
-              <a:t>[1</a:t>
-            </a:r>
-            <a:r>
-              <a:rPr lang="en-AU" dirty="0"/>
-              <a:t>0</a:t>
-            </a:r>
-            <a:r>
-              <a:rPr dirty="0"/>
-              <a:t> min]</a:t>
-            </a:r>
-          </a:p>
-        </p:txBody>
-      </p:sp>
-      <p:sp>
-        <p:nvSpPr>
-          <p:cNvPr id="13" name="Shape 156">
-            <a:extLst>
-              <a:ext uri="{FF2B5EF4-FFF2-40B4-BE49-F238E27FC236}">
-                <a16:creationId xmlns:a16="http://schemas.microsoft.com/office/drawing/2014/main" id="{38476BFC-F7A3-4141-996A-9DAD142FF136}"/>
-              </a:ext>
-            </a:extLst>
-          </p:cNvPr>
+          <p:cNvPr id="156" name="Shape 156"/>
           <p:cNvSpPr/>
           <p:nvPr/>
         </p:nvSpPr>
@@ -9925,13 +11174,7 @@
       </p:sp>
       <p:sp>
         <p:nvSpPr>
-          <p:cNvPr id="14" name="Shape 164">
-            <a:extLst>
-              <a:ext uri="{FF2B5EF4-FFF2-40B4-BE49-F238E27FC236}">
-                <a16:creationId xmlns:a16="http://schemas.microsoft.com/office/drawing/2014/main" id="{F4364EA5-B8EA-954C-BA35-64F4A9DC7181}"/>
-              </a:ext>
-            </a:extLst>
-          </p:cNvPr>
+          <p:cNvPr id="164" name="Shape 164"/>
           <p:cNvSpPr/>
           <p:nvPr/>
         </p:nvSpPr>
@@ -9987,13 +11230,7 @@
       </p:sp>
       <p:sp>
         <p:nvSpPr>
-          <p:cNvPr id="15" name="Shape 166">
-            <a:extLst>
-              <a:ext uri="{FF2B5EF4-FFF2-40B4-BE49-F238E27FC236}">
-                <a16:creationId xmlns:a16="http://schemas.microsoft.com/office/drawing/2014/main" id="{1C34F3BC-4F93-D04E-9B42-EDA72BF5518C}"/>
-              </a:ext>
-            </a:extLst>
-          </p:cNvPr>
+          <p:cNvPr id="166" name="Shape 166"/>
           <p:cNvSpPr/>
           <p:nvPr/>
         </p:nvSpPr>
@@ -10041,10 +11278,10 @@
       </p:sp>
       <p:grpSp>
         <p:nvGrpSpPr>
-          <p:cNvPr id="16" name="Group 15">
+          <p:cNvPr id="2" name="Group 1">
             <a:extLst>
               <a:ext uri="{FF2B5EF4-FFF2-40B4-BE49-F238E27FC236}">
-                <a16:creationId xmlns:a16="http://schemas.microsoft.com/office/drawing/2014/main" id="{AAA8A9C7-7D59-3C4F-BC3E-1182A106D71E}"/>
+                <a16:creationId xmlns:a16="http://schemas.microsoft.com/office/drawing/2014/main" id="{662C4E40-F3DE-944C-83FA-894A0483E1A3}"/>
               </a:ext>
             </a:extLst>
           </p:cNvPr>
@@ -10053,21 +11290,15 @@
         </p:nvGrpSpPr>
         <p:grpSpPr>
           <a:xfrm>
-            <a:off x="8240" y="-576935"/>
-            <a:ext cx="24454719" cy="10810562"/>
-            <a:chOff x="8240" y="-576935"/>
-            <a:chExt cx="24454719" cy="10810562"/>
+            <a:off x="-32300" y="-576935"/>
+            <a:ext cx="24495259" cy="10810562"/>
+            <a:chOff x="-32300" y="-576935"/>
+            <a:chExt cx="24495259" cy="10810562"/>
           </a:xfrm>
         </p:grpSpPr>
         <p:sp>
           <p:nvSpPr>
-            <p:cNvPr id="17" name="Shape 139">
-              <a:extLst>
-                <a:ext uri="{FF2B5EF4-FFF2-40B4-BE49-F238E27FC236}">
-                  <a16:creationId xmlns:a16="http://schemas.microsoft.com/office/drawing/2014/main" id="{A61A783C-DFD3-E842-9CE8-2CFD92FA8F1A}"/>
-                </a:ext>
-              </a:extLst>
-            </p:cNvPr>
+            <p:cNvPr id="139" name="Shape 139"/>
             <p:cNvSpPr/>
             <p:nvPr/>
           </p:nvSpPr>
@@ -10138,13 +11369,7 @@
         </p:sp>
         <p:sp>
           <p:nvSpPr>
-            <p:cNvPr id="18" name="Shape 140">
-              <a:extLst>
-                <a:ext uri="{FF2B5EF4-FFF2-40B4-BE49-F238E27FC236}">
-                  <a16:creationId xmlns:a16="http://schemas.microsoft.com/office/drawing/2014/main" id="{CEA3ABB0-8A69-D340-88A4-DBBF912DA2AE}"/>
-                </a:ext>
-              </a:extLst>
-            </p:cNvPr>
+            <p:cNvPr id="140" name="Shape 140"/>
             <p:cNvSpPr/>
             <p:nvPr/>
           </p:nvSpPr>
@@ -10215,13 +11440,7 @@
         </p:sp>
         <p:sp>
           <p:nvSpPr>
-            <p:cNvPr id="19" name="Shape 141">
-              <a:extLst>
-                <a:ext uri="{FF2B5EF4-FFF2-40B4-BE49-F238E27FC236}">
-                  <a16:creationId xmlns:a16="http://schemas.microsoft.com/office/drawing/2014/main" id="{A4C2BD95-ADE1-A94B-B810-D669BD83DEB8}"/>
-                </a:ext>
-              </a:extLst>
-            </p:cNvPr>
+            <p:cNvPr id="141" name="Shape 141"/>
             <p:cNvSpPr/>
             <p:nvPr/>
           </p:nvSpPr>
@@ -10261,13 +11480,7 @@
         </p:sp>
         <p:sp>
           <p:nvSpPr>
-            <p:cNvPr id="20" name="Shape 142">
-              <a:extLst>
-                <a:ext uri="{FF2B5EF4-FFF2-40B4-BE49-F238E27FC236}">
-                  <a16:creationId xmlns:a16="http://schemas.microsoft.com/office/drawing/2014/main" id="{1E26A600-ABFC-1B4D-8D35-3C0CD0CB9329}"/>
-                </a:ext>
-              </a:extLst>
-            </p:cNvPr>
+            <p:cNvPr id="142" name="Shape 142"/>
             <p:cNvSpPr/>
             <p:nvPr/>
           </p:nvSpPr>
@@ -10322,13 +11535,7 @@
         </p:sp>
         <p:sp>
           <p:nvSpPr>
-            <p:cNvPr id="21" name="Shape 143">
-              <a:extLst>
-                <a:ext uri="{FF2B5EF4-FFF2-40B4-BE49-F238E27FC236}">
-                  <a16:creationId xmlns:a16="http://schemas.microsoft.com/office/drawing/2014/main" id="{9A66E387-2C02-FB4B-97DA-C8C866D23005}"/>
-                </a:ext>
-              </a:extLst>
-            </p:cNvPr>
+            <p:cNvPr id="143" name="Shape 143"/>
             <p:cNvSpPr/>
             <p:nvPr/>
           </p:nvSpPr>
@@ -10373,13 +11580,7 @@
         </p:sp>
         <p:sp>
           <p:nvSpPr>
-            <p:cNvPr id="22" name="Shape 144">
-              <a:extLst>
-                <a:ext uri="{FF2B5EF4-FFF2-40B4-BE49-F238E27FC236}">
-                  <a16:creationId xmlns:a16="http://schemas.microsoft.com/office/drawing/2014/main" id="{2E98C541-3827-354C-9350-A1F4F0251B3C}"/>
-                </a:ext>
-              </a:extLst>
-            </p:cNvPr>
+            <p:cNvPr id="144" name="Shape 144"/>
             <p:cNvSpPr/>
             <p:nvPr/>
           </p:nvSpPr>
@@ -10450,13 +11651,7 @@
         </p:sp>
         <p:sp>
           <p:nvSpPr>
-            <p:cNvPr id="23" name="Shape 145">
-              <a:extLst>
-                <a:ext uri="{FF2B5EF4-FFF2-40B4-BE49-F238E27FC236}">
-                  <a16:creationId xmlns:a16="http://schemas.microsoft.com/office/drawing/2014/main" id="{4416248B-9565-D148-80D3-2BEAEB60C922}"/>
-                </a:ext>
-              </a:extLst>
-            </p:cNvPr>
+            <p:cNvPr id="145" name="Shape 145"/>
             <p:cNvSpPr/>
             <p:nvPr/>
           </p:nvSpPr>
@@ -10496,13 +11691,7 @@
         </p:sp>
         <p:sp>
           <p:nvSpPr>
-            <p:cNvPr id="24" name="Shape 146">
-              <a:extLst>
-                <a:ext uri="{FF2B5EF4-FFF2-40B4-BE49-F238E27FC236}">
-                  <a16:creationId xmlns:a16="http://schemas.microsoft.com/office/drawing/2014/main" id="{B3340B37-4403-A44B-9497-A4519DE29001}"/>
-                </a:ext>
-              </a:extLst>
-            </p:cNvPr>
+            <p:cNvPr id="146" name="Shape 146"/>
             <p:cNvSpPr/>
             <p:nvPr/>
           </p:nvSpPr>
@@ -10590,13 +11779,7 @@
         </p:sp>
         <p:sp>
           <p:nvSpPr>
-            <p:cNvPr id="25" name="Shape 147">
-              <a:extLst>
-                <a:ext uri="{FF2B5EF4-FFF2-40B4-BE49-F238E27FC236}">
-                  <a16:creationId xmlns:a16="http://schemas.microsoft.com/office/drawing/2014/main" id="{36E81213-2033-6344-BFD3-D6D05B34D8A8}"/>
-                </a:ext>
-              </a:extLst>
-            </p:cNvPr>
+            <p:cNvPr id="147" name="Shape 147"/>
             <p:cNvSpPr/>
             <p:nvPr/>
           </p:nvSpPr>
@@ -10636,13 +11819,7 @@
         </p:sp>
         <p:sp>
           <p:nvSpPr>
-            <p:cNvPr id="26" name="Shape 148">
-              <a:extLst>
-                <a:ext uri="{FF2B5EF4-FFF2-40B4-BE49-F238E27FC236}">
-                  <a16:creationId xmlns:a16="http://schemas.microsoft.com/office/drawing/2014/main" id="{46EBDC8F-5C42-E447-B9F2-951F01237E90}"/>
-                </a:ext>
-              </a:extLst>
-            </p:cNvPr>
+            <p:cNvPr id="148" name="Shape 148"/>
             <p:cNvSpPr/>
             <p:nvPr/>
           </p:nvSpPr>
@@ -10690,13 +11867,7 @@
         </p:sp>
         <p:sp>
           <p:nvSpPr>
-            <p:cNvPr id="27" name="Shape 149">
-              <a:extLst>
-                <a:ext uri="{FF2B5EF4-FFF2-40B4-BE49-F238E27FC236}">
-                  <a16:creationId xmlns:a16="http://schemas.microsoft.com/office/drawing/2014/main" id="{2337E5EE-A8C8-F044-943C-FDB31778EDD2}"/>
-                </a:ext>
-              </a:extLst>
-            </p:cNvPr>
+            <p:cNvPr id="149" name="Shape 149"/>
             <p:cNvSpPr/>
             <p:nvPr/>
           </p:nvSpPr>
@@ -10744,13 +11915,7 @@
         </p:sp>
         <p:sp>
           <p:nvSpPr>
-            <p:cNvPr id="28" name="Shape 150">
-              <a:extLst>
-                <a:ext uri="{FF2B5EF4-FFF2-40B4-BE49-F238E27FC236}">
-                  <a16:creationId xmlns:a16="http://schemas.microsoft.com/office/drawing/2014/main" id="{C97513AD-C8A7-7940-AD75-A07E7F333EE5}"/>
-                </a:ext>
-              </a:extLst>
-            </p:cNvPr>
+            <p:cNvPr id="150" name="Shape 150"/>
             <p:cNvSpPr/>
             <p:nvPr/>
           </p:nvSpPr>
@@ -10798,13 +11963,7 @@
         </p:sp>
         <p:sp>
           <p:nvSpPr>
-            <p:cNvPr id="29" name="Shape 151">
-              <a:extLst>
-                <a:ext uri="{FF2B5EF4-FFF2-40B4-BE49-F238E27FC236}">
-                  <a16:creationId xmlns:a16="http://schemas.microsoft.com/office/drawing/2014/main" id="{4EF64F22-6F5C-4E4C-AEF1-689F25AB3B1D}"/>
-                </a:ext>
-              </a:extLst>
-            </p:cNvPr>
+            <p:cNvPr id="151" name="Shape 151"/>
             <p:cNvSpPr/>
             <p:nvPr/>
           </p:nvSpPr>
@@ -10817,7 +11976,7 @@
               <a:avLst/>
             </a:prstGeom>
             <a:solidFill>
-              <a:srgbClr val="D6D6D6"/>
+              <a:srgbClr val="EF514F"/>
             </a:solidFill>
             <a:ln w="12700">
               <a:miter lim="400000"/>
@@ -10852,20 +12011,14 @@
         </p:sp>
         <p:sp>
           <p:nvSpPr>
-            <p:cNvPr id="30" name="Shape 160">
-              <a:extLst>
-                <a:ext uri="{FF2B5EF4-FFF2-40B4-BE49-F238E27FC236}">
-                  <a16:creationId xmlns:a16="http://schemas.microsoft.com/office/drawing/2014/main" id="{8282DDB7-9AB3-9244-91D4-233337F2D519}"/>
-                </a:ext>
-              </a:extLst>
-            </p:cNvPr>
+            <p:cNvPr id="160" name="Shape 160"/>
             <p:cNvSpPr/>
             <p:nvPr/>
           </p:nvSpPr>
           <p:spPr>
             <a:xfrm>
-              <a:off x="8240" y="3225128"/>
-              <a:ext cx="12314562" cy="2321716"/>
+              <a:off x="-32300" y="2685870"/>
+              <a:ext cx="12355102" cy="2321716"/>
             </a:xfrm>
             <a:prstGeom prst="rect">
               <a:avLst/>
@@ -10901,19 +12054,13 @@
         </p:sp>
         <p:sp>
           <p:nvSpPr>
-            <p:cNvPr id="31" name="Shape 161">
-              <a:extLst>
-                <a:ext uri="{FF2B5EF4-FFF2-40B4-BE49-F238E27FC236}">
-                  <a16:creationId xmlns:a16="http://schemas.microsoft.com/office/drawing/2014/main" id="{DC805A4C-D30F-DF4A-B389-B95331AA515E}"/>
-                </a:ext>
-              </a:extLst>
-            </p:cNvPr>
+            <p:cNvPr id="161" name="Shape 161"/>
             <p:cNvSpPr/>
             <p:nvPr/>
           </p:nvSpPr>
           <p:spPr>
             <a:xfrm rot="5400000">
-              <a:off x="11791615" y="3750288"/>
+              <a:off x="11791615" y="3211030"/>
               <a:ext cx="2321715" cy="1271395"/>
             </a:xfrm>
             <a:custGeom>
@@ -10978,19 +12125,13 @@
         </p:sp>
         <p:sp>
           <p:nvSpPr>
-            <p:cNvPr id="32" name="Shape 162">
-              <a:extLst>
-                <a:ext uri="{FF2B5EF4-FFF2-40B4-BE49-F238E27FC236}">
-                  <a16:creationId xmlns:a16="http://schemas.microsoft.com/office/drawing/2014/main" id="{9116F492-D1C6-D14C-A721-07CF65FD9FDD}"/>
-                </a:ext>
-              </a:extLst>
-            </p:cNvPr>
+            <p:cNvPr id="162" name="Shape 162"/>
             <p:cNvSpPr/>
             <p:nvPr/>
           </p:nvSpPr>
           <p:spPr>
             <a:xfrm>
-              <a:off x="504899" y="1566572"/>
+              <a:off x="504899" y="1027314"/>
               <a:ext cx="11321245" cy="3931013"/>
             </a:xfrm>
             <a:prstGeom prst="rect">
@@ -11035,13 +12176,7 @@
         </p:sp>
         <p:sp>
           <p:nvSpPr>
-            <p:cNvPr id="33" name="Shape 163">
-              <a:extLst>
-                <a:ext uri="{FF2B5EF4-FFF2-40B4-BE49-F238E27FC236}">
-                  <a16:creationId xmlns:a16="http://schemas.microsoft.com/office/drawing/2014/main" id="{C167AD78-E93F-4346-9540-0AA1046FDBBF}"/>
-                </a:ext>
-              </a:extLst>
-            </p:cNvPr>
+            <p:cNvPr id="163" name="Shape 163"/>
             <p:cNvSpPr/>
             <p:nvPr/>
           </p:nvSpPr>
@@ -11089,13 +12224,7 @@
         </p:sp>
         <p:sp>
           <p:nvSpPr>
-            <p:cNvPr id="34" name="Shape 165">
-              <a:extLst>
-                <a:ext uri="{FF2B5EF4-FFF2-40B4-BE49-F238E27FC236}">
-                  <a16:creationId xmlns:a16="http://schemas.microsoft.com/office/drawing/2014/main" id="{88928FED-CFCE-2741-8F72-ABA00CC5AA2E}"/>
-                </a:ext>
-              </a:extLst>
-            </p:cNvPr>
+            <p:cNvPr id="165" name="Shape 165"/>
             <p:cNvSpPr/>
             <p:nvPr/>
           </p:nvSpPr>
@@ -11108,7 +12237,7 @@
               <a:avLst/>
             </a:prstGeom>
             <a:solidFill>
-              <a:srgbClr val="EF5150"/>
+              <a:srgbClr val="D6D6D6"/>
             </a:solidFill>
             <a:ln w="12700">
               <a:miter lim="400000"/>
@@ -11143,6 +12272,11 @@
         </p:sp>
       </p:grpSp>
     </p:spTree>
+    <p:extLst>
+      <p:ext uri="{BB962C8B-B14F-4D97-AF65-F5344CB8AC3E}">
+        <p14:creationId xmlns:p14="http://schemas.microsoft.com/office/powerpoint/2010/main" val="4057667454"/>
+      </p:ext>
+    </p:extLst>
   </p:cSld>
   <p:clrMapOvr>
     <a:masterClrMapping/>
@@ -11151,7 +12285,7 @@
 </p:sld>
 </file>
 
-<file path=ppt/slides/slide7.xml><?xml version="1.0" encoding="utf-8"?>
+<file path=ppt/slides/slide8.xml><?xml version="1.0" encoding="utf-8"?>
 <p:sld xmlns:a="http://schemas.openxmlformats.org/drawingml/2006/main" xmlns:r="http://schemas.openxmlformats.org/officeDocument/2006/relationships" xmlns:p="http://schemas.openxmlformats.org/presentationml/2006/main">
   <p:cSld>
     <p:spTree>
@@ -11170,10 +12304,10 @@
       </p:grpSpPr>
       <p:sp>
         <p:nvSpPr>
-          <p:cNvPr id="36" name="Shape 123">
+          <p:cNvPr id="34" name="Shape 123">
             <a:extLst>
               <a:ext uri="{FF2B5EF4-FFF2-40B4-BE49-F238E27FC236}">
-                <a16:creationId xmlns:a16="http://schemas.microsoft.com/office/drawing/2014/main" id="{FCBB3E2E-3727-7542-B0A2-3AB2076C2F96}"/>
+                <a16:creationId xmlns:a16="http://schemas.microsoft.com/office/drawing/2014/main" id="{DEB826C5-8550-3141-AC5B-8AE31F9510CB}"/>
               </a:ext>
             </a:extLst>
           </p:cNvPr>
@@ -11193,7 +12327,7 @@
           </a:ln>
           <a:extLst>
             <a:ext uri="{C572A759-6A51-4108-AA02-DFA0A04FC94B}">
-              <ma14:wrappingTextBoxFlag xmlns="" xmlns:ma14="http://schemas.microsoft.com/office/mac/drawingml/2011/main" val="1"/>
+              <ma14:wrappingTextBoxFlag xmlns:ma14="http://schemas.microsoft.com/office/mac/drawingml/2011/main" xmlns="" val="1"/>
             </a:ext>
           </a:extLst>
         </p:spPr>
@@ -11221,15 +12355,213 @@
           </a:p>
         </p:txBody>
       </p:sp>
+      <p:pic>
+        <p:nvPicPr>
+          <p:cNvPr id="3" name="Picture 2">
+            <a:extLst>
+              <a:ext uri="{FF2B5EF4-FFF2-40B4-BE49-F238E27FC236}">
+                <a16:creationId xmlns:a16="http://schemas.microsoft.com/office/drawing/2014/main" id="{39D2EB15-A9D4-9945-AED8-27625DEF542B}"/>
+              </a:ext>
+            </a:extLst>
+          </p:cNvPr>
+          <p:cNvPicPr>
+            <a:picLocks noChangeAspect="1"/>
+          </p:cNvPicPr>
+          <p:nvPr/>
+        </p:nvPicPr>
+        <p:blipFill>
+          <a:blip r:embed="rId2"/>
+          <a:stretch>
+            <a:fillRect/>
+          </a:stretch>
+        </p:blipFill>
+        <p:spPr>
+          <a:xfrm>
+            <a:off x="-32300" y="-39887"/>
+            <a:ext cx="19507092" cy="5943600"/>
+          </a:xfrm>
+          <a:prstGeom prst="rect">
+            <a:avLst/>
+          </a:prstGeom>
+        </p:spPr>
+      </p:pic>
       <p:sp>
         <p:nvSpPr>
-          <p:cNvPr id="291" name="Shape 291"/>
+          <p:cNvPr id="152" name="Shape 152"/>
           <p:cNvSpPr/>
           <p:nvPr/>
         </p:nvSpPr>
         <p:spPr>
           <a:xfrm>
-            <a:off x="16025703" y="10987347"/>
+            <a:off x="540163" y="10442288"/>
+            <a:ext cx="2914642" cy="638176"/>
+          </a:xfrm>
+          <a:prstGeom prst="rect">
+            <a:avLst/>
+          </a:prstGeom>
+          <a:ln w="12700">
+            <a:miter lim="400000"/>
+          </a:ln>
+          <a:extLst>
+            <a:ext uri="{C572A759-6A51-4108-AA02-DFA0A04FC94B}">
+              <ma14:wrappingTextBoxFlag xmlns:ma14="http://schemas.microsoft.com/office/mac/drawingml/2011/main" xmlns="" val="1"/>
+            </a:ext>
+          </a:extLst>
+        </p:spPr>
+        <p:txBody>
+          <a:bodyPr lIns="71437" tIns="71437" rIns="71437" bIns="71437">
+            <a:spAutoFit/>
+          </a:bodyPr>
+          <a:lstStyle>
+            <a:lvl1pPr>
+              <a:defRPr b="0">
+                <a:solidFill>
+                  <a:srgbClr val="FF2830"/>
+                </a:solidFill>
+                <a:latin typeface="Montserrat Medium"/>
+                <a:ea typeface="Montserrat Medium"/>
+                <a:cs typeface="Montserrat Medium"/>
+                <a:sym typeface="Montserrat Medium"/>
+              </a:defRPr>
+            </a:lvl1pPr>
+          </a:lstStyle>
+          <a:p>
+            <a:r>
+              <a:rPr dirty="0"/>
+              <a:t>[</a:t>
+            </a:r>
+            <a:r>
+              <a:rPr lang="en-AU" dirty="0"/>
+              <a:t>10 mins</a:t>
+            </a:r>
+            <a:r>
+              <a:rPr dirty="0"/>
+              <a:t>]</a:t>
+            </a:r>
+          </a:p>
+        </p:txBody>
+      </p:sp>
+      <p:sp>
+        <p:nvSpPr>
+          <p:cNvPr id="153" name="Shape 153"/>
+          <p:cNvSpPr/>
+          <p:nvPr/>
+        </p:nvSpPr>
+        <p:spPr>
+          <a:xfrm>
+            <a:off x="4913184" y="10442288"/>
+            <a:ext cx="2104652" cy="636712"/>
+          </a:xfrm>
+          <a:prstGeom prst="rect">
+            <a:avLst/>
+          </a:prstGeom>
+          <a:ln w="12700">
+            <a:miter lim="400000"/>
+          </a:ln>
+          <a:extLst>
+            <a:ext uri="{C572A759-6A51-4108-AA02-DFA0A04FC94B}">
+              <ma14:wrappingTextBoxFlag xmlns:ma14="http://schemas.microsoft.com/office/mac/drawingml/2011/main" xmlns="" val="1"/>
+            </a:ext>
+          </a:extLst>
+        </p:spPr>
+        <p:txBody>
+          <a:bodyPr lIns="71437" tIns="71437" rIns="71437" bIns="71437">
+            <a:spAutoFit/>
+          </a:bodyPr>
+          <a:lstStyle>
+            <a:lvl1pPr>
+              <a:defRPr b="0">
+                <a:solidFill>
+                  <a:srgbClr val="FF2830"/>
+                </a:solidFill>
+                <a:latin typeface="Montserrat Medium"/>
+                <a:ea typeface="Montserrat Medium"/>
+                <a:cs typeface="Montserrat Medium"/>
+                <a:sym typeface="Montserrat Medium"/>
+              </a:defRPr>
+            </a:lvl1pPr>
+          </a:lstStyle>
+          <a:p>
+            <a:r>
+              <a:rPr dirty="0"/>
+              <a:t>[</a:t>
+            </a:r>
+            <a:r>
+              <a:rPr lang="en-AU" dirty="0"/>
+              <a:t>15 mins</a:t>
+            </a:r>
+            <a:r>
+              <a:rPr dirty="0"/>
+              <a:t>] </a:t>
+            </a:r>
+          </a:p>
+        </p:txBody>
+      </p:sp>
+      <p:sp>
+        <p:nvSpPr>
+          <p:cNvPr id="154" name="Shape 154"/>
+          <p:cNvSpPr/>
+          <p:nvPr/>
+        </p:nvSpPr>
+        <p:spPr>
+          <a:xfrm>
+            <a:off x="20560482" y="10442288"/>
+            <a:ext cx="2554258" cy="638176"/>
+          </a:xfrm>
+          <a:prstGeom prst="rect">
+            <a:avLst/>
+          </a:prstGeom>
+          <a:ln w="12700">
+            <a:miter lim="400000"/>
+          </a:ln>
+          <a:extLst>
+            <a:ext uri="{C572A759-6A51-4108-AA02-DFA0A04FC94B}">
+              <ma14:wrappingTextBoxFlag xmlns:ma14="http://schemas.microsoft.com/office/mac/drawingml/2011/main" xmlns="" val="1"/>
+            </a:ext>
+          </a:extLst>
+        </p:spPr>
+        <p:txBody>
+          <a:bodyPr lIns="71437" tIns="71437" rIns="71437" bIns="71437">
+            <a:spAutoFit/>
+          </a:bodyPr>
+          <a:lstStyle>
+            <a:lvl1pPr>
+              <a:defRPr b="0">
+                <a:solidFill>
+                  <a:srgbClr val="FF2830"/>
+                </a:solidFill>
+                <a:latin typeface="Montserrat Medium"/>
+                <a:ea typeface="Montserrat Medium"/>
+                <a:cs typeface="Montserrat Medium"/>
+                <a:sym typeface="Montserrat Medium"/>
+              </a:defRPr>
+            </a:lvl1pPr>
+          </a:lstStyle>
+          <a:p>
+            <a:r>
+              <a:rPr dirty="0"/>
+              <a:t>[1</a:t>
+            </a:r>
+            <a:r>
+              <a:rPr lang="en-AU" dirty="0"/>
+              <a:t>0</a:t>
+            </a:r>
+            <a:r>
+              <a:rPr dirty="0"/>
+              <a:t> min]</a:t>
+            </a:r>
+          </a:p>
+        </p:txBody>
+      </p:sp>
+      <p:sp>
+        <p:nvSpPr>
+          <p:cNvPr id="155" name="Shape 155"/>
+          <p:cNvSpPr/>
+          <p:nvPr/>
+        </p:nvSpPr>
+        <p:spPr>
+          <a:xfrm>
+            <a:off x="19993728" y="10987347"/>
             <a:ext cx="3687764" cy="2235201"/>
           </a:xfrm>
           <a:custGeom>
@@ -11309,7 +12641,7 @@
           </a:ln>
           <a:extLst>
             <a:ext uri="{C572A759-6A51-4108-AA02-DFA0A04FC94B}">
-              <ma14:wrappingTextBoxFlag xmlns="" xmlns:ma14="http://schemas.microsoft.com/office/mac/drawingml/2011/main" val="1"/>
+              <ma14:wrappingTextBoxFlag xmlns:ma14="http://schemas.microsoft.com/office/mac/drawingml/2011/main" xmlns="" val="1"/>
             </a:ext>
           </a:extLst>
         </p:spPr>
@@ -11335,231 +12667,9 @@
           </a:p>
         </p:txBody>
       </p:sp>
-      <p:pic>
-        <p:nvPicPr>
-          <p:cNvPr id="9" name="Picture 8">
-            <a:extLst>
-              <a:ext uri="{FF2B5EF4-FFF2-40B4-BE49-F238E27FC236}">
-                <a16:creationId xmlns:a16="http://schemas.microsoft.com/office/drawing/2014/main" id="{99F2756E-0872-2047-A61C-2482CD9D3B43}"/>
-              </a:ext>
-            </a:extLst>
-          </p:cNvPr>
-          <p:cNvPicPr>
-            <a:picLocks noChangeAspect="1"/>
-          </p:cNvPicPr>
-          <p:nvPr/>
-        </p:nvPicPr>
-        <p:blipFill>
-          <a:blip r:embed="rId2"/>
-          <a:stretch>
-            <a:fillRect/>
-          </a:stretch>
-        </p:blipFill>
-        <p:spPr>
-          <a:xfrm>
-            <a:off x="-32300" y="-39887"/>
-            <a:ext cx="19507092" cy="5943600"/>
-          </a:xfrm>
-          <a:prstGeom prst="rect">
-            <a:avLst/>
-          </a:prstGeom>
-        </p:spPr>
-      </p:pic>
       <p:sp>
         <p:nvSpPr>
-          <p:cNvPr id="10" name="Shape 152">
-            <a:extLst>
-              <a:ext uri="{FF2B5EF4-FFF2-40B4-BE49-F238E27FC236}">
-                <a16:creationId xmlns:a16="http://schemas.microsoft.com/office/drawing/2014/main" id="{FD4D2480-EE69-CB43-9EB4-8058A7CCAE82}"/>
-              </a:ext>
-            </a:extLst>
-          </p:cNvPr>
-          <p:cNvSpPr/>
-          <p:nvPr/>
-        </p:nvSpPr>
-        <p:spPr>
-          <a:xfrm>
-            <a:off x="540163" y="10442288"/>
-            <a:ext cx="2914642" cy="638176"/>
-          </a:xfrm>
-          <a:prstGeom prst="rect">
-            <a:avLst/>
-          </a:prstGeom>
-          <a:ln w="12700">
-            <a:miter lim="400000"/>
-          </a:ln>
-          <a:extLst>
-            <a:ext uri="{C572A759-6A51-4108-AA02-DFA0A04FC94B}">
-              <ma14:wrappingTextBoxFlag xmlns="" xmlns:ma14="http://schemas.microsoft.com/office/mac/drawingml/2011/main" val="1"/>
-            </a:ext>
-          </a:extLst>
-        </p:spPr>
-        <p:txBody>
-          <a:bodyPr lIns="71437" tIns="71437" rIns="71437" bIns="71437">
-            <a:spAutoFit/>
-          </a:bodyPr>
-          <a:lstStyle>
-            <a:lvl1pPr>
-              <a:defRPr b="0">
-                <a:solidFill>
-                  <a:srgbClr val="FF2830"/>
-                </a:solidFill>
-                <a:latin typeface="Montserrat Medium"/>
-                <a:ea typeface="Montserrat Medium"/>
-                <a:cs typeface="Montserrat Medium"/>
-                <a:sym typeface="Montserrat Medium"/>
-              </a:defRPr>
-            </a:lvl1pPr>
-          </a:lstStyle>
-          <a:p>
-            <a:r>
-              <a:rPr dirty="0"/>
-              <a:t>[</a:t>
-            </a:r>
-            <a:r>
-              <a:rPr lang="en-AU" dirty="0"/>
-              <a:t>10 mins</a:t>
-            </a:r>
-            <a:r>
-              <a:rPr dirty="0"/>
-              <a:t>]</a:t>
-            </a:r>
-          </a:p>
-        </p:txBody>
-      </p:sp>
-      <p:sp>
-        <p:nvSpPr>
-          <p:cNvPr id="11" name="Shape 153">
-            <a:extLst>
-              <a:ext uri="{FF2B5EF4-FFF2-40B4-BE49-F238E27FC236}">
-                <a16:creationId xmlns:a16="http://schemas.microsoft.com/office/drawing/2014/main" id="{DC3E144B-D8B9-934B-98DD-5453B326CC87}"/>
-              </a:ext>
-            </a:extLst>
-          </p:cNvPr>
-          <p:cNvSpPr/>
-          <p:nvPr/>
-        </p:nvSpPr>
-        <p:spPr>
-          <a:xfrm>
-            <a:off x="4913184" y="10442288"/>
-            <a:ext cx="2104652" cy="636712"/>
-          </a:xfrm>
-          <a:prstGeom prst="rect">
-            <a:avLst/>
-          </a:prstGeom>
-          <a:ln w="12700">
-            <a:miter lim="400000"/>
-          </a:ln>
-          <a:extLst>
-            <a:ext uri="{C572A759-6A51-4108-AA02-DFA0A04FC94B}">
-              <ma14:wrappingTextBoxFlag xmlns="" xmlns:ma14="http://schemas.microsoft.com/office/mac/drawingml/2011/main" val="1"/>
-            </a:ext>
-          </a:extLst>
-        </p:spPr>
-        <p:txBody>
-          <a:bodyPr lIns="71437" tIns="71437" rIns="71437" bIns="71437">
-            <a:spAutoFit/>
-          </a:bodyPr>
-          <a:lstStyle>
-            <a:lvl1pPr>
-              <a:defRPr b="0">
-                <a:solidFill>
-                  <a:srgbClr val="FF2830"/>
-                </a:solidFill>
-                <a:latin typeface="Montserrat Medium"/>
-                <a:ea typeface="Montserrat Medium"/>
-                <a:cs typeface="Montserrat Medium"/>
-                <a:sym typeface="Montserrat Medium"/>
-              </a:defRPr>
-            </a:lvl1pPr>
-          </a:lstStyle>
-          <a:p>
-            <a:r>
-              <a:rPr dirty="0"/>
-              <a:t>[</a:t>
-            </a:r>
-            <a:r>
-              <a:rPr lang="en-AU" dirty="0"/>
-              <a:t>15 mins</a:t>
-            </a:r>
-            <a:r>
-              <a:rPr dirty="0"/>
-              <a:t>] </a:t>
-            </a:r>
-          </a:p>
-        </p:txBody>
-      </p:sp>
-      <p:sp>
-        <p:nvSpPr>
-          <p:cNvPr id="12" name="Shape 154">
-            <a:extLst>
-              <a:ext uri="{FF2B5EF4-FFF2-40B4-BE49-F238E27FC236}">
-                <a16:creationId xmlns:a16="http://schemas.microsoft.com/office/drawing/2014/main" id="{969155EF-9686-5C47-9651-46760D1AB248}"/>
-              </a:ext>
-            </a:extLst>
-          </p:cNvPr>
-          <p:cNvSpPr/>
-          <p:nvPr/>
-        </p:nvSpPr>
-        <p:spPr>
-          <a:xfrm>
-            <a:off x="20560482" y="10442288"/>
-            <a:ext cx="2554258" cy="638176"/>
-          </a:xfrm>
-          <a:prstGeom prst="rect">
-            <a:avLst/>
-          </a:prstGeom>
-          <a:ln w="12700">
-            <a:miter lim="400000"/>
-          </a:ln>
-          <a:extLst>
-            <a:ext uri="{C572A759-6A51-4108-AA02-DFA0A04FC94B}">
-              <ma14:wrappingTextBoxFlag xmlns="" xmlns:ma14="http://schemas.microsoft.com/office/mac/drawingml/2011/main" val="1"/>
-            </a:ext>
-          </a:extLst>
-        </p:spPr>
-        <p:txBody>
-          <a:bodyPr lIns="71437" tIns="71437" rIns="71437" bIns="71437">
-            <a:spAutoFit/>
-          </a:bodyPr>
-          <a:lstStyle>
-            <a:lvl1pPr>
-              <a:defRPr b="0">
-                <a:solidFill>
-                  <a:srgbClr val="FF2830"/>
-                </a:solidFill>
-                <a:latin typeface="Montserrat Medium"/>
-                <a:ea typeface="Montserrat Medium"/>
-                <a:cs typeface="Montserrat Medium"/>
-                <a:sym typeface="Montserrat Medium"/>
-              </a:defRPr>
-            </a:lvl1pPr>
-          </a:lstStyle>
-          <a:p>
-            <a:r>
-              <a:rPr dirty="0"/>
-              <a:t>[1</a:t>
-            </a:r>
-            <a:r>
-              <a:rPr lang="en-AU" dirty="0"/>
-              <a:t>0</a:t>
-            </a:r>
-            <a:r>
-              <a:rPr dirty="0"/>
-              <a:t> min]</a:t>
-            </a:r>
-          </a:p>
-        </p:txBody>
-      </p:sp>
-      <p:sp>
-        <p:nvSpPr>
-          <p:cNvPr id="13" name="Shape 156">
-            <a:extLst>
-              <a:ext uri="{FF2B5EF4-FFF2-40B4-BE49-F238E27FC236}">
-                <a16:creationId xmlns:a16="http://schemas.microsoft.com/office/drawing/2014/main" id="{A50D0FDB-45C2-7E46-AEB1-FF6A41F54277}"/>
-              </a:ext>
-            </a:extLst>
-          </p:cNvPr>
+          <p:cNvPr id="156" name="Shape 156"/>
           <p:cNvSpPr/>
           <p:nvPr/>
         </p:nvSpPr>
@@ -11576,7 +12686,7 @@
           </a:ln>
           <a:extLst>
             <a:ext uri="{C572A759-6A51-4108-AA02-DFA0A04FC94B}">
-              <ma14:wrappingTextBoxFlag xmlns="" xmlns:ma14="http://schemas.microsoft.com/office/mac/drawingml/2011/main" val="1"/>
+              <ma14:wrappingTextBoxFlag xmlns:ma14="http://schemas.microsoft.com/office/mac/drawingml/2011/main" xmlns="" val="1"/>
             </a:ext>
           </a:extLst>
         </p:spPr>
@@ -11615,13 +12725,7 @@
       </p:sp>
       <p:sp>
         <p:nvSpPr>
-          <p:cNvPr id="14" name="Shape 164">
-            <a:extLst>
-              <a:ext uri="{FF2B5EF4-FFF2-40B4-BE49-F238E27FC236}">
-                <a16:creationId xmlns:a16="http://schemas.microsoft.com/office/drawing/2014/main" id="{AB6B5BA9-D0AF-4D47-A348-E681D1D0E41B}"/>
-              </a:ext>
-            </a:extLst>
-          </p:cNvPr>
+          <p:cNvPr id="164" name="Shape 164"/>
           <p:cNvSpPr/>
           <p:nvPr/>
         </p:nvSpPr>
@@ -11638,7 +12742,7 @@
           </a:ln>
           <a:extLst>
             <a:ext uri="{C572A759-6A51-4108-AA02-DFA0A04FC94B}">
-              <ma14:wrappingTextBoxFlag xmlns="" xmlns:ma14="http://schemas.microsoft.com/office/mac/drawingml/2011/main" val="1"/>
+              <ma14:wrappingTextBoxFlag xmlns:ma14="http://schemas.microsoft.com/office/mac/drawingml/2011/main" xmlns="" val="1"/>
             </a:ext>
           </a:extLst>
         </p:spPr>
@@ -11677,13 +12781,7 @@
       </p:sp>
       <p:sp>
         <p:nvSpPr>
-          <p:cNvPr id="15" name="Shape 166">
-            <a:extLst>
-              <a:ext uri="{FF2B5EF4-FFF2-40B4-BE49-F238E27FC236}">
-                <a16:creationId xmlns:a16="http://schemas.microsoft.com/office/drawing/2014/main" id="{3269297B-A0B3-914A-A4FD-3EC7E3809150}"/>
-              </a:ext>
-            </a:extLst>
-          </p:cNvPr>
+          <p:cNvPr id="166" name="Shape 166"/>
           <p:cNvSpPr/>
           <p:nvPr/>
         </p:nvSpPr>
@@ -11700,7 +12798,7 @@
           </a:ln>
           <a:extLst>
             <a:ext uri="{C572A759-6A51-4108-AA02-DFA0A04FC94B}">
-              <ma14:wrappingTextBoxFlag xmlns="" xmlns:ma14="http://schemas.microsoft.com/office/mac/drawingml/2011/main" val="1"/>
+              <ma14:wrappingTextBoxFlag xmlns:ma14="http://schemas.microsoft.com/office/mac/drawingml/2011/main" xmlns="" val="1"/>
             </a:ext>
           </a:extLst>
         </p:spPr>
@@ -11731,10 +12829,10 @@
       </p:sp>
       <p:grpSp>
         <p:nvGrpSpPr>
-          <p:cNvPr id="16" name="Group 15">
+          <p:cNvPr id="2" name="Group 1">
             <a:extLst>
               <a:ext uri="{FF2B5EF4-FFF2-40B4-BE49-F238E27FC236}">
-                <a16:creationId xmlns:a16="http://schemas.microsoft.com/office/drawing/2014/main" id="{458A9BCA-956F-2143-B776-12B1730D27C3}"/>
+                <a16:creationId xmlns:a16="http://schemas.microsoft.com/office/drawing/2014/main" id="{662C4E40-F3DE-944C-83FA-894A0483E1A3}"/>
               </a:ext>
             </a:extLst>
           </p:cNvPr>
@@ -11743,21 +12841,15 @@
         </p:nvGrpSpPr>
         <p:grpSpPr>
           <a:xfrm>
-            <a:off x="8240" y="-576935"/>
-            <a:ext cx="24454719" cy="10810562"/>
-            <a:chOff x="8240" y="-576935"/>
-            <a:chExt cx="24454719" cy="10810562"/>
+            <a:off x="-32300" y="-576935"/>
+            <a:ext cx="24495259" cy="10810562"/>
+            <a:chOff x="-32300" y="-576935"/>
+            <a:chExt cx="24495259" cy="10810562"/>
           </a:xfrm>
         </p:grpSpPr>
         <p:sp>
           <p:nvSpPr>
-            <p:cNvPr id="17" name="Shape 139">
-              <a:extLst>
-                <a:ext uri="{FF2B5EF4-FFF2-40B4-BE49-F238E27FC236}">
-                  <a16:creationId xmlns:a16="http://schemas.microsoft.com/office/drawing/2014/main" id="{CB97F4AB-E33D-B943-AEA1-2EF3E59228B8}"/>
-                </a:ext>
-              </a:extLst>
-            </p:cNvPr>
+            <p:cNvPr id="139" name="Shape 139"/>
             <p:cNvSpPr/>
             <p:nvPr/>
           </p:nvSpPr>
@@ -11828,13 +12920,7 @@
         </p:sp>
         <p:sp>
           <p:nvSpPr>
-            <p:cNvPr id="18" name="Shape 140">
-              <a:extLst>
-                <a:ext uri="{FF2B5EF4-FFF2-40B4-BE49-F238E27FC236}">
-                  <a16:creationId xmlns:a16="http://schemas.microsoft.com/office/drawing/2014/main" id="{7021912D-B2EB-2644-B7C7-241C5522C63B}"/>
-                </a:ext>
-              </a:extLst>
-            </p:cNvPr>
+            <p:cNvPr id="140" name="Shape 140"/>
             <p:cNvSpPr/>
             <p:nvPr/>
           </p:nvSpPr>
@@ -11905,13 +12991,7 @@
         </p:sp>
         <p:sp>
           <p:nvSpPr>
-            <p:cNvPr id="19" name="Shape 141">
-              <a:extLst>
-                <a:ext uri="{FF2B5EF4-FFF2-40B4-BE49-F238E27FC236}">
-                  <a16:creationId xmlns:a16="http://schemas.microsoft.com/office/drawing/2014/main" id="{F70BC217-A0FC-054F-987B-2C630EC77ABB}"/>
-                </a:ext>
-              </a:extLst>
-            </p:cNvPr>
+            <p:cNvPr id="141" name="Shape 141"/>
             <p:cNvSpPr/>
             <p:nvPr/>
           </p:nvSpPr>
@@ -11951,13 +13031,7 @@
         </p:sp>
         <p:sp>
           <p:nvSpPr>
-            <p:cNvPr id="20" name="Shape 142">
-              <a:extLst>
-                <a:ext uri="{FF2B5EF4-FFF2-40B4-BE49-F238E27FC236}">
-                  <a16:creationId xmlns:a16="http://schemas.microsoft.com/office/drawing/2014/main" id="{E005520D-A9F2-6D44-B683-ABA8945C2A44}"/>
-                </a:ext>
-              </a:extLst>
-            </p:cNvPr>
+            <p:cNvPr id="142" name="Shape 142"/>
             <p:cNvSpPr/>
             <p:nvPr/>
           </p:nvSpPr>
@@ -11974,7 +13048,7 @@
             </a:ln>
             <a:extLst>
               <a:ext uri="{C572A759-6A51-4108-AA02-DFA0A04FC94B}">
-                <ma14:wrappingTextBoxFlag xmlns="" xmlns:ma14="http://schemas.microsoft.com/office/mac/drawingml/2011/main" val="1"/>
+                <ma14:wrappingTextBoxFlag xmlns:ma14="http://schemas.microsoft.com/office/mac/drawingml/2011/main" xmlns="" val="1"/>
               </a:ext>
             </a:extLst>
           </p:spPr>
@@ -12012,13 +13086,7 @@
         </p:sp>
         <p:sp>
           <p:nvSpPr>
-            <p:cNvPr id="21" name="Shape 143">
-              <a:extLst>
-                <a:ext uri="{FF2B5EF4-FFF2-40B4-BE49-F238E27FC236}">
-                  <a16:creationId xmlns:a16="http://schemas.microsoft.com/office/drawing/2014/main" id="{62381B72-F9B5-A840-8CBE-1A72F607A5DD}"/>
-                </a:ext>
-              </a:extLst>
-            </p:cNvPr>
+            <p:cNvPr id="143" name="Shape 143"/>
             <p:cNvSpPr/>
             <p:nvPr/>
           </p:nvSpPr>
@@ -12035,7 +13103,7 @@
             </a:ln>
             <a:extLst>
               <a:ext uri="{C572A759-6A51-4108-AA02-DFA0A04FC94B}">
-                <ma14:wrappingTextBoxFlag xmlns="" xmlns:ma14="http://schemas.microsoft.com/office/mac/drawingml/2011/main" val="1"/>
+                <ma14:wrappingTextBoxFlag xmlns:ma14="http://schemas.microsoft.com/office/mac/drawingml/2011/main" xmlns="" val="1"/>
               </a:ext>
             </a:extLst>
           </p:spPr>
@@ -12063,13 +13131,7 @@
         </p:sp>
         <p:sp>
           <p:nvSpPr>
-            <p:cNvPr id="22" name="Shape 144">
-              <a:extLst>
-                <a:ext uri="{FF2B5EF4-FFF2-40B4-BE49-F238E27FC236}">
-                  <a16:creationId xmlns:a16="http://schemas.microsoft.com/office/drawing/2014/main" id="{60498E66-EBF7-3A4D-9434-EF231BF58774}"/>
-                </a:ext>
-              </a:extLst>
-            </p:cNvPr>
+            <p:cNvPr id="144" name="Shape 144"/>
             <p:cNvSpPr/>
             <p:nvPr/>
           </p:nvSpPr>
@@ -12140,13 +13202,7 @@
         </p:sp>
         <p:sp>
           <p:nvSpPr>
-            <p:cNvPr id="23" name="Shape 145">
-              <a:extLst>
-                <a:ext uri="{FF2B5EF4-FFF2-40B4-BE49-F238E27FC236}">
-                  <a16:creationId xmlns:a16="http://schemas.microsoft.com/office/drawing/2014/main" id="{8F78AEAD-4305-174D-B150-88F8F019D1A8}"/>
-                </a:ext>
-              </a:extLst>
-            </p:cNvPr>
+            <p:cNvPr id="145" name="Shape 145"/>
             <p:cNvSpPr/>
             <p:nvPr/>
           </p:nvSpPr>
@@ -12186,13 +13242,7 @@
         </p:sp>
         <p:sp>
           <p:nvSpPr>
-            <p:cNvPr id="24" name="Shape 146">
-              <a:extLst>
-                <a:ext uri="{FF2B5EF4-FFF2-40B4-BE49-F238E27FC236}">
-                  <a16:creationId xmlns:a16="http://schemas.microsoft.com/office/drawing/2014/main" id="{DBBF9119-8CE9-5740-9377-AAA5CC58C9B8}"/>
-                </a:ext>
-              </a:extLst>
-            </p:cNvPr>
+            <p:cNvPr id="146" name="Shape 146"/>
             <p:cNvSpPr/>
             <p:nvPr/>
           </p:nvSpPr>
@@ -12209,7 +13259,7 @@
             </a:ln>
             <a:extLst>
               <a:ext uri="{C572A759-6A51-4108-AA02-DFA0A04FC94B}">
-                <ma14:wrappingTextBoxFlag xmlns="" xmlns:ma14="http://schemas.microsoft.com/office/mac/drawingml/2011/main" val="1"/>
+                <ma14:wrappingTextBoxFlag xmlns:ma14="http://schemas.microsoft.com/office/mac/drawingml/2011/main" xmlns="" val="1"/>
               </a:ext>
             </a:extLst>
           </p:spPr>
@@ -12280,13 +13330,7 @@
         </p:sp>
         <p:sp>
           <p:nvSpPr>
-            <p:cNvPr id="25" name="Shape 147">
-              <a:extLst>
-                <a:ext uri="{FF2B5EF4-FFF2-40B4-BE49-F238E27FC236}">
-                  <a16:creationId xmlns:a16="http://schemas.microsoft.com/office/drawing/2014/main" id="{12DF8B56-5C6F-3A4C-9404-F1FEC7A4A800}"/>
-                </a:ext>
-              </a:extLst>
-            </p:cNvPr>
+            <p:cNvPr id="147" name="Shape 147"/>
             <p:cNvSpPr/>
             <p:nvPr/>
           </p:nvSpPr>
@@ -12326,13 +13370,7 @@
         </p:sp>
         <p:sp>
           <p:nvSpPr>
-            <p:cNvPr id="26" name="Shape 148">
-              <a:extLst>
-                <a:ext uri="{FF2B5EF4-FFF2-40B4-BE49-F238E27FC236}">
-                  <a16:creationId xmlns:a16="http://schemas.microsoft.com/office/drawing/2014/main" id="{F5B26B14-C4DA-FC42-9B93-956FC616556A}"/>
-                </a:ext>
-              </a:extLst>
-            </p:cNvPr>
+            <p:cNvPr id="148" name="Shape 148"/>
             <p:cNvSpPr/>
             <p:nvPr/>
           </p:nvSpPr>
@@ -12352,7 +13390,7 @@
             </a:ln>
             <a:extLst>
               <a:ext uri="{C572A759-6A51-4108-AA02-DFA0A04FC94B}">
-                <ma14:wrappingTextBoxFlag xmlns="" xmlns:ma14="http://schemas.microsoft.com/office/mac/drawingml/2011/main" val="1"/>
+                <ma14:wrappingTextBoxFlag xmlns:ma14="http://schemas.microsoft.com/office/mac/drawingml/2011/main" xmlns="" val="1"/>
               </a:ext>
             </a:extLst>
           </p:spPr>
@@ -12380,13 +13418,7 @@
         </p:sp>
         <p:sp>
           <p:nvSpPr>
-            <p:cNvPr id="27" name="Shape 149">
-              <a:extLst>
-                <a:ext uri="{FF2B5EF4-FFF2-40B4-BE49-F238E27FC236}">
-                  <a16:creationId xmlns:a16="http://schemas.microsoft.com/office/drawing/2014/main" id="{710708E1-8C86-9542-81BC-BF0AE2495781}"/>
-                </a:ext>
-              </a:extLst>
-            </p:cNvPr>
+            <p:cNvPr id="149" name="Shape 149"/>
             <p:cNvSpPr/>
             <p:nvPr/>
           </p:nvSpPr>
@@ -12399,14 +13431,14 @@
               <a:avLst/>
             </a:prstGeom>
             <a:solidFill>
-              <a:srgbClr val="D6D6D6"/>
+              <a:srgbClr val="EF514F"/>
             </a:solidFill>
             <a:ln w="12700">
               <a:miter lim="400000"/>
             </a:ln>
             <a:extLst>
               <a:ext uri="{C572A759-6A51-4108-AA02-DFA0A04FC94B}">
-                <ma14:wrappingTextBoxFlag xmlns="" xmlns:ma14="http://schemas.microsoft.com/office/mac/drawingml/2011/main" val="1"/>
+                <ma14:wrappingTextBoxFlag xmlns:ma14="http://schemas.microsoft.com/office/mac/drawingml/2011/main" xmlns="" val="1"/>
               </a:ext>
             </a:extLst>
           </p:spPr>
@@ -12434,13 +13466,7 @@
         </p:sp>
         <p:sp>
           <p:nvSpPr>
-            <p:cNvPr id="28" name="Shape 150">
-              <a:extLst>
-                <a:ext uri="{FF2B5EF4-FFF2-40B4-BE49-F238E27FC236}">
-                  <a16:creationId xmlns:a16="http://schemas.microsoft.com/office/drawing/2014/main" id="{3A7C14E4-173F-D946-AA06-AF384E0852EB}"/>
-                </a:ext>
-              </a:extLst>
-            </p:cNvPr>
+            <p:cNvPr id="150" name="Shape 150"/>
             <p:cNvSpPr/>
             <p:nvPr/>
           </p:nvSpPr>
@@ -12460,7 +13486,7 @@
             </a:ln>
             <a:extLst>
               <a:ext uri="{C572A759-6A51-4108-AA02-DFA0A04FC94B}">
-                <ma14:wrappingTextBoxFlag xmlns="" xmlns:ma14="http://schemas.microsoft.com/office/mac/drawingml/2011/main" val="1"/>
+                <ma14:wrappingTextBoxFlag xmlns:ma14="http://schemas.microsoft.com/office/mac/drawingml/2011/main" xmlns="" val="1"/>
               </a:ext>
             </a:extLst>
           </p:spPr>
@@ -12488,13 +13514,7 @@
         </p:sp>
         <p:sp>
           <p:nvSpPr>
-            <p:cNvPr id="29" name="Shape 151">
-              <a:extLst>
-                <a:ext uri="{FF2B5EF4-FFF2-40B4-BE49-F238E27FC236}">
-                  <a16:creationId xmlns:a16="http://schemas.microsoft.com/office/drawing/2014/main" id="{87A3AAD6-2BE5-DA44-B0B6-EE71A2709149}"/>
-                </a:ext>
-              </a:extLst>
-            </p:cNvPr>
+            <p:cNvPr id="151" name="Shape 151"/>
             <p:cNvSpPr/>
             <p:nvPr/>
           </p:nvSpPr>
@@ -12507,14 +13527,14 @@
               <a:avLst/>
             </a:prstGeom>
             <a:solidFill>
-              <a:srgbClr val="EF5150"/>
+              <a:srgbClr val="D6D6D6"/>
             </a:solidFill>
             <a:ln w="12700">
               <a:miter lim="400000"/>
             </a:ln>
             <a:extLst>
               <a:ext uri="{C572A759-6A51-4108-AA02-DFA0A04FC94B}">
-                <ma14:wrappingTextBoxFlag xmlns="" xmlns:ma14="http://schemas.microsoft.com/office/mac/drawingml/2011/main" val="1"/>
+                <ma14:wrappingTextBoxFlag xmlns:ma14="http://schemas.microsoft.com/office/mac/drawingml/2011/main" xmlns="" val="1"/>
               </a:ext>
             </a:extLst>
           </p:spPr>
@@ -12542,20 +13562,14 @@
         </p:sp>
         <p:sp>
           <p:nvSpPr>
-            <p:cNvPr id="30" name="Shape 160">
-              <a:extLst>
-                <a:ext uri="{FF2B5EF4-FFF2-40B4-BE49-F238E27FC236}">
-                  <a16:creationId xmlns:a16="http://schemas.microsoft.com/office/drawing/2014/main" id="{1801FF3F-0641-784B-BB73-915129C6AB5A}"/>
-                </a:ext>
-              </a:extLst>
-            </p:cNvPr>
+            <p:cNvPr id="160" name="Shape 160"/>
             <p:cNvSpPr/>
             <p:nvPr/>
           </p:nvSpPr>
           <p:spPr>
             <a:xfrm>
-              <a:off x="8240" y="3225128"/>
-              <a:ext cx="12314562" cy="2321716"/>
+              <a:off x="-32300" y="2685870"/>
+              <a:ext cx="12355102" cy="2321716"/>
             </a:xfrm>
             <a:prstGeom prst="rect">
               <a:avLst/>
@@ -12591,19 +13605,13 @@
         </p:sp>
         <p:sp>
           <p:nvSpPr>
-            <p:cNvPr id="31" name="Shape 161">
-              <a:extLst>
-                <a:ext uri="{FF2B5EF4-FFF2-40B4-BE49-F238E27FC236}">
-                  <a16:creationId xmlns:a16="http://schemas.microsoft.com/office/drawing/2014/main" id="{F6B4D887-E64F-194F-A39B-E316C88D40A1}"/>
-                </a:ext>
-              </a:extLst>
-            </p:cNvPr>
+            <p:cNvPr id="161" name="Shape 161"/>
             <p:cNvSpPr/>
             <p:nvPr/>
           </p:nvSpPr>
           <p:spPr>
             <a:xfrm rot="5400000">
-              <a:off x="11791615" y="3750288"/>
+              <a:off x="11791615" y="3211030"/>
               <a:ext cx="2321715" cy="1271395"/>
             </a:xfrm>
             <a:custGeom>
@@ -12668,19 +13676,13 @@
         </p:sp>
         <p:sp>
           <p:nvSpPr>
-            <p:cNvPr id="32" name="Shape 162">
-              <a:extLst>
-                <a:ext uri="{FF2B5EF4-FFF2-40B4-BE49-F238E27FC236}">
-                  <a16:creationId xmlns:a16="http://schemas.microsoft.com/office/drawing/2014/main" id="{D709A215-7C95-1141-AED3-56BC83F555F2}"/>
-                </a:ext>
-              </a:extLst>
-            </p:cNvPr>
+            <p:cNvPr id="162" name="Shape 162"/>
             <p:cNvSpPr/>
             <p:nvPr/>
           </p:nvSpPr>
           <p:spPr>
             <a:xfrm>
-              <a:off x="504899" y="1566572"/>
+              <a:off x="504899" y="1027314"/>
               <a:ext cx="11321245" cy="3931013"/>
             </a:xfrm>
             <a:prstGeom prst="rect">
@@ -12691,7 +13693,7 @@
             </a:ln>
             <a:extLst>
               <a:ext uri="{C572A759-6A51-4108-AA02-DFA0A04FC94B}">
-                <ma14:wrappingTextBoxFlag xmlns="" xmlns:ma14="http://schemas.microsoft.com/office/mac/drawingml/2011/main" val="1"/>
+                <ma14:wrappingTextBoxFlag xmlns:ma14="http://schemas.microsoft.com/office/mac/drawingml/2011/main" xmlns="" val="1"/>
               </a:ext>
             </a:extLst>
           </p:spPr>
@@ -12725,13 +13727,7 @@
         </p:sp>
         <p:sp>
           <p:nvSpPr>
-            <p:cNvPr id="33" name="Shape 163">
-              <a:extLst>
-                <a:ext uri="{FF2B5EF4-FFF2-40B4-BE49-F238E27FC236}">
-                  <a16:creationId xmlns:a16="http://schemas.microsoft.com/office/drawing/2014/main" id="{BF491FF3-D9B8-C148-ACC9-0468F0420B23}"/>
-                </a:ext>
-              </a:extLst>
-            </p:cNvPr>
+            <p:cNvPr id="163" name="Shape 163"/>
             <p:cNvSpPr/>
             <p:nvPr/>
           </p:nvSpPr>
@@ -12751,7 +13747,7 @@
             </a:ln>
             <a:extLst>
               <a:ext uri="{C572A759-6A51-4108-AA02-DFA0A04FC94B}">
-                <ma14:wrappingTextBoxFlag xmlns="" xmlns:ma14="http://schemas.microsoft.com/office/mac/drawingml/2011/main" val="1"/>
+                <ma14:wrappingTextBoxFlag xmlns:ma14="http://schemas.microsoft.com/office/mac/drawingml/2011/main" xmlns="" val="1"/>
               </a:ext>
             </a:extLst>
           </p:spPr>
@@ -12779,13 +13775,7 @@
         </p:sp>
         <p:sp>
           <p:nvSpPr>
-            <p:cNvPr id="34" name="Shape 165">
-              <a:extLst>
-                <a:ext uri="{FF2B5EF4-FFF2-40B4-BE49-F238E27FC236}">
-                  <a16:creationId xmlns:a16="http://schemas.microsoft.com/office/drawing/2014/main" id="{30D90F31-AE43-F747-A2E0-74C9043341D3}"/>
-                </a:ext>
-              </a:extLst>
-            </p:cNvPr>
+            <p:cNvPr id="165" name="Shape 165"/>
             <p:cNvSpPr/>
             <p:nvPr/>
           </p:nvSpPr>
@@ -12805,7 +13795,7 @@
             </a:ln>
             <a:extLst>
               <a:ext uri="{C572A759-6A51-4108-AA02-DFA0A04FC94B}">
-                <ma14:wrappingTextBoxFlag xmlns="" xmlns:ma14="http://schemas.microsoft.com/office/mac/drawingml/2011/main" val="1"/>
+                <ma14:wrappingTextBoxFlag xmlns:ma14="http://schemas.microsoft.com/office/mac/drawingml/2011/main" xmlns="" val="1"/>
               </a:ext>
             </a:extLst>
           </p:spPr>
@@ -12833,1700 +13823,11 @@
         </p:sp>
       </p:grpSp>
     </p:spTree>
-  </p:cSld>
-  <p:clrMapOvr>
-    <a:masterClrMapping/>
-  </p:clrMapOvr>
-  <p:transition spd="med"/>
-</p:sld>
-</file>
-
-<file path=ppt/slides/slide8.xml><?xml version="1.0" encoding="utf-8"?>
-<p:sld xmlns:a="http://schemas.openxmlformats.org/drawingml/2006/main" xmlns:r="http://schemas.openxmlformats.org/officeDocument/2006/relationships" xmlns:p="http://schemas.openxmlformats.org/presentationml/2006/main">
-  <p:cSld>
-    <p:spTree>
-      <p:nvGrpSpPr>
-        <p:cNvPr id="1" name=""/>
-        <p:cNvGrpSpPr/>
-        <p:nvPr/>
-      </p:nvGrpSpPr>
-      <p:grpSpPr>
-        <a:xfrm>
-          <a:off x="0" y="0"/>
-          <a:ext cx="0" cy="0"/>
-          <a:chOff x="0" y="0"/>
-          <a:chExt cx="0" cy="0"/>
-        </a:xfrm>
-      </p:grpSpPr>
-      <p:sp>
-        <p:nvSpPr>
-          <p:cNvPr id="36" name="Shape 123">
-            <a:extLst>
-              <a:ext uri="{FF2B5EF4-FFF2-40B4-BE49-F238E27FC236}">
-                <a16:creationId xmlns:a16="http://schemas.microsoft.com/office/drawing/2014/main" id="{6D06E4C2-7686-8144-B2EA-0C96DAB2E040}"/>
-              </a:ext>
-            </a:extLst>
-          </p:cNvPr>
-          <p:cNvSpPr/>
-          <p:nvPr/>
-        </p:nvSpPr>
-        <p:spPr>
-          <a:xfrm>
-            <a:off x="13273355" y="12755824"/>
-            <a:ext cx="10761784" cy="452046"/>
-          </a:xfrm>
-          <a:prstGeom prst="rect">
-            <a:avLst/>
-          </a:prstGeom>
-          <a:ln w="12700">
-            <a:miter lim="400000"/>
-          </a:ln>
-          <a:extLst>
-            <a:ext uri="{C572A759-6A51-4108-AA02-DFA0A04FC94B}">
-              <ma14:wrappingTextBoxFlag xmlns="" xmlns:ma14="http://schemas.microsoft.com/office/mac/drawingml/2011/main" val="1"/>
-            </a:ext>
-          </a:extLst>
-        </p:spPr>
-        <p:txBody>
-          <a:bodyPr wrap="square" lIns="71437" tIns="71437" rIns="71437" bIns="71437" anchor="ctr">
-            <a:spAutoFit/>
-          </a:bodyPr>
-          <a:lstStyle/>
-          <a:p>
-            <a:pPr algn="r">
-              <a:defRPr sz="2000" b="0">
-                <a:solidFill>
-                  <a:srgbClr val="919191"/>
-                </a:solidFill>
-                <a:latin typeface="Montserrat Medium"/>
-                <a:ea typeface="Montserrat Medium"/>
-                <a:cs typeface="Montserrat Medium"/>
-                <a:sym typeface="Montserrat Medium"/>
-              </a:defRPr>
-            </a:pPr>
-            <a:r>
-              <a:rPr lang="en-AU" dirty="0"/>
-              <a:t>Image Attribution: Li Ozinga, China Studies Centre, The University of Sydney </a:t>
-            </a:r>
-          </a:p>
-        </p:txBody>
-      </p:sp>
-      <p:sp>
-        <p:nvSpPr>
-          <p:cNvPr id="322" name="Shape 322"/>
-          <p:cNvSpPr/>
-          <p:nvPr/>
-        </p:nvSpPr>
-        <p:spPr>
-          <a:xfrm>
-            <a:off x="19993729" y="10987347"/>
-            <a:ext cx="3687764" cy="2235201"/>
-          </a:xfrm>
-          <a:custGeom>
-            <a:avLst/>
-            <a:gdLst/>
-            <a:ahLst/>
-            <a:cxnLst>
-              <a:cxn ang="0">
-                <a:pos x="wd2" y="hd2"/>
-              </a:cxn>
-              <a:cxn ang="5400000">
-                <a:pos x="wd2" y="hd2"/>
-              </a:cxn>
-              <a:cxn ang="10800000">
-                <a:pos x="wd2" y="hd2"/>
-              </a:cxn>
-              <a:cxn ang="16200000">
-                <a:pos x="wd2" y="hd2"/>
-              </a:cxn>
-            </a:cxnLst>
-            <a:rect l="0" t="0" r="r" b="b"/>
-            <a:pathLst>
-              <a:path w="21600" h="21600" extrusionOk="0">
-                <a:moveTo>
-                  <a:pt x="10902" y="0"/>
-                </a:moveTo>
-                <a:lnTo>
-                  <a:pt x="8659" y="4150"/>
-                </a:lnTo>
-                <a:lnTo>
-                  <a:pt x="1492" y="4150"/>
-                </a:lnTo>
-                <a:cubicBezTo>
-                  <a:pt x="668" y="4150"/>
-                  <a:pt x="0" y="5252"/>
-                  <a:pt x="0" y="6612"/>
-                </a:cubicBezTo>
-                <a:lnTo>
-                  <a:pt x="0" y="19138"/>
-                </a:lnTo>
-                <a:cubicBezTo>
-                  <a:pt x="0" y="20498"/>
-                  <a:pt x="668" y="21600"/>
-                  <a:pt x="1492" y="21600"/>
-                </a:cubicBezTo>
-                <a:lnTo>
-                  <a:pt x="20108" y="21600"/>
-                </a:lnTo>
-                <a:cubicBezTo>
-                  <a:pt x="20932" y="21600"/>
-                  <a:pt x="21600" y="20498"/>
-                  <a:pt x="21600" y="19138"/>
-                </a:cubicBezTo>
-                <a:lnTo>
-                  <a:pt x="21600" y="6612"/>
-                </a:lnTo>
-                <a:cubicBezTo>
-                  <a:pt x="21600" y="5252"/>
-                  <a:pt x="20932" y="4150"/>
-                  <a:pt x="20108" y="4150"/>
-                </a:cubicBezTo>
-                <a:lnTo>
-                  <a:pt x="13143" y="4150"/>
-                </a:lnTo>
-                <a:lnTo>
-                  <a:pt x="10902" y="0"/>
-                </a:lnTo>
-                <a:close/>
-              </a:path>
-            </a:pathLst>
-          </a:custGeom>
-          <a:solidFill>
-            <a:srgbClr val="EE5150"/>
-          </a:solidFill>
-          <a:ln w="12700">
-            <a:miter lim="400000"/>
-          </a:ln>
-          <a:extLst>
-            <a:ext uri="{C572A759-6A51-4108-AA02-DFA0A04FC94B}">
-              <ma14:wrappingTextBoxFlag xmlns="" xmlns:ma14="http://schemas.microsoft.com/office/mac/drawingml/2011/main" val="1"/>
-            </a:ext>
-          </a:extLst>
-        </p:spPr>
-        <p:txBody>
-          <a:bodyPr lIns="71437" tIns="71437" rIns="71437" bIns="71437" anchor="ctr"/>
-          <a:lstStyle>
-            <a:lvl1pPr>
-              <a:defRPr sz="3000" b="0">
-                <a:solidFill>
-                  <a:srgbClr val="FFFFFF"/>
-                </a:solidFill>
-                <a:latin typeface="Montserrat Medium"/>
-                <a:ea typeface="Montserrat Medium"/>
-                <a:cs typeface="Montserrat Medium"/>
-                <a:sym typeface="Montserrat Medium"/>
-              </a:defRPr>
-            </a:lvl1pPr>
-          </a:lstStyle>
-          <a:p>
-            <a:r>
-              <a:t>Lorum ipsum dolor sit amet</a:t>
-            </a:r>
-          </a:p>
-        </p:txBody>
-      </p:sp>
-      <p:pic>
-        <p:nvPicPr>
-          <p:cNvPr id="9" name="Picture 8">
-            <a:extLst>
-              <a:ext uri="{FF2B5EF4-FFF2-40B4-BE49-F238E27FC236}">
-                <a16:creationId xmlns:a16="http://schemas.microsoft.com/office/drawing/2014/main" id="{08287E16-8217-F147-915A-22A6F20DC545}"/>
-              </a:ext>
-            </a:extLst>
-          </p:cNvPr>
-          <p:cNvPicPr>
-            <a:picLocks noChangeAspect="1"/>
-          </p:cNvPicPr>
-          <p:nvPr/>
-        </p:nvPicPr>
-        <p:blipFill>
-          <a:blip r:embed="rId2"/>
-          <a:stretch>
-            <a:fillRect/>
-          </a:stretch>
-        </p:blipFill>
-        <p:spPr>
-          <a:xfrm>
-            <a:off x="-32300" y="-39887"/>
-            <a:ext cx="19507092" cy="5943600"/>
-          </a:xfrm>
-          <a:prstGeom prst="rect">
-            <a:avLst/>
-          </a:prstGeom>
-        </p:spPr>
-      </p:pic>
-      <p:sp>
-        <p:nvSpPr>
-          <p:cNvPr id="10" name="Shape 152">
-            <a:extLst>
-              <a:ext uri="{FF2B5EF4-FFF2-40B4-BE49-F238E27FC236}">
-                <a16:creationId xmlns:a16="http://schemas.microsoft.com/office/drawing/2014/main" id="{EF2BC75E-84F4-284B-8966-7D72A3859AD7}"/>
-              </a:ext>
-            </a:extLst>
-          </p:cNvPr>
-          <p:cNvSpPr/>
-          <p:nvPr/>
-        </p:nvSpPr>
-        <p:spPr>
-          <a:xfrm>
-            <a:off x="540163" y="10442288"/>
-            <a:ext cx="2914642" cy="638176"/>
-          </a:xfrm>
-          <a:prstGeom prst="rect">
-            <a:avLst/>
-          </a:prstGeom>
-          <a:ln w="12700">
-            <a:miter lim="400000"/>
-          </a:ln>
-          <a:extLst>
-            <a:ext uri="{C572A759-6A51-4108-AA02-DFA0A04FC94B}">
-              <ma14:wrappingTextBoxFlag xmlns="" xmlns:ma14="http://schemas.microsoft.com/office/mac/drawingml/2011/main" val="1"/>
-            </a:ext>
-          </a:extLst>
-        </p:spPr>
-        <p:txBody>
-          <a:bodyPr lIns="71437" tIns="71437" rIns="71437" bIns="71437">
-            <a:spAutoFit/>
-          </a:bodyPr>
-          <a:lstStyle>
-            <a:lvl1pPr>
-              <a:defRPr b="0">
-                <a:solidFill>
-                  <a:srgbClr val="FF2830"/>
-                </a:solidFill>
-                <a:latin typeface="Montserrat Medium"/>
-                <a:ea typeface="Montserrat Medium"/>
-                <a:cs typeface="Montserrat Medium"/>
-                <a:sym typeface="Montserrat Medium"/>
-              </a:defRPr>
-            </a:lvl1pPr>
-          </a:lstStyle>
-          <a:p>
-            <a:r>
-              <a:rPr dirty="0"/>
-              <a:t>[</a:t>
-            </a:r>
-            <a:r>
-              <a:rPr lang="en-AU" dirty="0"/>
-              <a:t>10 mins</a:t>
-            </a:r>
-            <a:r>
-              <a:rPr dirty="0"/>
-              <a:t>]</a:t>
-            </a:r>
-          </a:p>
-        </p:txBody>
-      </p:sp>
-      <p:sp>
-        <p:nvSpPr>
-          <p:cNvPr id="11" name="Shape 153">
-            <a:extLst>
-              <a:ext uri="{FF2B5EF4-FFF2-40B4-BE49-F238E27FC236}">
-                <a16:creationId xmlns:a16="http://schemas.microsoft.com/office/drawing/2014/main" id="{EB5710F6-791A-034E-B3D4-D84B65D825FA}"/>
-              </a:ext>
-            </a:extLst>
-          </p:cNvPr>
-          <p:cNvSpPr/>
-          <p:nvPr/>
-        </p:nvSpPr>
-        <p:spPr>
-          <a:xfrm>
-            <a:off x="4913184" y="10442288"/>
-            <a:ext cx="2104652" cy="636712"/>
-          </a:xfrm>
-          <a:prstGeom prst="rect">
-            <a:avLst/>
-          </a:prstGeom>
-          <a:ln w="12700">
-            <a:miter lim="400000"/>
-          </a:ln>
-          <a:extLst>
-            <a:ext uri="{C572A759-6A51-4108-AA02-DFA0A04FC94B}">
-              <ma14:wrappingTextBoxFlag xmlns="" xmlns:ma14="http://schemas.microsoft.com/office/mac/drawingml/2011/main" val="1"/>
-            </a:ext>
-          </a:extLst>
-        </p:spPr>
-        <p:txBody>
-          <a:bodyPr lIns="71437" tIns="71437" rIns="71437" bIns="71437">
-            <a:spAutoFit/>
-          </a:bodyPr>
-          <a:lstStyle>
-            <a:lvl1pPr>
-              <a:defRPr b="0">
-                <a:solidFill>
-                  <a:srgbClr val="FF2830"/>
-                </a:solidFill>
-                <a:latin typeface="Montserrat Medium"/>
-                <a:ea typeface="Montserrat Medium"/>
-                <a:cs typeface="Montserrat Medium"/>
-                <a:sym typeface="Montserrat Medium"/>
-              </a:defRPr>
-            </a:lvl1pPr>
-          </a:lstStyle>
-          <a:p>
-            <a:r>
-              <a:rPr dirty="0"/>
-              <a:t>[</a:t>
-            </a:r>
-            <a:r>
-              <a:rPr lang="en-AU" dirty="0"/>
-              <a:t>15 mins</a:t>
-            </a:r>
-            <a:r>
-              <a:rPr dirty="0"/>
-              <a:t>] </a:t>
-            </a:r>
-          </a:p>
-        </p:txBody>
-      </p:sp>
-      <p:sp>
-        <p:nvSpPr>
-          <p:cNvPr id="12" name="Shape 154">
-            <a:extLst>
-              <a:ext uri="{FF2B5EF4-FFF2-40B4-BE49-F238E27FC236}">
-                <a16:creationId xmlns:a16="http://schemas.microsoft.com/office/drawing/2014/main" id="{D055C129-DAB0-4644-9633-0E6D111AC6CE}"/>
-              </a:ext>
-            </a:extLst>
-          </p:cNvPr>
-          <p:cNvSpPr/>
-          <p:nvPr/>
-        </p:nvSpPr>
-        <p:spPr>
-          <a:xfrm>
-            <a:off x="20560482" y="10442288"/>
-            <a:ext cx="2554258" cy="638176"/>
-          </a:xfrm>
-          <a:prstGeom prst="rect">
-            <a:avLst/>
-          </a:prstGeom>
-          <a:ln w="12700">
-            <a:miter lim="400000"/>
-          </a:ln>
-          <a:extLst>
-            <a:ext uri="{C572A759-6A51-4108-AA02-DFA0A04FC94B}">
-              <ma14:wrappingTextBoxFlag xmlns="" xmlns:ma14="http://schemas.microsoft.com/office/mac/drawingml/2011/main" val="1"/>
-            </a:ext>
-          </a:extLst>
-        </p:spPr>
-        <p:txBody>
-          <a:bodyPr lIns="71437" tIns="71437" rIns="71437" bIns="71437">
-            <a:spAutoFit/>
-          </a:bodyPr>
-          <a:lstStyle>
-            <a:lvl1pPr>
-              <a:defRPr b="0">
-                <a:solidFill>
-                  <a:srgbClr val="FF2830"/>
-                </a:solidFill>
-                <a:latin typeface="Montserrat Medium"/>
-                <a:ea typeface="Montserrat Medium"/>
-                <a:cs typeface="Montserrat Medium"/>
-                <a:sym typeface="Montserrat Medium"/>
-              </a:defRPr>
-            </a:lvl1pPr>
-          </a:lstStyle>
-          <a:p>
-            <a:r>
-              <a:rPr dirty="0"/>
-              <a:t>[1</a:t>
-            </a:r>
-            <a:r>
-              <a:rPr lang="en-AU" dirty="0"/>
-              <a:t>0</a:t>
-            </a:r>
-            <a:r>
-              <a:rPr dirty="0"/>
-              <a:t> min]</a:t>
-            </a:r>
-          </a:p>
-        </p:txBody>
-      </p:sp>
-      <p:sp>
-        <p:nvSpPr>
-          <p:cNvPr id="13" name="Shape 156">
-            <a:extLst>
-              <a:ext uri="{FF2B5EF4-FFF2-40B4-BE49-F238E27FC236}">
-                <a16:creationId xmlns:a16="http://schemas.microsoft.com/office/drawing/2014/main" id="{848731FF-274F-BA45-8FA3-E4B7A2C38E5E}"/>
-              </a:ext>
-            </a:extLst>
-          </p:cNvPr>
-          <p:cNvSpPr/>
-          <p:nvPr/>
-        </p:nvSpPr>
-        <p:spPr>
-          <a:xfrm>
-            <a:off x="16533544" y="10442288"/>
-            <a:ext cx="2672083" cy="638176"/>
-          </a:xfrm>
-          <a:prstGeom prst="rect">
-            <a:avLst/>
-          </a:prstGeom>
-          <a:ln w="12700">
-            <a:miter lim="400000"/>
-          </a:ln>
-          <a:extLst>
-            <a:ext uri="{C572A759-6A51-4108-AA02-DFA0A04FC94B}">
-              <ma14:wrappingTextBoxFlag xmlns="" xmlns:ma14="http://schemas.microsoft.com/office/mac/drawingml/2011/main" val="1"/>
-            </a:ext>
-          </a:extLst>
-        </p:spPr>
-        <p:txBody>
-          <a:bodyPr lIns="71437" tIns="71437" rIns="71437" bIns="71437">
-            <a:spAutoFit/>
-          </a:bodyPr>
-          <a:lstStyle>
-            <a:lvl1pPr>
-              <a:defRPr b="0">
-                <a:solidFill>
-                  <a:srgbClr val="FF2830"/>
-                </a:solidFill>
-                <a:latin typeface="Montserrat Medium"/>
-                <a:ea typeface="Montserrat Medium"/>
-                <a:cs typeface="Montserrat Medium"/>
-                <a:sym typeface="Montserrat Medium"/>
-              </a:defRPr>
-            </a:lvl1pPr>
-          </a:lstStyle>
-          <a:p>
-            <a:r>
-              <a:rPr dirty="0"/>
-              <a:t>[</a:t>
-            </a:r>
-            <a:r>
-              <a:rPr lang="en-AU" dirty="0"/>
-              <a:t>30</a:t>
-            </a:r>
-            <a:r>
-              <a:rPr dirty="0"/>
-              <a:t> min]</a:t>
-            </a:r>
-          </a:p>
-        </p:txBody>
-      </p:sp>
-      <p:sp>
-        <p:nvSpPr>
-          <p:cNvPr id="14" name="Shape 164">
-            <a:extLst>
-              <a:ext uri="{FF2B5EF4-FFF2-40B4-BE49-F238E27FC236}">
-                <a16:creationId xmlns:a16="http://schemas.microsoft.com/office/drawing/2014/main" id="{88CA7EA9-E338-5943-A920-38DA36C297C7}"/>
-              </a:ext>
-            </a:extLst>
-          </p:cNvPr>
-          <p:cNvSpPr/>
-          <p:nvPr/>
-        </p:nvSpPr>
-        <p:spPr>
-          <a:xfrm>
-            <a:off x="8881209" y="10442288"/>
-            <a:ext cx="2104652" cy="638176"/>
-          </a:xfrm>
-          <a:prstGeom prst="rect">
-            <a:avLst/>
-          </a:prstGeom>
-          <a:ln w="12700">
-            <a:miter lim="400000"/>
-          </a:ln>
-          <a:extLst>
-            <a:ext uri="{C572A759-6A51-4108-AA02-DFA0A04FC94B}">
-              <ma14:wrappingTextBoxFlag xmlns="" xmlns:ma14="http://schemas.microsoft.com/office/mac/drawingml/2011/main" val="1"/>
-            </a:ext>
-          </a:extLst>
-        </p:spPr>
-        <p:txBody>
-          <a:bodyPr lIns="71437" tIns="71437" rIns="71437" bIns="71437">
-            <a:spAutoFit/>
-          </a:bodyPr>
-          <a:lstStyle>
-            <a:lvl1pPr>
-              <a:defRPr b="0">
-                <a:solidFill>
-                  <a:srgbClr val="FF2830"/>
-                </a:solidFill>
-                <a:latin typeface="Montserrat Medium"/>
-                <a:ea typeface="Montserrat Medium"/>
-                <a:cs typeface="Montserrat Medium"/>
-                <a:sym typeface="Montserrat Medium"/>
-              </a:defRPr>
-            </a:lvl1pPr>
-          </a:lstStyle>
-          <a:p>
-            <a:r>
-              <a:rPr dirty="0"/>
-              <a:t>[15 min</a:t>
-            </a:r>
-            <a:r>
-              <a:rPr lang="en-AU" dirty="0"/>
-              <a:t>s</a:t>
-            </a:r>
-            <a:r>
-              <a:rPr dirty="0"/>
-              <a:t>]</a:t>
-            </a:r>
-          </a:p>
-        </p:txBody>
-      </p:sp>
-      <p:sp>
-        <p:nvSpPr>
-          <p:cNvPr id="15" name="Shape 166">
-            <a:extLst>
-              <a:ext uri="{FF2B5EF4-FFF2-40B4-BE49-F238E27FC236}">
-                <a16:creationId xmlns:a16="http://schemas.microsoft.com/office/drawing/2014/main" id="{6F0E0C18-85FC-F44F-AF6C-FBFF16E991B1}"/>
-              </a:ext>
-            </a:extLst>
-          </p:cNvPr>
-          <p:cNvSpPr/>
-          <p:nvPr/>
-        </p:nvSpPr>
-        <p:spPr>
-          <a:xfrm>
-            <a:off x="12849235" y="10442288"/>
-            <a:ext cx="2104652" cy="638176"/>
-          </a:xfrm>
-          <a:prstGeom prst="rect">
-            <a:avLst/>
-          </a:prstGeom>
-          <a:ln w="12700">
-            <a:miter lim="400000"/>
-          </a:ln>
-          <a:extLst>
-            <a:ext uri="{C572A759-6A51-4108-AA02-DFA0A04FC94B}">
-              <ma14:wrappingTextBoxFlag xmlns="" xmlns:ma14="http://schemas.microsoft.com/office/mac/drawingml/2011/main" val="1"/>
-            </a:ext>
-          </a:extLst>
-        </p:spPr>
-        <p:txBody>
-          <a:bodyPr lIns="71437" tIns="71437" rIns="71437" bIns="71437">
-            <a:spAutoFit/>
-          </a:bodyPr>
-          <a:lstStyle>
-            <a:lvl1pPr>
-              <a:defRPr b="0">
-                <a:solidFill>
-                  <a:srgbClr val="FF2830"/>
-                </a:solidFill>
-                <a:latin typeface="Montserrat Medium"/>
-                <a:ea typeface="Montserrat Medium"/>
-                <a:cs typeface="Montserrat Medium"/>
-                <a:sym typeface="Montserrat Medium"/>
-              </a:defRPr>
-            </a:lvl1pPr>
-          </a:lstStyle>
-          <a:p>
-            <a:r>
-              <a:rPr lang="en-AU" dirty="0"/>
-              <a:t>[flexible</a:t>
-            </a:r>
-            <a:r>
-              <a:rPr dirty="0"/>
-              <a:t>] </a:t>
-            </a:r>
-          </a:p>
-        </p:txBody>
-      </p:sp>
-      <p:grpSp>
-        <p:nvGrpSpPr>
-          <p:cNvPr id="16" name="Group 15">
-            <a:extLst>
-              <a:ext uri="{FF2B5EF4-FFF2-40B4-BE49-F238E27FC236}">
-                <a16:creationId xmlns:a16="http://schemas.microsoft.com/office/drawing/2014/main" id="{0B294679-2BAF-4747-BE7D-FA7F5677D2B9}"/>
-              </a:ext>
-            </a:extLst>
-          </p:cNvPr>
-          <p:cNvGrpSpPr/>
-          <p:nvPr/>
-        </p:nvGrpSpPr>
-        <p:grpSpPr>
-          <a:xfrm>
-            <a:off x="8240" y="-576935"/>
-            <a:ext cx="24454719" cy="10810562"/>
-            <a:chOff x="8240" y="-576935"/>
-            <a:chExt cx="24454719" cy="10810562"/>
-          </a:xfrm>
-        </p:grpSpPr>
-        <p:sp>
-          <p:nvSpPr>
-            <p:cNvPr id="17" name="Shape 139">
-              <a:extLst>
-                <a:ext uri="{FF2B5EF4-FFF2-40B4-BE49-F238E27FC236}">
-                  <a16:creationId xmlns:a16="http://schemas.microsoft.com/office/drawing/2014/main" id="{E7811BF0-4C57-C84D-A94C-EA79BCC1801E}"/>
-                </a:ext>
-              </a:extLst>
-            </p:cNvPr>
-            <p:cNvSpPr/>
-            <p:nvPr/>
-          </p:nvSpPr>
-          <p:spPr>
-            <a:xfrm rot="16200000">
-              <a:off x="14734463" y="1317089"/>
-              <a:ext cx="6120259" cy="3360399"/>
-            </a:xfrm>
-            <a:custGeom>
-              <a:avLst/>
-              <a:gdLst/>
-              <a:ahLst/>
-              <a:cxnLst>
-                <a:cxn ang="0">
-                  <a:pos x="wd2" y="hd2"/>
-                </a:cxn>
-                <a:cxn ang="5400000">
-                  <a:pos x="wd2" y="hd2"/>
-                </a:cxn>
-                <a:cxn ang="10800000">
-                  <a:pos x="wd2" y="hd2"/>
-                </a:cxn>
-                <a:cxn ang="16200000">
-                  <a:pos x="wd2" y="hd2"/>
-                </a:cxn>
-              </a:cxnLst>
-              <a:rect l="0" t="0" r="r" b="b"/>
-              <a:pathLst>
-                <a:path w="21600" h="21600" extrusionOk="0">
-                  <a:moveTo>
-                    <a:pt x="0" y="0"/>
-                  </a:moveTo>
-                  <a:lnTo>
-                    <a:pt x="0" y="21600"/>
-                  </a:lnTo>
-                  <a:lnTo>
-                    <a:pt x="21600" y="21600"/>
-                  </a:lnTo>
-                  <a:close/>
-                </a:path>
-              </a:pathLst>
-            </a:custGeom>
-            <a:solidFill>
-              <a:srgbClr val="FFFFFF"/>
-            </a:solidFill>
-            <a:ln w="12700">
-              <a:miter lim="400000"/>
-            </a:ln>
-          </p:spPr>
-          <p:txBody>
-            <a:bodyPr lIns="71437" tIns="71437" rIns="71437" bIns="71437" anchor="ctr"/>
-            <a:lstStyle/>
-            <a:p>
-              <a:pPr>
-                <a:defRPr sz="3000" b="0">
-                  <a:solidFill>
-                    <a:srgbClr val="FFFFFF"/>
-                  </a:solidFill>
-                  <a:latin typeface="+mn-lt"/>
-                  <a:ea typeface="+mn-ea"/>
-                  <a:cs typeface="+mn-cs"/>
-                  <a:sym typeface="Helvetica Neue Medium"/>
-                </a:defRPr>
-              </a:pPr>
-              <a:endParaRPr/>
-            </a:p>
-          </p:txBody>
-        </p:sp>
-        <p:sp>
-          <p:nvSpPr>
-            <p:cNvPr id="18" name="Shape 140">
-              <a:extLst>
-                <a:ext uri="{FF2B5EF4-FFF2-40B4-BE49-F238E27FC236}">
-                  <a16:creationId xmlns:a16="http://schemas.microsoft.com/office/drawing/2014/main" id="{6BA7C6BD-BA4A-5D47-8D56-E2175DE72F12}"/>
-                </a:ext>
-              </a:extLst>
-            </p:cNvPr>
-            <p:cNvSpPr/>
-            <p:nvPr/>
-          </p:nvSpPr>
-          <p:spPr>
-            <a:xfrm rot="16200000">
-              <a:off x="17562253" y="615600"/>
-              <a:ext cx="3063687" cy="1682153"/>
-            </a:xfrm>
-            <a:custGeom>
-              <a:avLst/>
-              <a:gdLst/>
-              <a:ahLst/>
-              <a:cxnLst>
-                <a:cxn ang="0">
-                  <a:pos x="wd2" y="hd2"/>
-                </a:cxn>
-                <a:cxn ang="5400000">
-                  <a:pos x="wd2" y="hd2"/>
-                </a:cxn>
-                <a:cxn ang="10800000">
-                  <a:pos x="wd2" y="hd2"/>
-                </a:cxn>
-                <a:cxn ang="16200000">
-                  <a:pos x="wd2" y="hd2"/>
-                </a:cxn>
-              </a:cxnLst>
-              <a:rect l="0" t="0" r="r" b="b"/>
-              <a:pathLst>
-                <a:path w="21600" h="21600" extrusionOk="0">
-                  <a:moveTo>
-                    <a:pt x="0" y="0"/>
-                  </a:moveTo>
-                  <a:lnTo>
-                    <a:pt x="0" y="21600"/>
-                  </a:lnTo>
-                  <a:lnTo>
-                    <a:pt x="21600" y="21600"/>
-                  </a:lnTo>
-                  <a:close/>
-                </a:path>
-              </a:pathLst>
-            </a:custGeom>
-            <a:solidFill>
-              <a:srgbClr val="EE5150"/>
-            </a:solidFill>
-            <a:ln w="12700">
-              <a:miter lim="400000"/>
-            </a:ln>
-          </p:spPr>
-          <p:txBody>
-            <a:bodyPr lIns="71437" tIns="71437" rIns="71437" bIns="71437" anchor="ctr"/>
-            <a:lstStyle/>
-            <a:p>
-              <a:pPr>
-                <a:defRPr sz="3000" b="0">
-                  <a:solidFill>
-                    <a:srgbClr val="FFFFFF"/>
-                  </a:solidFill>
-                  <a:latin typeface="+mn-lt"/>
-                  <a:ea typeface="+mn-ea"/>
-                  <a:cs typeface="+mn-cs"/>
-                  <a:sym typeface="Helvetica Neue Medium"/>
-                </a:defRPr>
-              </a:pPr>
-              <a:endParaRPr/>
-            </a:p>
-          </p:txBody>
-        </p:sp>
-        <p:sp>
-          <p:nvSpPr>
-            <p:cNvPr id="19" name="Shape 141">
-              <a:extLst>
-                <a:ext uri="{FF2B5EF4-FFF2-40B4-BE49-F238E27FC236}">
-                  <a16:creationId xmlns:a16="http://schemas.microsoft.com/office/drawing/2014/main" id="{30F85E34-7D05-2D48-B6E5-3BE35B397DA2}"/>
-                </a:ext>
-              </a:extLst>
-            </p:cNvPr>
-            <p:cNvSpPr/>
-            <p:nvPr/>
-          </p:nvSpPr>
-          <p:spPr>
-            <a:xfrm>
-              <a:off x="19899076" y="-60452"/>
-              <a:ext cx="4496226" cy="3047293"/>
-            </a:xfrm>
-            <a:prstGeom prst="rect">
-              <a:avLst/>
-            </a:prstGeom>
-            <a:solidFill>
-              <a:srgbClr val="EE5150"/>
-            </a:solidFill>
-            <a:ln w="12700">
-              <a:miter lim="400000"/>
-            </a:ln>
-          </p:spPr>
-          <p:txBody>
-            <a:bodyPr lIns="71437" tIns="71437" rIns="71437" bIns="71437" anchor="ctr"/>
-            <a:lstStyle/>
-            <a:p>
-              <a:pPr>
-                <a:defRPr sz="3000" b="0">
-                  <a:solidFill>
-                    <a:srgbClr val="FFFFFF"/>
-                  </a:solidFill>
-                  <a:latin typeface="+mn-lt"/>
-                  <a:ea typeface="+mn-ea"/>
-                  <a:cs typeface="+mn-cs"/>
-                  <a:sym typeface="Helvetica Neue Medium"/>
-                </a:defRPr>
-              </a:pPr>
-              <a:endParaRPr/>
-            </a:p>
-          </p:txBody>
-        </p:sp>
-        <p:sp>
-          <p:nvSpPr>
-            <p:cNvPr id="20" name="Shape 142">
-              <a:extLst>
-                <a:ext uri="{FF2B5EF4-FFF2-40B4-BE49-F238E27FC236}">
-                  <a16:creationId xmlns:a16="http://schemas.microsoft.com/office/drawing/2014/main" id="{907FA807-B619-7747-8DC2-BB1031F579BE}"/>
-                </a:ext>
-              </a:extLst>
-            </p:cNvPr>
-            <p:cNvSpPr/>
-            <p:nvPr/>
-          </p:nvSpPr>
-          <p:spPr>
-            <a:xfrm>
-              <a:off x="19212262" y="-576935"/>
-              <a:ext cx="5250697" cy="2607060"/>
-            </a:xfrm>
-            <a:prstGeom prst="rect">
-              <a:avLst/>
-            </a:prstGeom>
-            <a:ln w="12700">
-              <a:miter lim="400000"/>
-            </a:ln>
-            <a:extLst>
-              <a:ext uri="{C572A759-6A51-4108-AA02-DFA0A04FC94B}">
-                <ma14:wrappingTextBoxFlag xmlns="" xmlns:ma14="http://schemas.microsoft.com/office/mac/drawingml/2011/main" val="1"/>
-              </a:ext>
-            </a:extLst>
-          </p:spPr>
-          <p:txBody>
-            <a:bodyPr lIns="0" tIns="0" rIns="0" bIns="0" anchor="ctr">
-              <a:spAutoFit/>
-            </a:bodyPr>
-            <a:lstStyle/>
-            <a:p>
-              <a:pPr lvl="3" algn="l" defTabSz="642937">
-                <a:lnSpc>
-                  <a:spcPts val="24800"/>
-                </a:lnSpc>
-                <a:defRPr sz="7000" b="0" spc="-140">
-                  <a:solidFill>
-                    <a:srgbClr val="FFFFFF"/>
-                  </a:solidFill>
-                  <a:latin typeface="Montserrat Bold"/>
-                  <a:ea typeface="Montserrat Bold"/>
-                  <a:cs typeface="Montserrat Bold"/>
-                  <a:sym typeface="Montserrat Bold"/>
-                </a:defRPr>
-              </a:pPr>
-              <a:r>
-                <a:rPr dirty="0"/>
-                <a:t>PAGE </a:t>
-              </a:r>
-              <a:r>
-                <a:rPr lang="en-AU" dirty="0"/>
-                <a:t>124</a:t>
-              </a:r>
-              <a:endParaRPr dirty="0"/>
-            </a:p>
-          </p:txBody>
-        </p:sp>
-        <p:sp>
-          <p:nvSpPr>
-            <p:cNvPr id="21" name="Shape 143">
-              <a:extLst>
-                <a:ext uri="{FF2B5EF4-FFF2-40B4-BE49-F238E27FC236}">
-                  <a16:creationId xmlns:a16="http://schemas.microsoft.com/office/drawing/2014/main" id="{AC8CC9D7-C1CB-EF40-8779-C057C9EA7A7A}"/>
-                </a:ext>
-              </a:extLst>
-            </p:cNvPr>
-            <p:cNvSpPr/>
-            <p:nvPr/>
-          </p:nvSpPr>
-          <p:spPr>
-            <a:xfrm>
-              <a:off x="1334644" y="6636377"/>
-              <a:ext cx="21354888" cy="1621597"/>
-            </a:xfrm>
-            <a:prstGeom prst="rect">
-              <a:avLst/>
-            </a:prstGeom>
-            <a:ln w="12700">
-              <a:miter lim="400000"/>
-            </a:ln>
-            <a:extLst>
-              <a:ext uri="{C572A759-6A51-4108-AA02-DFA0A04FC94B}">
-                <ma14:wrappingTextBoxFlag xmlns="" xmlns:ma14="http://schemas.microsoft.com/office/mac/drawingml/2011/main" val="1"/>
-              </a:ext>
-            </a:extLst>
-          </p:spPr>
-          <p:txBody>
-            <a:bodyPr lIns="71437" tIns="71437" rIns="71437" bIns="71437">
-              <a:spAutoFit/>
-            </a:bodyPr>
-            <a:lstStyle>
-              <a:lvl1pPr algn="l">
-                <a:defRPr b="0">
-                  <a:latin typeface="Montserrat Medium"/>
-                  <a:ea typeface="Montserrat Medium"/>
-                  <a:cs typeface="Montserrat Medium"/>
-                  <a:sym typeface="Montserrat Medium"/>
-                </a:defRPr>
-              </a:lvl1pPr>
-            </a:lstStyle>
-            <a:p>
-              <a:r>
-                <a:rPr lang="en-AU" dirty="0"/>
-                <a:t>In this exercise, you will design and pilot a pop-up installation to gather data about a specific problem area. Focus on your own design problem, or follow the ‘Future Campus’ brief (p.208). Use the template available on the companion website. See p.211 for an example of a pop-up installation.</a:t>
-              </a:r>
-            </a:p>
-          </p:txBody>
-        </p:sp>
-        <p:sp>
-          <p:nvSpPr>
-            <p:cNvPr id="22" name="Shape 144">
-              <a:extLst>
-                <a:ext uri="{FF2B5EF4-FFF2-40B4-BE49-F238E27FC236}">
-                  <a16:creationId xmlns:a16="http://schemas.microsoft.com/office/drawing/2014/main" id="{B041B50B-B3E4-D640-B7E4-E5C3D1D3C7D3}"/>
-                </a:ext>
-              </a:extLst>
-            </p:cNvPr>
-            <p:cNvSpPr/>
-            <p:nvPr/>
-          </p:nvSpPr>
-          <p:spPr>
-            <a:xfrm rot="16200000">
-              <a:off x="16480800" y="3733069"/>
-              <a:ext cx="2107691" cy="1157253"/>
-            </a:xfrm>
-            <a:custGeom>
-              <a:avLst/>
-              <a:gdLst/>
-              <a:ahLst/>
-              <a:cxnLst>
-                <a:cxn ang="0">
-                  <a:pos x="wd2" y="hd2"/>
-                </a:cxn>
-                <a:cxn ang="5400000">
-                  <a:pos x="wd2" y="hd2"/>
-                </a:cxn>
-                <a:cxn ang="10800000">
-                  <a:pos x="wd2" y="hd2"/>
-                </a:cxn>
-                <a:cxn ang="16200000">
-                  <a:pos x="wd2" y="hd2"/>
-                </a:cxn>
-              </a:cxnLst>
-              <a:rect l="0" t="0" r="r" b="b"/>
-              <a:pathLst>
-                <a:path w="21600" h="21600" extrusionOk="0">
-                  <a:moveTo>
-                    <a:pt x="0" y="0"/>
-                  </a:moveTo>
-                  <a:lnTo>
-                    <a:pt x="0" y="21600"/>
-                  </a:lnTo>
-                  <a:lnTo>
-                    <a:pt x="21600" y="21600"/>
-                  </a:lnTo>
-                  <a:close/>
-                </a:path>
-              </a:pathLst>
-            </a:custGeom>
-            <a:solidFill>
-              <a:srgbClr val="212121"/>
-            </a:solidFill>
-            <a:ln w="12700">
-              <a:miter lim="400000"/>
-            </a:ln>
-          </p:spPr>
-          <p:txBody>
-            <a:bodyPr lIns="71437" tIns="71437" rIns="71437" bIns="71437" anchor="ctr"/>
-            <a:lstStyle/>
-            <a:p>
-              <a:pPr>
-                <a:defRPr sz="3000" b="0">
-                  <a:solidFill>
-                    <a:srgbClr val="FFFFFF"/>
-                  </a:solidFill>
-                  <a:latin typeface="+mn-lt"/>
-                  <a:ea typeface="+mn-ea"/>
-                  <a:cs typeface="+mn-cs"/>
-                  <a:sym typeface="Helvetica Neue Medium"/>
-                </a:defRPr>
-              </a:pPr>
-              <a:endParaRPr/>
-            </a:p>
-          </p:txBody>
-        </p:sp>
-        <p:sp>
-          <p:nvSpPr>
-            <p:cNvPr id="23" name="Shape 145">
-              <a:extLst>
-                <a:ext uri="{FF2B5EF4-FFF2-40B4-BE49-F238E27FC236}">
-                  <a16:creationId xmlns:a16="http://schemas.microsoft.com/office/drawing/2014/main" id="{92217D46-32B6-1442-BD1F-75C1EB12D53A}"/>
-                </a:ext>
-              </a:extLst>
-            </p:cNvPr>
-            <p:cNvSpPr/>
-            <p:nvPr/>
-          </p:nvSpPr>
-          <p:spPr>
-            <a:xfrm>
-              <a:off x="18112142" y="3266047"/>
-              <a:ext cx="6294408" cy="2107692"/>
-            </a:xfrm>
-            <a:prstGeom prst="rect">
-              <a:avLst/>
-            </a:prstGeom>
-            <a:solidFill>
-              <a:srgbClr val="212121"/>
-            </a:solidFill>
-            <a:ln w="12700">
-              <a:miter lim="400000"/>
-            </a:ln>
-          </p:spPr>
-          <p:txBody>
-            <a:bodyPr lIns="71437" tIns="71437" rIns="71437" bIns="71437" anchor="ctr"/>
-            <a:lstStyle/>
-            <a:p>
-              <a:pPr marR="254000" algn="r">
-                <a:defRPr sz="3000" b="0">
-                  <a:solidFill>
-                    <a:srgbClr val="FFFFFF"/>
-                  </a:solidFill>
-                  <a:latin typeface="Montserrat Bold"/>
-                  <a:ea typeface="Montserrat Bold"/>
-                  <a:cs typeface="Montserrat Bold"/>
-                  <a:sym typeface="Montserrat Bold"/>
-                </a:defRPr>
-              </a:pPr>
-              <a:endParaRPr/>
-            </a:p>
-          </p:txBody>
-        </p:sp>
-        <p:sp>
-          <p:nvSpPr>
-            <p:cNvPr id="24" name="Shape 146">
-              <a:extLst>
-                <a:ext uri="{FF2B5EF4-FFF2-40B4-BE49-F238E27FC236}">
-                  <a16:creationId xmlns:a16="http://schemas.microsoft.com/office/drawing/2014/main" id="{326C1A6E-5775-9946-BFC5-C6F6F84C721C}"/>
-                </a:ext>
-              </a:extLst>
-            </p:cNvPr>
-            <p:cNvSpPr/>
-            <p:nvPr/>
-          </p:nvSpPr>
-          <p:spPr>
-            <a:xfrm>
-              <a:off x="18954898" y="3328931"/>
-              <a:ext cx="5266984" cy="1990929"/>
-            </a:xfrm>
-            <a:prstGeom prst="rect">
-              <a:avLst/>
-            </a:prstGeom>
-            <a:ln w="12700">
-              <a:miter lim="400000"/>
-            </a:ln>
-            <a:extLst>
-              <a:ext uri="{C572A759-6A51-4108-AA02-DFA0A04FC94B}">
-                <ma14:wrappingTextBoxFlag xmlns="" xmlns:ma14="http://schemas.microsoft.com/office/mac/drawingml/2011/main" val="1"/>
-              </a:ext>
-            </a:extLst>
-          </p:spPr>
-          <p:txBody>
-            <a:bodyPr wrap="square" lIns="71437" tIns="71437" rIns="71437" bIns="71437" anchor="ctr">
-              <a:spAutoFit/>
-            </a:bodyPr>
-            <a:lstStyle/>
-            <a:p>
-              <a:pPr marR="254000" algn="r">
-                <a:defRPr sz="3000" b="0">
-                  <a:solidFill>
-                    <a:srgbClr val="FFFFFF"/>
-                  </a:solidFill>
-                  <a:latin typeface="Montserrat Bold"/>
-                  <a:ea typeface="Montserrat Bold"/>
-                  <a:cs typeface="Montserrat Bold"/>
-                  <a:sym typeface="Montserrat Bold"/>
-                </a:defRPr>
-              </a:pPr>
-              <a:r>
-                <a:rPr lang="en-AU" dirty="0"/>
-                <a:t>YOU WILL NEED -3-6 participants, A3</a:t>
-              </a:r>
-            </a:p>
-            <a:p>
-              <a:pPr marR="254000" algn="r">
-                <a:defRPr sz="3000" b="0">
-                  <a:solidFill>
-                    <a:srgbClr val="FFFFFF"/>
-                  </a:solidFill>
-                  <a:latin typeface="Montserrat Bold"/>
-                  <a:ea typeface="Montserrat Bold"/>
-                  <a:cs typeface="Montserrat Bold"/>
-                  <a:sym typeface="Montserrat Bold"/>
-                </a:defRPr>
-              </a:pPr>
-              <a:r>
-                <a:rPr lang="en-AU" dirty="0"/>
-                <a:t>paper, coloured pens,</a:t>
-              </a:r>
-            </a:p>
-            <a:p>
-              <a:pPr marR="254000" algn="r">
-                <a:defRPr sz="3000" b="0">
-                  <a:solidFill>
-                    <a:srgbClr val="FFFFFF"/>
-                  </a:solidFill>
-                  <a:latin typeface="Montserrat Bold"/>
-                  <a:ea typeface="Montserrat Bold"/>
-                  <a:cs typeface="Montserrat Bold"/>
-                  <a:sym typeface="Montserrat Bold"/>
-                </a:defRPr>
-              </a:pPr>
-              <a:r>
-                <a:rPr lang="en-AU" dirty="0"/>
-                <a:t>pen, sticky notes)</a:t>
-              </a:r>
-              <a:endParaRPr dirty="0">
-                <a:latin typeface="Montserrat Medium"/>
-                <a:ea typeface="Montserrat Medium"/>
-                <a:cs typeface="Montserrat Medium"/>
-                <a:sym typeface="Montserrat Medium"/>
-              </a:endParaRPr>
-            </a:p>
-          </p:txBody>
-        </p:sp>
-        <p:sp>
-          <p:nvSpPr>
-            <p:cNvPr id="25" name="Shape 147">
-              <a:extLst>
-                <a:ext uri="{FF2B5EF4-FFF2-40B4-BE49-F238E27FC236}">
-                  <a16:creationId xmlns:a16="http://schemas.microsoft.com/office/drawing/2014/main" id="{E49EFF0D-2F76-EB44-808B-0DDAC7B55CD0}"/>
-                </a:ext>
-              </a:extLst>
-            </p:cNvPr>
-            <p:cNvSpPr/>
-            <p:nvPr/>
-          </p:nvSpPr>
-          <p:spPr>
-            <a:xfrm>
-              <a:off x="2479707" y="9714356"/>
-              <a:ext cx="19139561" cy="1"/>
-            </a:xfrm>
-            <a:prstGeom prst="line">
-              <a:avLst/>
-            </a:prstGeom>
-            <a:ln w="88900">
-              <a:solidFill>
-                <a:srgbClr val="000000"/>
-              </a:solidFill>
-              <a:miter lim="400000"/>
-            </a:ln>
-          </p:spPr>
-          <p:txBody>
-            <a:bodyPr lIns="71437" tIns="71437" rIns="71437" bIns="71437" anchor="ctr"/>
-            <a:lstStyle/>
-            <a:p>
-              <a:pPr>
-                <a:defRPr sz="3000" b="0">
-                  <a:solidFill>
-                    <a:srgbClr val="FFFFFF"/>
-                  </a:solidFill>
-                  <a:latin typeface="+mn-lt"/>
-                  <a:ea typeface="+mn-ea"/>
-                  <a:cs typeface="+mn-cs"/>
-                  <a:sym typeface="Helvetica Neue Medium"/>
-                </a:defRPr>
-              </a:pPr>
-              <a:endParaRPr/>
-            </a:p>
-          </p:txBody>
-        </p:sp>
-        <p:sp>
-          <p:nvSpPr>
-            <p:cNvPr id="26" name="Shape 148">
-              <a:extLst>
-                <a:ext uri="{FF2B5EF4-FFF2-40B4-BE49-F238E27FC236}">
-                  <a16:creationId xmlns:a16="http://schemas.microsoft.com/office/drawing/2014/main" id="{924ED8FF-7D87-2542-B647-B46D097BE311}"/>
-                </a:ext>
-              </a:extLst>
-            </p:cNvPr>
-            <p:cNvSpPr/>
-            <p:nvPr/>
-          </p:nvSpPr>
-          <p:spPr>
-            <a:xfrm>
-              <a:off x="1478213" y="9195086"/>
-              <a:ext cx="1038542" cy="1038541"/>
-            </a:xfrm>
-            <a:prstGeom prst="ellipse">
-              <a:avLst/>
-            </a:prstGeom>
-            <a:solidFill>
-              <a:srgbClr val="D6D6D6"/>
-            </a:solidFill>
-            <a:ln w="12700">
-              <a:miter lim="400000"/>
-            </a:ln>
-            <a:extLst>
-              <a:ext uri="{C572A759-6A51-4108-AA02-DFA0A04FC94B}">
-                <ma14:wrappingTextBoxFlag xmlns="" xmlns:ma14="http://schemas.microsoft.com/office/mac/drawingml/2011/main" val="1"/>
-              </a:ext>
-            </a:extLst>
-          </p:spPr>
-          <p:txBody>
-            <a:bodyPr lIns="71437" tIns="71437" rIns="71437" bIns="71437" anchor="ctr"/>
-            <a:lstStyle>
-              <a:lvl1pPr>
-                <a:defRPr sz="4000" b="0">
-                  <a:solidFill>
-                    <a:srgbClr val="FFFFFF"/>
-                  </a:solidFill>
-                  <a:latin typeface="Montserrat Bold"/>
-                  <a:ea typeface="Montserrat Bold"/>
-                  <a:cs typeface="Montserrat Bold"/>
-                  <a:sym typeface="Montserrat Bold"/>
-                </a:defRPr>
-              </a:lvl1pPr>
-            </a:lstStyle>
-            <a:p>
-              <a:r>
-                <a:t>1</a:t>
-              </a:r>
-            </a:p>
-          </p:txBody>
-        </p:sp>
-        <p:sp>
-          <p:nvSpPr>
-            <p:cNvPr id="27" name="Shape 149">
-              <a:extLst>
-                <a:ext uri="{FF2B5EF4-FFF2-40B4-BE49-F238E27FC236}">
-                  <a16:creationId xmlns:a16="http://schemas.microsoft.com/office/drawing/2014/main" id="{E77B1715-0ADE-534A-8910-F7DE6CBABCD3}"/>
-                </a:ext>
-              </a:extLst>
-            </p:cNvPr>
-            <p:cNvSpPr/>
-            <p:nvPr/>
-          </p:nvSpPr>
-          <p:spPr>
-            <a:xfrm>
-              <a:off x="21318340" y="9195086"/>
-              <a:ext cx="1038542" cy="1038541"/>
-            </a:xfrm>
-            <a:prstGeom prst="ellipse">
-              <a:avLst/>
-            </a:prstGeom>
-            <a:solidFill>
-              <a:srgbClr val="EF5150"/>
-            </a:solidFill>
-            <a:ln w="12700">
-              <a:miter lim="400000"/>
-            </a:ln>
-            <a:extLst>
-              <a:ext uri="{C572A759-6A51-4108-AA02-DFA0A04FC94B}">
-                <ma14:wrappingTextBoxFlag xmlns="" xmlns:ma14="http://schemas.microsoft.com/office/mac/drawingml/2011/main" val="1"/>
-              </a:ext>
-            </a:extLst>
-          </p:spPr>
-          <p:txBody>
-            <a:bodyPr lIns="71437" tIns="71437" rIns="71437" bIns="71437" anchor="ctr"/>
-            <a:lstStyle>
-              <a:lvl1pPr>
-                <a:defRPr sz="4000" b="0">
-                  <a:solidFill>
-                    <a:srgbClr val="FFFFFF"/>
-                  </a:solidFill>
-                  <a:latin typeface="Montserrat Bold"/>
-                  <a:ea typeface="Montserrat Bold"/>
-                  <a:cs typeface="Montserrat Bold"/>
-                  <a:sym typeface="Montserrat Bold"/>
-                </a:defRPr>
-              </a:lvl1pPr>
-            </a:lstStyle>
-            <a:p>
-              <a:r>
-                <a:t>6</a:t>
-              </a:r>
-            </a:p>
-          </p:txBody>
-        </p:sp>
-        <p:sp>
-          <p:nvSpPr>
-            <p:cNvPr id="28" name="Shape 150">
-              <a:extLst>
-                <a:ext uri="{FF2B5EF4-FFF2-40B4-BE49-F238E27FC236}">
-                  <a16:creationId xmlns:a16="http://schemas.microsoft.com/office/drawing/2014/main" id="{E329F948-8119-E846-861A-08DFE6FD6B61}"/>
-                </a:ext>
-              </a:extLst>
-            </p:cNvPr>
-            <p:cNvSpPr/>
-            <p:nvPr/>
-          </p:nvSpPr>
-          <p:spPr>
-            <a:xfrm>
-              <a:off x="5446239" y="9195086"/>
-              <a:ext cx="1038541" cy="1038541"/>
-            </a:xfrm>
-            <a:prstGeom prst="ellipse">
-              <a:avLst/>
-            </a:prstGeom>
-            <a:solidFill>
-              <a:srgbClr val="D6D6D6"/>
-            </a:solidFill>
-            <a:ln w="12700">
-              <a:miter lim="400000"/>
-            </a:ln>
-            <a:extLst>
-              <a:ext uri="{C572A759-6A51-4108-AA02-DFA0A04FC94B}">
-                <ma14:wrappingTextBoxFlag xmlns="" xmlns:ma14="http://schemas.microsoft.com/office/mac/drawingml/2011/main" val="1"/>
-              </a:ext>
-            </a:extLst>
-          </p:spPr>
-          <p:txBody>
-            <a:bodyPr lIns="71437" tIns="71437" rIns="71437" bIns="71437" anchor="ctr"/>
-            <a:lstStyle>
-              <a:lvl1pPr>
-                <a:defRPr sz="4000" b="0">
-                  <a:solidFill>
-                    <a:srgbClr val="FFFFFF"/>
-                  </a:solidFill>
-                  <a:latin typeface="Montserrat Bold"/>
-                  <a:ea typeface="Montserrat Bold"/>
-                  <a:cs typeface="Montserrat Bold"/>
-                  <a:sym typeface="Montserrat Bold"/>
-                </a:defRPr>
-              </a:lvl1pPr>
-            </a:lstStyle>
-            <a:p>
-              <a:r>
-                <a:t>2</a:t>
-              </a:r>
-            </a:p>
-          </p:txBody>
-        </p:sp>
-        <p:sp>
-          <p:nvSpPr>
-            <p:cNvPr id="29" name="Shape 151">
-              <a:extLst>
-                <a:ext uri="{FF2B5EF4-FFF2-40B4-BE49-F238E27FC236}">
-                  <a16:creationId xmlns:a16="http://schemas.microsoft.com/office/drawing/2014/main" id="{97E1E06B-A7FA-074D-90B7-03C5D3925BEF}"/>
-                </a:ext>
-              </a:extLst>
-            </p:cNvPr>
-            <p:cNvSpPr/>
-            <p:nvPr/>
-          </p:nvSpPr>
-          <p:spPr>
-            <a:xfrm>
-              <a:off x="17350314" y="9195086"/>
-              <a:ext cx="1038541" cy="1038541"/>
-            </a:xfrm>
-            <a:prstGeom prst="ellipse">
-              <a:avLst/>
-            </a:prstGeom>
-            <a:solidFill>
-              <a:srgbClr val="D6D6D6"/>
-            </a:solidFill>
-            <a:ln w="12700">
-              <a:miter lim="400000"/>
-            </a:ln>
-            <a:extLst>
-              <a:ext uri="{C572A759-6A51-4108-AA02-DFA0A04FC94B}">
-                <ma14:wrappingTextBoxFlag xmlns="" xmlns:ma14="http://schemas.microsoft.com/office/mac/drawingml/2011/main" val="1"/>
-              </a:ext>
-            </a:extLst>
-          </p:spPr>
-          <p:txBody>
-            <a:bodyPr lIns="71437" tIns="71437" rIns="71437" bIns="71437" anchor="ctr"/>
-            <a:lstStyle>
-              <a:lvl1pPr>
-                <a:defRPr sz="4000" b="0">
-                  <a:solidFill>
-                    <a:srgbClr val="FFFFFF"/>
-                  </a:solidFill>
-                  <a:latin typeface="Montserrat Bold"/>
-                  <a:ea typeface="Montserrat Bold"/>
-                  <a:cs typeface="Montserrat Bold"/>
-                  <a:sym typeface="Montserrat Bold"/>
-                </a:defRPr>
-              </a:lvl1pPr>
-            </a:lstStyle>
-            <a:p>
-              <a:r>
-                <a:t>5</a:t>
-              </a:r>
-            </a:p>
-          </p:txBody>
-        </p:sp>
-        <p:sp>
-          <p:nvSpPr>
-            <p:cNvPr id="30" name="Shape 160">
-              <a:extLst>
-                <a:ext uri="{FF2B5EF4-FFF2-40B4-BE49-F238E27FC236}">
-                  <a16:creationId xmlns:a16="http://schemas.microsoft.com/office/drawing/2014/main" id="{2FA7CF6F-87E4-D14F-ACEE-B558CA08A045}"/>
-                </a:ext>
-              </a:extLst>
-            </p:cNvPr>
-            <p:cNvSpPr/>
-            <p:nvPr/>
-          </p:nvSpPr>
-          <p:spPr>
-            <a:xfrm>
-              <a:off x="8240" y="3225128"/>
-              <a:ext cx="12314562" cy="2321716"/>
-            </a:xfrm>
-            <a:prstGeom prst="rect">
-              <a:avLst/>
-            </a:prstGeom>
-            <a:solidFill>
-              <a:srgbClr val="EE5150"/>
-            </a:solidFill>
-            <a:ln w="12700">
-              <a:miter lim="400000"/>
-            </a:ln>
-          </p:spPr>
-          <p:txBody>
-            <a:bodyPr lIns="0" tIns="0" rIns="0" bIns="0" anchor="ctr"/>
-            <a:lstStyle/>
-            <a:p>
-              <a:pPr lvl="3" algn="l" defTabSz="642937">
-                <a:lnSpc>
-                  <a:spcPts val="27900"/>
-                </a:lnSpc>
-                <a:defRPr sz="9600">
-                  <a:solidFill>
-                    <a:srgbClr val="FFFFFF"/>
-                  </a:solidFill>
-                  <a:latin typeface="Tw Cen MT"/>
-                  <a:ea typeface="Tw Cen MT"/>
-                  <a:cs typeface="Tw Cen MT"/>
-                  <a:sym typeface="Tw Cen MT"/>
-                </a:defRPr>
-              </a:pPr>
-              <a:endParaRPr/>
-            </a:p>
-          </p:txBody>
-        </p:sp>
-        <p:sp>
-          <p:nvSpPr>
-            <p:cNvPr id="31" name="Shape 161">
-              <a:extLst>
-                <a:ext uri="{FF2B5EF4-FFF2-40B4-BE49-F238E27FC236}">
-                  <a16:creationId xmlns:a16="http://schemas.microsoft.com/office/drawing/2014/main" id="{AC30FF64-4C7C-3D41-9058-A03BED75176D}"/>
-                </a:ext>
-              </a:extLst>
-            </p:cNvPr>
-            <p:cNvSpPr/>
-            <p:nvPr/>
-          </p:nvSpPr>
-          <p:spPr>
-            <a:xfrm rot="5400000">
-              <a:off x="11791615" y="3750288"/>
-              <a:ext cx="2321715" cy="1271395"/>
-            </a:xfrm>
-            <a:custGeom>
-              <a:avLst/>
-              <a:gdLst/>
-              <a:ahLst/>
-              <a:cxnLst>
-                <a:cxn ang="0">
-                  <a:pos x="wd2" y="hd2"/>
-                </a:cxn>
-                <a:cxn ang="5400000">
-                  <a:pos x="wd2" y="hd2"/>
-                </a:cxn>
-                <a:cxn ang="10800000">
-                  <a:pos x="wd2" y="hd2"/>
-                </a:cxn>
-                <a:cxn ang="16200000">
-                  <a:pos x="wd2" y="hd2"/>
-                </a:cxn>
-              </a:cxnLst>
-              <a:rect l="0" t="0" r="r" b="b"/>
-              <a:pathLst>
-                <a:path w="21600" h="21600" extrusionOk="0">
-                  <a:moveTo>
-                    <a:pt x="0" y="0"/>
-                  </a:moveTo>
-                  <a:lnTo>
-                    <a:pt x="0" y="21600"/>
-                  </a:lnTo>
-                  <a:lnTo>
-                    <a:pt x="21600" y="21600"/>
-                  </a:lnTo>
-                  <a:close/>
-                </a:path>
-              </a:pathLst>
-            </a:custGeom>
-            <a:solidFill>
-              <a:srgbClr val="EE5150"/>
-            </a:solidFill>
-            <a:ln w="12700">
-              <a:miter lim="400000"/>
-            </a:ln>
-          </p:spPr>
-          <p:txBody>
-            <a:bodyPr lIns="71437" tIns="71437" rIns="71437" bIns="71437" anchor="ctr"/>
-            <a:lstStyle/>
-            <a:p>
-              <a:pPr>
-                <a:defRPr sz="3000" b="0">
-                  <a:solidFill>
-                    <a:srgbClr val="FFFFFF"/>
-                  </a:solidFill>
-                  <a:latin typeface="+mn-lt"/>
-                  <a:ea typeface="+mn-ea"/>
-                  <a:cs typeface="+mn-cs"/>
-                  <a:sym typeface="Helvetica Neue Medium"/>
-                </a:defRPr>
-              </a:pPr>
-              <a:endParaRPr/>
-            </a:p>
-          </p:txBody>
-        </p:sp>
-        <p:sp>
-          <p:nvSpPr>
-            <p:cNvPr id="32" name="Shape 162">
-              <a:extLst>
-                <a:ext uri="{FF2B5EF4-FFF2-40B4-BE49-F238E27FC236}">
-                  <a16:creationId xmlns:a16="http://schemas.microsoft.com/office/drawing/2014/main" id="{03958A33-972A-EE4B-B20C-D5467C637125}"/>
-                </a:ext>
-              </a:extLst>
-            </p:cNvPr>
-            <p:cNvSpPr/>
-            <p:nvPr/>
-          </p:nvSpPr>
-          <p:spPr>
-            <a:xfrm>
-              <a:off x="504899" y="1566572"/>
-              <a:ext cx="11321245" cy="3931013"/>
-            </a:xfrm>
-            <a:prstGeom prst="rect">
-              <a:avLst/>
-            </a:prstGeom>
-            <a:ln w="12700">
-              <a:miter lim="400000"/>
-            </a:ln>
-            <a:extLst>
-              <a:ext uri="{C572A759-6A51-4108-AA02-DFA0A04FC94B}">
-                <ma14:wrappingTextBoxFlag xmlns="" xmlns:ma14="http://schemas.microsoft.com/office/mac/drawingml/2011/main" val="1"/>
-              </a:ext>
-            </a:extLst>
-          </p:spPr>
-          <p:txBody>
-            <a:bodyPr lIns="0" tIns="0" rIns="0" bIns="0" anchor="ctr">
-              <a:spAutoFit/>
-            </a:bodyPr>
-            <a:lstStyle/>
-            <a:p>
-              <a:pPr lvl="3" algn="l" defTabSz="642937">
-                <a:lnSpc>
-                  <a:spcPts val="35600"/>
-                </a:lnSpc>
-                <a:defRPr sz="16000" b="0" spc="-319">
-                  <a:solidFill>
-                    <a:srgbClr val="FFFFFF"/>
-                  </a:solidFill>
-                  <a:latin typeface="Montserrat Bold"/>
-                  <a:ea typeface="Montserrat Bold"/>
-                  <a:cs typeface="Montserrat Bold"/>
-                  <a:sym typeface="Montserrat Bold"/>
-                </a:defRPr>
-              </a:pPr>
-              <a:r>
-                <a:rPr lang="en-AU" dirty="0"/>
-                <a:t>Pop-ups</a:t>
-              </a:r>
-              <a:endParaRPr dirty="0"/>
-            </a:p>
-          </p:txBody>
-        </p:sp>
-        <p:sp>
-          <p:nvSpPr>
-            <p:cNvPr id="33" name="Shape 163">
-              <a:extLst>
-                <a:ext uri="{FF2B5EF4-FFF2-40B4-BE49-F238E27FC236}">
-                  <a16:creationId xmlns:a16="http://schemas.microsoft.com/office/drawing/2014/main" id="{3994ABA4-4F00-974E-8F29-D87DE5244A47}"/>
-                </a:ext>
-              </a:extLst>
-            </p:cNvPr>
-            <p:cNvSpPr/>
-            <p:nvPr/>
-          </p:nvSpPr>
-          <p:spPr>
-            <a:xfrm>
-              <a:off x="9414264" y="9195086"/>
-              <a:ext cx="1038542" cy="1038541"/>
-            </a:xfrm>
-            <a:prstGeom prst="ellipse">
-              <a:avLst/>
-            </a:prstGeom>
-            <a:solidFill>
-              <a:srgbClr val="D6D6D6"/>
-            </a:solidFill>
-            <a:ln w="12700">
-              <a:miter lim="400000"/>
-            </a:ln>
-            <a:extLst>
-              <a:ext uri="{C572A759-6A51-4108-AA02-DFA0A04FC94B}">
-                <ma14:wrappingTextBoxFlag xmlns="" xmlns:ma14="http://schemas.microsoft.com/office/mac/drawingml/2011/main" val="1"/>
-              </a:ext>
-            </a:extLst>
-          </p:spPr>
-          <p:txBody>
-            <a:bodyPr lIns="71437" tIns="71437" rIns="71437" bIns="71437" anchor="ctr"/>
-            <a:lstStyle>
-              <a:lvl1pPr>
-                <a:defRPr sz="4000" b="0">
-                  <a:solidFill>
-                    <a:srgbClr val="FFFFFF"/>
-                  </a:solidFill>
-                  <a:latin typeface="Montserrat Bold"/>
-                  <a:ea typeface="Montserrat Bold"/>
-                  <a:cs typeface="Montserrat Bold"/>
-                  <a:sym typeface="Montserrat Bold"/>
-                </a:defRPr>
-              </a:lvl1pPr>
-            </a:lstStyle>
-            <a:p>
-              <a:r>
-                <a:t>3</a:t>
-              </a:r>
-            </a:p>
-          </p:txBody>
-        </p:sp>
-        <p:sp>
-          <p:nvSpPr>
-            <p:cNvPr id="34" name="Shape 165">
-              <a:extLst>
-                <a:ext uri="{FF2B5EF4-FFF2-40B4-BE49-F238E27FC236}">
-                  <a16:creationId xmlns:a16="http://schemas.microsoft.com/office/drawing/2014/main" id="{F83BB78F-990C-2C4F-B08D-23FC5B09F2F1}"/>
-                </a:ext>
-              </a:extLst>
-            </p:cNvPr>
-            <p:cNvSpPr/>
-            <p:nvPr/>
-          </p:nvSpPr>
-          <p:spPr>
-            <a:xfrm>
-              <a:off x="13382290" y="9195086"/>
-              <a:ext cx="1038541" cy="1038541"/>
-            </a:xfrm>
-            <a:prstGeom prst="ellipse">
-              <a:avLst/>
-            </a:prstGeom>
-            <a:solidFill>
-              <a:srgbClr val="D6D6D6"/>
-            </a:solidFill>
-            <a:ln w="12700">
-              <a:miter lim="400000"/>
-            </a:ln>
-            <a:extLst>
-              <a:ext uri="{C572A759-6A51-4108-AA02-DFA0A04FC94B}">
-                <ma14:wrappingTextBoxFlag xmlns="" xmlns:ma14="http://schemas.microsoft.com/office/mac/drawingml/2011/main" val="1"/>
-              </a:ext>
-            </a:extLst>
-          </p:spPr>
-          <p:txBody>
-            <a:bodyPr lIns="71437" tIns="71437" rIns="71437" bIns="71437" anchor="ctr"/>
-            <a:lstStyle>
-              <a:lvl1pPr>
-                <a:defRPr sz="4000" b="0">
-                  <a:solidFill>
-                    <a:srgbClr val="FFFFFF"/>
-                  </a:solidFill>
-                  <a:latin typeface="Montserrat Bold"/>
-                  <a:ea typeface="Montserrat Bold"/>
-                  <a:cs typeface="Montserrat Bold"/>
-                  <a:sym typeface="Montserrat Bold"/>
-                </a:defRPr>
-              </a:lvl1pPr>
-            </a:lstStyle>
-            <a:p>
-              <a:r>
-                <a:t>4</a:t>
-              </a:r>
-            </a:p>
-          </p:txBody>
-        </p:sp>
-      </p:grpSp>
-    </p:spTree>
+    <p:extLst>
+      <p:ext uri="{BB962C8B-B14F-4D97-AF65-F5344CB8AC3E}">
+        <p14:creationId xmlns:p14="http://schemas.microsoft.com/office/powerpoint/2010/main" val="1730184733"/>
+      </p:ext>
+    </p:extLst>
   </p:cSld>
   <p:clrMapOvr>
     <a:masterClrMapping/>
